--- a/docs/project-presentation.pptx
+++ b/docs/project-presentation.pptx
@@ -2,28 +2,29 @@
 <file path=ppt/presentation.xml><?xml version="1.0" encoding="utf-8"?>
 <p:presentation xmlns:a="http://schemas.openxmlformats.org/drawingml/2006/main" xmlns:r="http://schemas.openxmlformats.org/officeDocument/2006/relationships" xmlns:p="http://schemas.openxmlformats.org/presentationml/2006/main" saveSubsetFonts="1">
   <p:sldMasterIdLst>
-    <p:sldMasterId id="2147483648" r:id="rId1"/>
+    <p:sldMasterId id="2147483708" r:id="rId1"/>
   </p:sldMasterIdLst>
   <p:notesMasterIdLst>
-    <p:notesMasterId r:id="rId10"/>
+    <p:notesMasterId r:id="rId11"/>
   </p:notesMasterIdLst>
   <p:sldIdLst>
     <p:sldId id="256" r:id="rId2"/>
     <p:sldId id="257" r:id="rId3"/>
     <p:sldId id="261" r:id="rId4"/>
     <p:sldId id="260" r:id="rId5"/>
-    <p:sldId id="259" r:id="rId6"/>
+    <p:sldId id="265" r:id="rId6"/>
     <p:sldId id="263" r:id="rId7"/>
     <p:sldId id="258" r:id="rId8"/>
-    <p:sldId id="264" r:id="rId9"/>
+    <p:sldId id="266" r:id="rId9"/>
+    <p:sldId id="264" r:id="rId10"/>
   </p:sldIdLst>
   <p:sldSz cx="12192000" cy="6858000"/>
   <p:notesSz cx="6858000" cy="9144000"/>
   <p:defaultTextStyle>
     <a:defPPr>
-      <a:defRPr lang="de-DE"/>
+      <a:defRPr lang="en-US"/>
     </a:defPPr>
-    <a:lvl1pPr marL="0" algn="l" defTabSz="914400" rtl="0" eaLnBrk="1" latinLnBrk="0" hangingPunct="1">
+    <a:lvl1pPr marL="0" algn="l" defTabSz="457200" rtl="0" eaLnBrk="1" latinLnBrk="0" hangingPunct="1">
       <a:defRPr sz="1800" kern="1200">
         <a:solidFill>
           <a:schemeClr val="tx1"/>
@@ -33,7 +34,7 @@
         <a:cs typeface="+mn-cs"/>
       </a:defRPr>
     </a:lvl1pPr>
-    <a:lvl2pPr marL="457200" algn="l" defTabSz="914400" rtl="0" eaLnBrk="1" latinLnBrk="0" hangingPunct="1">
+    <a:lvl2pPr marL="457200" algn="l" defTabSz="457200" rtl="0" eaLnBrk="1" latinLnBrk="0" hangingPunct="1">
       <a:defRPr sz="1800" kern="1200">
         <a:solidFill>
           <a:schemeClr val="tx1"/>
@@ -43,7 +44,7 @@
         <a:cs typeface="+mn-cs"/>
       </a:defRPr>
     </a:lvl2pPr>
-    <a:lvl3pPr marL="914400" algn="l" defTabSz="914400" rtl="0" eaLnBrk="1" latinLnBrk="0" hangingPunct="1">
+    <a:lvl3pPr marL="914400" algn="l" defTabSz="457200" rtl="0" eaLnBrk="1" latinLnBrk="0" hangingPunct="1">
       <a:defRPr sz="1800" kern="1200">
         <a:solidFill>
           <a:schemeClr val="tx1"/>
@@ -53,7 +54,7 @@
         <a:cs typeface="+mn-cs"/>
       </a:defRPr>
     </a:lvl3pPr>
-    <a:lvl4pPr marL="1371600" algn="l" defTabSz="914400" rtl="0" eaLnBrk="1" latinLnBrk="0" hangingPunct="1">
+    <a:lvl4pPr marL="1371600" algn="l" defTabSz="457200" rtl="0" eaLnBrk="1" latinLnBrk="0" hangingPunct="1">
       <a:defRPr sz="1800" kern="1200">
         <a:solidFill>
           <a:schemeClr val="tx1"/>
@@ -63,7 +64,7 @@
         <a:cs typeface="+mn-cs"/>
       </a:defRPr>
     </a:lvl4pPr>
-    <a:lvl5pPr marL="1828800" algn="l" defTabSz="914400" rtl="0" eaLnBrk="1" latinLnBrk="0" hangingPunct="1">
+    <a:lvl5pPr marL="1828800" algn="l" defTabSz="457200" rtl="0" eaLnBrk="1" latinLnBrk="0" hangingPunct="1">
       <a:defRPr sz="1800" kern="1200">
         <a:solidFill>
           <a:schemeClr val="tx1"/>
@@ -73,7 +74,7 @@
         <a:cs typeface="+mn-cs"/>
       </a:defRPr>
     </a:lvl5pPr>
-    <a:lvl6pPr marL="2286000" algn="l" defTabSz="914400" rtl="0" eaLnBrk="1" latinLnBrk="0" hangingPunct="1">
+    <a:lvl6pPr marL="2286000" algn="l" defTabSz="457200" rtl="0" eaLnBrk="1" latinLnBrk="0" hangingPunct="1">
       <a:defRPr sz="1800" kern="1200">
         <a:solidFill>
           <a:schemeClr val="tx1"/>
@@ -83,7 +84,7 @@
         <a:cs typeface="+mn-cs"/>
       </a:defRPr>
     </a:lvl6pPr>
-    <a:lvl7pPr marL="2743200" algn="l" defTabSz="914400" rtl="0" eaLnBrk="1" latinLnBrk="0" hangingPunct="1">
+    <a:lvl7pPr marL="2743200" algn="l" defTabSz="457200" rtl="0" eaLnBrk="1" latinLnBrk="0" hangingPunct="1">
       <a:defRPr sz="1800" kern="1200">
         <a:solidFill>
           <a:schemeClr val="tx1"/>
@@ -93,7 +94,7 @@
         <a:cs typeface="+mn-cs"/>
       </a:defRPr>
     </a:lvl7pPr>
-    <a:lvl8pPr marL="3200400" algn="l" defTabSz="914400" rtl="0" eaLnBrk="1" latinLnBrk="0" hangingPunct="1">
+    <a:lvl8pPr marL="3200400" algn="l" defTabSz="457200" rtl="0" eaLnBrk="1" latinLnBrk="0" hangingPunct="1">
       <a:defRPr sz="1800" kern="1200">
         <a:solidFill>
           <a:schemeClr val="tx1"/>
@@ -103,7 +104,7 @@
         <a:cs typeface="+mn-cs"/>
       </a:defRPr>
     </a:lvl8pPr>
-    <a:lvl9pPr marL="3657600" algn="l" defTabSz="914400" rtl="0" eaLnBrk="1" latinLnBrk="0" hangingPunct="1">
+    <a:lvl9pPr marL="3657600" algn="l" defTabSz="457200" rtl="0" eaLnBrk="1" latinLnBrk="0" hangingPunct="1">
       <a:defRPr sz="1800" kern="1200">
         <a:solidFill>
           <a:schemeClr val="tx1"/>
@@ -204,7 +205,7 @@
           <a:p>
             <a:fld id="{ABC5BD08-9176-454C-BA7E-F69ACBDCE918}" type="datetimeFigureOut">
               <a:rPr lang="de-DE"/>
-              <a:t>25.09.2016</a:t>
+              <a:t>26.09.2016</a:t>
             </a:fld>
             <a:endParaRPr lang="de-DE"/>
           </a:p>
@@ -620,7 +621,7 @@
           <a:p>
             <a:fld id="{AE9E2D04-15C4-4177-9014-09E8AC06E589}" type="slidenum">
               <a:rPr lang="de-DE"/>
-              <a:t>‹Nr.›</a:t>
+              <a:t>3</a:t>
             </a:fld>
             <a:endParaRPr lang="de-DE"/>
           </a:p>
@@ -726,6 +727,14 @@
 <file path=ppt/slideLayouts/slideLayout1.xml><?xml version="1.0" encoding="utf-8"?>
 <p:sldLayout xmlns:a="http://schemas.openxmlformats.org/drawingml/2006/main" xmlns:r="http://schemas.openxmlformats.org/officeDocument/2006/relationships" xmlns:p="http://schemas.openxmlformats.org/presentationml/2006/main" type="title" preserve="1">
   <p:cSld name="Titelfolie">
+    <p:bg>
+      <p:bgPr>
+        <a:solidFill>
+          <a:schemeClr val="accent2"/>
+        </a:solidFill>
+        <a:effectLst/>
+      </p:bgPr>
+    </p:bg>
     <p:spTree>
       <p:nvGrpSpPr>
         <p:cNvPr id="1" name=""/>
@@ -742,58 +751,82 @@
       </p:grpSpPr>
       <p:sp>
         <p:nvSpPr>
-          <p:cNvPr id="2" name="Titel 1"/>
+          <p:cNvPr id="2" name="Title 1"/>
           <p:cNvSpPr>
             <a:spLocks noGrp="1"/>
           </p:cNvSpPr>
           <p:nvPr>
             <p:ph type="ctrTitle"/>
+          </p:nvPr>
+        </p:nvSpPr>
+        <p:spPr bwMode="blackWhite">
+          <a:xfrm>
+            <a:off x="1600200" y="2386744"/>
+            <a:ext cx="8991600" cy="1645920"/>
+          </a:xfrm>
+          <a:solidFill>
+            <a:srgbClr val="FFFFFF"/>
+          </a:solidFill>
+          <a:ln w="38100">
+            <a:solidFill>
+              <a:srgbClr val="404040"/>
+            </a:solidFill>
+          </a:ln>
+        </p:spPr>
+        <p:txBody>
+          <a:bodyPr lIns="274320" rIns="274320" anchor="ctr" anchorCtr="1">
+            <a:normAutofit/>
+          </a:bodyPr>
+          <a:lstStyle>
+            <a:lvl1pPr algn="ctr">
+              <a:defRPr sz="3800">
+                <a:solidFill>
+                  <a:srgbClr val="262626"/>
+                </a:solidFill>
+              </a:defRPr>
+            </a:lvl1pPr>
+          </a:lstStyle>
+          <a:p>
+            <a:r>
+              <a:rPr lang="de-DE"/>
+              <a:t>Titelmasterformat durch Klicken bearbeiten</a:t>
+            </a:r>
+            <a:endParaRPr lang="en-US" dirty="0"/>
+          </a:p>
+        </p:txBody>
+      </p:sp>
+      <p:sp>
+        <p:nvSpPr>
+          <p:cNvPr id="3" name="Subtitle 2"/>
+          <p:cNvSpPr>
+            <a:spLocks noGrp="1"/>
+          </p:cNvSpPr>
+          <p:nvPr>
+            <p:ph type="subTitle" idx="1"/>
           </p:nvPr>
         </p:nvSpPr>
         <p:spPr>
           <a:xfrm>
-            <a:off x="1524000" y="1122363"/>
-            <a:ext cx="9144000" cy="2387600"/>
+            <a:off x="2695194" y="4352544"/>
+            <a:ext cx="6801612" cy="1239894"/>
           </a:xfrm>
+          <a:noFill/>
         </p:spPr>
         <p:txBody>
-          <a:bodyPr anchor="b"/>
-          <a:lstStyle>
-            <a:lvl1pPr algn="ctr">
-              <a:defRPr sz="6000"/>
-            </a:lvl1pPr>
-          </a:lstStyle>
-          <a:p>
-            <a:r>
-              <a:rPr lang="de-DE"/>
-              <a:t>Titelmasterformat durch Klicken bearbeiten</a:t>
-            </a:r>
-            <a:endParaRPr lang="de-AT"/>
-          </a:p>
-        </p:txBody>
-      </p:sp>
-      <p:sp>
-        <p:nvSpPr>
-          <p:cNvPr id="3" name="Untertitel 2"/>
-          <p:cNvSpPr>
-            <a:spLocks noGrp="1"/>
-          </p:cNvSpPr>
-          <p:nvPr>
-            <p:ph type="subTitle" idx="1"/>
-          </p:nvPr>
-        </p:nvSpPr>
-        <p:spPr>
-          <a:xfrm>
-            <a:off x="1524000" y="3602038"/>
-            <a:ext cx="9144000" cy="1655762"/>
-          </a:xfrm>
-        </p:spPr>
-        <p:txBody>
-          <a:bodyPr/>
+          <a:bodyPr>
+            <a:normAutofit/>
+          </a:bodyPr>
           <a:lstStyle>
             <a:lvl1pPr marL="0" indent="0" algn="ctr">
               <a:buNone/>
-              <a:defRPr sz="2400"/>
+              <a:defRPr sz="2000">
+                <a:solidFill>
+                  <a:schemeClr val="tx1">
+                    <a:lumMod val="75000"/>
+                    <a:lumOff val="25000"/>
+                  </a:schemeClr>
+                </a:solidFill>
+              </a:defRPr>
             </a:lvl1pPr>
             <a:lvl2pPr marL="457200" indent="0" algn="ctr">
               <a:buNone/>
@@ -833,13 +866,13 @@
               <a:rPr lang="de-DE"/>
               <a:t>Formatvorlage des Untertitelmasters durch Klicken bearbeiten</a:t>
             </a:r>
-            <a:endParaRPr lang="de-AT"/>
-          </a:p>
-        </p:txBody>
-      </p:sp>
-      <p:sp>
-        <p:nvSpPr>
-          <p:cNvPr id="4" name="Datumsplatzhalter 3"/>
+            <a:endParaRPr lang="en-US" dirty="0"/>
+          </a:p>
+        </p:txBody>
+      </p:sp>
+      <p:sp>
+        <p:nvSpPr>
+          <p:cNvPr id="7" name="Date Placeholder 6"/>
           <p:cNvSpPr>
             <a:spLocks noGrp="1"/>
           </p:cNvSpPr>
@@ -854,7 +887,7 @@
           <a:p>
             <a:fld id="{F2DD08D9-7444-4DFB-8F1F-9B0CBC03251A}" type="datetimeFigureOut">
               <a:rPr lang="de-AT" smtClean="0"/>
-              <a:t>25.09.2016</a:t>
+              <a:t>26.09.2016</a:t>
             </a:fld>
             <a:endParaRPr lang="de-AT"/>
           </a:p>
@@ -862,7 +895,7 @@
       </p:sp>
       <p:sp>
         <p:nvSpPr>
-          <p:cNvPr id="5" name="Fußzeilenplatzhalter 4"/>
+          <p:cNvPr id="8" name="Footer Placeholder 7"/>
           <p:cNvSpPr>
             <a:spLocks noGrp="1"/>
           </p:cNvSpPr>
@@ -881,7 +914,7 @@
       </p:sp>
       <p:sp>
         <p:nvSpPr>
-          <p:cNvPr id="6" name="Foliennummernplatzhalter 5"/>
+          <p:cNvPr id="9" name="Slide Number Placeholder 8"/>
           <p:cNvSpPr>
             <a:spLocks noGrp="1"/>
           </p:cNvSpPr>
@@ -905,12 +938,12 @@
     </p:spTree>
     <p:extLst>
       <p:ext uri="{BB962C8B-B14F-4D97-AF65-F5344CB8AC3E}">
-        <p14:creationId xmlns:p14="http://schemas.microsoft.com/office/powerpoint/2010/main" val="401977100"/>
+        <p14:creationId xmlns:p14="http://schemas.microsoft.com/office/powerpoint/2010/main" val="1900659798"/>
       </p:ext>
     </p:extLst>
   </p:cSld>
   <p:clrMapOvr>
-    <a:masterClrMapping/>
+    <a:overrideClrMapping bg1="dk1" tx1="lt1" bg2="dk2" tx2="lt2" accent1="accent1" accent2="accent2" accent3="accent3" accent4="accent4" accent5="accent5" accent6="accent6" hlink="hlink" folHlink="folHlink"/>
   </p:clrMapOvr>
 </p:sldLayout>
 </file>
@@ -934,7 +967,7 @@
       </p:grpSpPr>
       <p:sp>
         <p:nvSpPr>
-          <p:cNvPr id="2" name="Titel 1"/>
+          <p:cNvPr id="2" name="Title 1"/>
           <p:cNvSpPr>
             <a:spLocks noGrp="1"/>
           </p:cNvSpPr>
@@ -951,13 +984,13 @@
               <a:rPr lang="de-DE"/>
               <a:t>Titelmasterformat durch Klicken bearbeiten</a:t>
             </a:r>
-            <a:endParaRPr lang="de-AT"/>
-          </a:p>
-        </p:txBody>
-      </p:sp>
-      <p:sp>
-        <p:nvSpPr>
-          <p:cNvPr id="3" name="Vertikaler Textplatzhalter 2"/>
+            <a:endParaRPr lang="en-US" dirty="0"/>
+          </a:p>
+        </p:txBody>
+      </p:sp>
+      <p:sp>
+        <p:nvSpPr>
+          <p:cNvPr id="3" name="Vertical Text Placeholder 2"/>
           <p:cNvSpPr>
             <a:spLocks noGrp="1"/>
           </p:cNvSpPr>
@@ -1003,13 +1036,13 @@
               <a:rPr lang="de-DE"/>
               <a:t>Fünfte Ebene</a:t>
             </a:r>
-            <a:endParaRPr lang="de-AT"/>
-          </a:p>
-        </p:txBody>
-      </p:sp>
-      <p:sp>
-        <p:nvSpPr>
-          <p:cNvPr id="4" name="Datumsplatzhalter 3"/>
+            <a:endParaRPr lang="en-US" dirty="0"/>
+          </a:p>
+        </p:txBody>
+      </p:sp>
+      <p:sp>
+        <p:nvSpPr>
+          <p:cNvPr id="4" name="Date Placeholder 3"/>
           <p:cNvSpPr>
             <a:spLocks noGrp="1"/>
           </p:cNvSpPr>
@@ -1024,7 +1057,7 @@
           <a:p>
             <a:fld id="{F2DD08D9-7444-4DFB-8F1F-9B0CBC03251A}" type="datetimeFigureOut">
               <a:rPr lang="de-AT" smtClean="0"/>
-              <a:t>25.09.2016</a:t>
+              <a:t>26.09.2016</a:t>
             </a:fld>
             <a:endParaRPr lang="de-AT"/>
           </a:p>
@@ -1032,7 +1065,7 @@
       </p:sp>
       <p:sp>
         <p:nvSpPr>
-          <p:cNvPr id="5" name="Fußzeilenplatzhalter 4"/>
+          <p:cNvPr id="5" name="Footer Placeholder 4"/>
           <p:cNvSpPr>
             <a:spLocks noGrp="1"/>
           </p:cNvSpPr>
@@ -1051,7 +1084,7 @@
       </p:sp>
       <p:sp>
         <p:nvSpPr>
-          <p:cNvPr id="6" name="Foliennummernplatzhalter 5"/>
+          <p:cNvPr id="6" name="Slide Number Placeholder 5"/>
           <p:cNvSpPr>
             <a:spLocks noGrp="1"/>
           </p:cNvSpPr>
@@ -1075,7 +1108,7 @@
     </p:spTree>
     <p:extLst>
       <p:ext uri="{BB962C8B-B14F-4D97-AF65-F5344CB8AC3E}">
-        <p14:creationId xmlns:p14="http://schemas.microsoft.com/office/powerpoint/2010/main" val="2761145083"/>
+        <p14:creationId xmlns:p14="http://schemas.microsoft.com/office/powerpoint/2010/main" val="1725440790"/>
       </p:ext>
     </p:extLst>
   </p:cSld>
@@ -1104,7 +1137,7 @@
       </p:grpSpPr>
       <p:sp>
         <p:nvSpPr>
-          <p:cNvPr id="2" name="Vertikaler Titel 1"/>
+          <p:cNvPr id="2" name="Vertical Title 1"/>
           <p:cNvSpPr>
             <a:spLocks noGrp="1"/>
           </p:cNvSpPr>
@@ -1114,8 +1147,8 @@
         </p:nvSpPr>
         <p:spPr>
           <a:xfrm>
-            <a:off x="8724900" y="365125"/>
-            <a:ext cx="2628900" cy="5811838"/>
+            <a:off x="8653112" y="937260"/>
+            <a:ext cx="1298608" cy="4983480"/>
           </a:xfrm>
         </p:spPr>
         <p:txBody>
@@ -1126,13 +1159,13 @@
               <a:rPr lang="de-DE"/>
               <a:t>Titelmasterformat durch Klicken bearbeiten</a:t>
             </a:r>
-            <a:endParaRPr lang="de-AT"/>
-          </a:p>
-        </p:txBody>
-      </p:sp>
-      <p:sp>
-        <p:nvSpPr>
-          <p:cNvPr id="3" name="Vertikaler Textplatzhalter 2"/>
+            <a:endParaRPr lang="en-US" dirty="0"/>
+          </a:p>
+        </p:txBody>
+      </p:sp>
+      <p:sp>
+        <p:nvSpPr>
+          <p:cNvPr id="3" name="Vertical Text Placeholder 2"/>
           <p:cNvSpPr>
             <a:spLocks noGrp="1"/>
           </p:cNvSpPr>
@@ -1142,8 +1175,8 @@
         </p:nvSpPr>
         <p:spPr>
           <a:xfrm>
-            <a:off x="838200" y="365125"/>
-            <a:ext cx="7734300" cy="5811838"/>
+            <a:off x="2231136" y="937260"/>
+            <a:ext cx="6198489" cy="4983480"/>
           </a:xfrm>
         </p:spPr>
         <p:txBody>
@@ -1183,13 +1216,13 @@
               <a:rPr lang="de-DE"/>
               <a:t>Fünfte Ebene</a:t>
             </a:r>
-            <a:endParaRPr lang="de-AT"/>
-          </a:p>
-        </p:txBody>
-      </p:sp>
-      <p:sp>
-        <p:nvSpPr>
-          <p:cNvPr id="4" name="Datumsplatzhalter 3"/>
+            <a:endParaRPr lang="en-US" dirty="0"/>
+          </a:p>
+        </p:txBody>
+      </p:sp>
+      <p:sp>
+        <p:nvSpPr>
+          <p:cNvPr id="4" name="Date Placeholder 3"/>
           <p:cNvSpPr>
             <a:spLocks noGrp="1"/>
           </p:cNvSpPr>
@@ -1204,7 +1237,7 @@
           <a:p>
             <a:fld id="{F2DD08D9-7444-4DFB-8F1F-9B0CBC03251A}" type="datetimeFigureOut">
               <a:rPr lang="de-AT" smtClean="0"/>
-              <a:t>25.09.2016</a:t>
+              <a:t>26.09.2016</a:t>
             </a:fld>
             <a:endParaRPr lang="de-AT"/>
           </a:p>
@@ -1212,7 +1245,7 @@
       </p:sp>
       <p:sp>
         <p:nvSpPr>
-          <p:cNvPr id="5" name="Fußzeilenplatzhalter 4"/>
+          <p:cNvPr id="5" name="Footer Placeholder 4"/>
           <p:cNvSpPr>
             <a:spLocks noGrp="1"/>
           </p:cNvSpPr>
@@ -1231,7 +1264,7 @@
       </p:sp>
       <p:sp>
         <p:nvSpPr>
-          <p:cNvPr id="6" name="Foliennummernplatzhalter 5"/>
+          <p:cNvPr id="6" name="Slide Number Placeholder 5"/>
           <p:cNvSpPr>
             <a:spLocks noGrp="1"/>
           </p:cNvSpPr>
@@ -1255,7 +1288,7 @@
     </p:spTree>
     <p:extLst>
       <p:ext uri="{BB962C8B-B14F-4D97-AF65-F5344CB8AC3E}">
-        <p14:creationId xmlns:p14="http://schemas.microsoft.com/office/powerpoint/2010/main" val="2802715604"/>
+        <p14:creationId xmlns:p14="http://schemas.microsoft.com/office/powerpoint/2010/main" val="3740156898"/>
       </p:ext>
     </p:extLst>
   </p:cSld>
@@ -1284,7 +1317,7 @@
       </p:grpSpPr>
       <p:sp>
         <p:nvSpPr>
-          <p:cNvPr id="2" name="Titel 1"/>
+          <p:cNvPr id="2" name="Title 1"/>
           <p:cNvSpPr>
             <a:spLocks noGrp="1"/>
           </p:cNvSpPr>
@@ -1301,13 +1334,13 @@
               <a:rPr lang="de-DE"/>
               <a:t>Titelmasterformat durch Klicken bearbeiten</a:t>
             </a:r>
-            <a:endParaRPr lang="de-AT"/>
-          </a:p>
-        </p:txBody>
-      </p:sp>
-      <p:sp>
-        <p:nvSpPr>
-          <p:cNvPr id="3" name="Inhaltsplatzhalter 2"/>
+            <a:endParaRPr lang="en-US" dirty="0"/>
+          </a:p>
+        </p:txBody>
+      </p:sp>
+      <p:sp>
+        <p:nvSpPr>
+          <p:cNvPr id="3" name="Content Placeholder 2"/>
           <p:cNvSpPr>
             <a:spLocks noGrp="1"/>
           </p:cNvSpPr>
@@ -1353,13 +1386,13 @@
               <a:rPr lang="de-DE"/>
               <a:t>Fünfte Ebene</a:t>
             </a:r>
-            <a:endParaRPr lang="de-AT"/>
-          </a:p>
-        </p:txBody>
-      </p:sp>
-      <p:sp>
-        <p:nvSpPr>
-          <p:cNvPr id="4" name="Datumsplatzhalter 3"/>
+            <a:endParaRPr lang="en-US" dirty="0"/>
+          </a:p>
+        </p:txBody>
+      </p:sp>
+      <p:sp>
+        <p:nvSpPr>
+          <p:cNvPr id="7" name="Date Placeholder 6"/>
           <p:cNvSpPr>
             <a:spLocks noGrp="1"/>
           </p:cNvSpPr>
@@ -1374,7 +1407,7 @@
           <a:p>
             <a:fld id="{F2DD08D9-7444-4DFB-8F1F-9B0CBC03251A}" type="datetimeFigureOut">
               <a:rPr lang="de-AT" smtClean="0"/>
-              <a:t>25.09.2016</a:t>
+              <a:t>26.09.2016</a:t>
             </a:fld>
             <a:endParaRPr lang="de-AT"/>
           </a:p>
@@ -1382,7 +1415,7 @@
       </p:sp>
       <p:sp>
         <p:nvSpPr>
-          <p:cNvPr id="5" name="Fußzeilenplatzhalter 4"/>
+          <p:cNvPr id="8" name="Footer Placeholder 7"/>
           <p:cNvSpPr>
             <a:spLocks noGrp="1"/>
           </p:cNvSpPr>
@@ -1401,7 +1434,7 @@
       </p:sp>
       <p:sp>
         <p:nvSpPr>
-          <p:cNvPr id="6" name="Foliennummernplatzhalter 5"/>
+          <p:cNvPr id="9" name="Slide Number Placeholder 8"/>
           <p:cNvSpPr>
             <a:spLocks noGrp="1"/>
           </p:cNvSpPr>
@@ -1425,7 +1458,7 @@
     </p:spTree>
     <p:extLst>
       <p:ext uri="{BB962C8B-B14F-4D97-AF65-F5344CB8AC3E}">
-        <p14:creationId xmlns:p14="http://schemas.microsoft.com/office/powerpoint/2010/main" val="474938060"/>
+        <p14:creationId xmlns:p14="http://schemas.microsoft.com/office/powerpoint/2010/main" val="17292464"/>
       </p:ext>
     </p:extLst>
   </p:cSld>
@@ -1438,6 +1471,14 @@
 <file path=ppt/slideLayouts/slideLayout3.xml><?xml version="1.0" encoding="utf-8"?>
 <p:sldLayout xmlns:a="http://schemas.openxmlformats.org/drawingml/2006/main" xmlns:r="http://schemas.openxmlformats.org/officeDocument/2006/relationships" xmlns:p="http://schemas.openxmlformats.org/presentationml/2006/main" type="secHead" preserve="1">
   <p:cSld name="Abschnitts-&#10;überschrift">
+    <p:bg>
+      <p:bgPr>
+        <a:solidFill>
+          <a:schemeClr val="accent1"/>
+        </a:solidFill>
+        <a:effectLst/>
+      </p:bgPr>
+    </p:bg>
     <p:spTree>
       <p:nvGrpSpPr>
         <p:cNvPr id="1" name=""/>
@@ -1454,62 +1495,76 @@
       </p:grpSpPr>
       <p:sp>
         <p:nvSpPr>
-          <p:cNvPr id="2" name="Titel 1"/>
+          <p:cNvPr id="2" name="Title 1"/>
           <p:cNvSpPr>
             <a:spLocks noGrp="1"/>
           </p:cNvSpPr>
           <p:nvPr>
             <p:ph type="title"/>
+          </p:nvPr>
+        </p:nvSpPr>
+        <p:spPr bwMode="blackWhite">
+          <a:xfrm>
+            <a:off x="1600200" y="2386744"/>
+            <a:ext cx="8991600" cy="1645920"/>
+          </a:xfrm>
+          <a:solidFill>
+            <a:srgbClr val="FFFFFF"/>
+          </a:solidFill>
+          <a:ln w="38100">
+            <a:solidFill>
+              <a:srgbClr val="404040"/>
+            </a:solidFill>
+          </a:ln>
+        </p:spPr>
+        <p:txBody>
+          <a:bodyPr lIns="274320" rIns="274320" anchor="ctr" anchorCtr="1">
+            <a:normAutofit/>
+          </a:bodyPr>
+          <a:lstStyle>
+            <a:lvl1pPr>
+              <a:defRPr sz="3800">
+                <a:solidFill>
+                  <a:srgbClr val="262626"/>
+                </a:solidFill>
+              </a:defRPr>
+            </a:lvl1pPr>
+          </a:lstStyle>
+          <a:p>
+            <a:r>
+              <a:rPr lang="de-DE"/>
+              <a:t>Titelmasterformat durch Klicken bearbeiten</a:t>
+            </a:r>
+            <a:endParaRPr lang="en-US" dirty="0"/>
+          </a:p>
+        </p:txBody>
+      </p:sp>
+      <p:sp>
+        <p:nvSpPr>
+          <p:cNvPr id="3" name="Text Placeholder 2"/>
+          <p:cNvSpPr>
+            <a:spLocks noGrp="1"/>
+          </p:cNvSpPr>
+          <p:nvPr>
+            <p:ph type="body" idx="1"/>
           </p:nvPr>
         </p:nvSpPr>
         <p:spPr>
           <a:xfrm>
-            <a:off x="831850" y="1709738"/>
-            <a:ext cx="10515600" cy="2852737"/>
+            <a:off x="2695194" y="4352465"/>
+            <a:ext cx="6801612" cy="1265082"/>
           </a:xfrm>
         </p:spPr>
         <p:txBody>
-          <a:bodyPr anchor="b"/>
-          <a:lstStyle>
-            <a:lvl1pPr>
-              <a:defRPr sz="6000"/>
-            </a:lvl1pPr>
-          </a:lstStyle>
-          <a:p>
-            <a:r>
-              <a:rPr lang="de-DE"/>
-              <a:t>Titelmasterformat durch Klicken bearbeiten</a:t>
-            </a:r>
-            <a:endParaRPr lang="de-AT"/>
-          </a:p>
-        </p:txBody>
-      </p:sp>
-      <p:sp>
-        <p:nvSpPr>
-          <p:cNvPr id="3" name="Textplatzhalter 2"/>
-          <p:cNvSpPr>
-            <a:spLocks noGrp="1"/>
-          </p:cNvSpPr>
-          <p:nvPr>
-            <p:ph type="body" idx="1"/>
-          </p:nvPr>
-        </p:nvSpPr>
-        <p:spPr>
-          <a:xfrm>
-            <a:off x="831850" y="4589463"/>
-            <a:ext cx="10515600" cy="1500187"/>
-          </a:xfrm>
-        </p:spPr>
-        <p:txBody>
-          <a:bodyPr/>
+          <a:bodyPr anchor="t" anchorCtr="1">
+            <a:normAutofit/>
+          </a:bodyPr>
           <a:lstStyle>
             <a:lvl1pPr marL="0" indent="0">
               <a:buNone/>
-              <a:defRPr sz="2400">
+              <a:defRPr sz="2000">
                 <a:solidFill>
-                  <a:schemeClr val="tx1">
-                    <a:tint val="75000"/>
-                  </a:schemeClr>
+                  <a:schemeClr val="tx1"/>
                 </a:solidFill>
               </a:defRPr>
             </a:lvl1pPr>
@@ -1605,7 +1660,7 @@
       </p:sp>
       <p:sp>
         <p:nvSpPr>
-          <p:cNvPr id="4" name="Datumsplatzhalter 3"/>
+          <p:cNvPr id="7" name="Date Placeholder 6"/>
           <p:cNvSpPr>
             <a:spLocks noGrp="1"/>
           </p:cNvSpPr>
@@ -1620,7 +1675,7 @@
           <a:p>
             <a:fld id="{F2DD08D9-7444-4DFB-8F1F-9B0CBC03251A}" type="datetimeFigureOut">
               <a:rPr lang="de-AT" smtClean="0"/>
-              <a:t>25.09.2016</a:t>
+              <a:t>26.09.2016</a:t>
             </a:fld>
             <a:endParaRPr lang="de-AT"/>
           </a:p>
@@ -1628,7 +1683,7 @@
       </p:sp>
       <p:sp>
         <p:nvSpPr>
-          <p:cNvPr id="5" name="Fußzeilenplatzhalter 4"/>
+          <p:cNvPr id="8" name="Footer Placeholder 7"/>
           <p:cNvSpPr>
             <a:spLocks noGrp="1"/>
           </p:cNvSpPr>
@@ -1647,7 +1702,7 @@
       </p:sp>
       <p:sp>
         <p:nvSpPr>
-          <p:cNvPr id="6" name="Foliennummernplatzhalter 5"/>
+          <p:cNvPr id="9" name="Slide Number Placeholder 8"/>
           <p:cNvSpPr>
             <a:spLocks noGrp="1"/>
           </p:cNvSpPr>
@@ -1671,12 +1726,12 @@
     </p:spTree>
     <p:extLst>
       <p:ext uri="{BB962C8B-B14F-4D97-AF65-F5344CB8AC3E}">
-        <p14:creationId xmlns:p14="http://schemas.microsoft.com/office/powerpoint/2010/main" val="862015764"/>
+        <p14:creationId xmlns:p14="http://schemas.microsoft.com/office/powerpoint/2010/main" val="3176052223"/>
       </p:ext>
     </p:extLst>
   </p:cSld>
   <p:clrMapOvr>
-    <a:masterClrMapping/>
+    <a:overrideClrMapping bg1="dk1" tx1="lt1" bg2="dk2" tx2="lt2" accent1="accent1" accent2="accent2" accent3="accent3" accent4="accent4" accent5="accent5" accent6="accent6" hlink="hlink" folHlink="folHlink"/>
   </p:clrMapOvr>
 </p:sldLayout>
 </file>
@@ -1700,7 +1755,7 @@
       </p:grpSpPr>
       <p:sp>
         <p:nvSpPr>
-          <p:cNvPr id="2" name="Titel 1"/>
+          <p:cNvPr id="2" name="Title 1"/>
           <p:cNvSpPr>
             <a:spLocks noGrp="1"/>
           </p:cNvSpPr>
@@ -1717,13 +1772,13 @@
               <a:rPr lang="de-DE"/>
               <a:t>Titelmasterformat durch Klicken bearbeiten</a:t>
             </a:r>
-            <a:endParaRPr lang="de-AT"/>
-          </a:p>
-        </p:txBody>
-      </p:sp>
-      <p:sp>
-        <p:nvSpPr>
-          <p:cNvPr id="3" name="Inhaltsplatzhalter 2"/>
+            <a:endParaRPr lang="en-US" dirty="0"/>
+          </a:p>
+        </p:txBody>
+      </p:sp>
+      <p:sp>
+        <p:nvSpPr>
+          <p:cNvPr id="3" name="Content Placeholder 2"/>
           <p:cNvSpPr>
             <a:spLocks noGrp="1"/>
           </p:cNvSpPr>
@@ -1733,8 +1788,8 @@
         </p:nvSpPr>
         <p:spPr>
           <a:xfrm>
-            <a:off x="838200" y="1825625"/>
-            <a:ext cx="5181600" cy="4351338"/>
+            <a:off x="1581912" y="2638044"/>
+            <a:ext cx="4271771" cy="3101982"/>
           </a:xfrm>
         </p:spPr>
         <p:txBody>
@@ -1774,13 +1829,13 @@
               <a:rPr lang="de-DE"/>
               <a:t>Fünfte Ebene</a:t>
             </a:r>
-            <a:endParaRPr lang="de-AT"/>
-          </a:p>
-        </p:txBody>
-      </p:sp>
-      <p:sp>
-        <p:nvSpPr>
-          <p:cNvPr id="4" name="Inhaltsplatzhalter 3"/>
+            <a:endParaRPr lang="en-US" dirty="0"/>
+          </a:p>
+        </p:txBody>
+      </p:sp>
+      <p:sp>
+        <p:nvSpPr>
+          <p:cNvPr id="4" name="Content Placeholder 3"/>
           <p:cNvSpPr>
             <a:spLocks noGrp="1"/>
           </p:cNvSpPr>
@@ -1790,8 +1845,8 @@
         </p:nvSpPr>
         <p:spPr>
           <a:xfrm>
-            <a:off x="6172200" y="1825625"/>
-            <a:ext cx="5181600" cy="4351338"/>
+            <a:off x="6338315" y="2638044"/>
+            <a:ext cx="4270247" cy="3101982"/>
           </a:xfrm>
         </p:spPr>
         <p:txBody>
@@ -1831,13 +1886,13 @@
               <a:rPr lang="de-DE"/>
               <a:t>Fünfte Ebene</a:t>
             </a:r>
-            <a:endParaRPr lang="de-AT"/>
-          </a:p>
-        </p:txBody>
-      </p:sp>
-      <p:sp>
-        <p:nvSpPr>
-          <p:cNvPr id="5" name="Datumsplatzhalter 4"/>
+            <a:endParaRPr lang="en-US" dirty="0"/>
+          </a:p>
+        </p:txBody>
+      </p:sp>
+      <p:sp>
+        <p:nvSpPr>
+          <p:cNvPr id="8" name="Date Placeholder 7"/>
           <p:cNvSpPr>
             <a:spLocks noGrp="1"/>
           </p:cNvSpPr>
@@ -1852,7 +1907,7 @@
           <a:p>
             <a:fld id="{F2DD08D9-7444-4DFB-8F1F-9B0CBC03251A}" type="datetimeFigureOut">
               <a:rPr lang="de-AT" smtClean="0"/>
-              <a:t>25.09.2016</a:t>
+              <a:t>26.09.2016</a:t>
             </a:fld>
             <a:endParaRPr lang="de-AT"/>
           </a:p>
@@ -1860,7 +1915,7 @@
       </p:sp>
       <p:sp>
         <p:nvSpPr>
-          <p:cNvPr id="6" name="Fußzeilenplatzhalter 5"/>
+          <p:cNvPr id="9" name="Footer Placeholder 8"/>
           <p:cNvSpPr>
             <a:spLocks noGrp="1"/>
           </p:cNvSpPr>
@@ -1879,7 +1934,7 @@
       </p:sp>
       <p:sp>
         <p:nvSpPr>
-          <p:cNvPr id="7" name="Foliennummernplatzhalter 6"/>
+          <p:cNvPr id="10" name="Slide Number Placeholder 9"/>
           <p:cNvSpPr>
             <a:spLocks noGrp="1"/>
           </p:cNvSpPr>
@@ -1903,7 +1958,7 @@
     </p:spTree>
     <p:extLst>
       <p:ext uri="{BB962C8B-B14F-4D97-AF65-F5344CB8AC3E}">
-        <p14:creationId xmlns:p14="http://schemas.microsoft.com/office/powerpoint/2010/main" val="2057902601"/>
+        <p14:creationId xmlns:p14="http://schemas.microsoft.com/office/powerpoint/2010/main" val="4070247859"/>
       </p:ext>
     </p:extLst>
   </p:cSld>
@@ -1932,58 +1987,38 @@
       </p:grpSpPr>
       <p:sp>
         <p:nvSpPr>
-          <p:cNvPr id="2" name="Titel 1"/>
-          <p:cNvSpPr>
-            <a:spLocks noGrp="1"/>
-          </p:cNvSpPr>
-          <p:nvPr>
-            <p:ph type="title"/>
+          <p:cNvPr id="3" name="Text Placeholder 2"/>
+          <p:cNvSpPr>
+            <a:spLocks noGrp="1"/>
+          </p:cNvSpPr>
+          <p:nvPr>
+            <p:ph type="body" idx="1"/>
           </p:nvPr>
         </p:nvSpPr>
         <p:spPr>
           <a:xfrm>
-            <a:off x="839788" y="365125"/>
-            <a:ext cx="10515600" cy="1325563"/>
+            <a:off x="1583436" y="2313433"/>
+            <a:ext cx="4270248" cy="704087"/>
           </a:xfrm>
         </p:spPr>
         <p:txBody>
-          <a:bodyPr/>
-          <a:lstStyle/>
-          <a:p>
-            <a:r>
-              <a:rPr lang="de-DE"/>
-              <a:t>Titelmasterformat durch Klicken bearbeiten</a:t>
-            </a:r>
-            <a:endParaRPr lang="de-AT"/>
-          </a:p>
-        </p:txBody>
-      </p:sp>
-      <p:sp>
-        <p:nvSpPr>
-          <p:cNvPr id="3" name="Textplatzhalter 2"/>
-          <p:cNvSpPr>
-            <a:spLocks noGrp="1"/>
-          </p:cNvSpPr>
-          <p:nvPr>
-            <p:ph type="body" idx="1"/>
-          </p:nvPr>
-        </p:nvSpPr>
-        <p:spPr>
-          <a:xfrm>
-            <a:off x="839788" y="1681163"/>
-            <a:ext cx="5157787" cy="823912"/>
-          </a:xfrm>
-        </p:spPr>
-        <p:txBody>
-          <a:bodyPr anchor="b"/>
+          <a:bodyPr anchor="b" anchorCtr="1">
+            <a:normAutofit/>
+          </a:bodyPr>
           <a:lstStyle>
-            <a:lvl1pPr marL="0" indent="0">
-              <a:buNone/>
-              <a:defRPr sz="2400" b="1"/>
+            <a:lvl1pPr marL="0" indent="0" algn="ctr">
+              <a:buNone/>
+              <a:defRPr sz="1900" b="0" cap="all" spc="100" baseline="0">
+                <a:solidFill>
+                  <a:schemeClr val="accent2">
+                    <a:lumMod val="75000"/>
+                  </a:schemeClr>
+                </a:solidFill>
+              </a:defRPr>
             </a:lvl1pPr>
             <a:lvl2pPr marL="457200" indent="0">
               <a:buNone/>
-              <a:defRPr sz="2000" b="1"/>
+              <a:defRPr sz="1900" b="1"/>
             </a:lvl2pPr>
             <a:lvl3pPr marL="914400" indent="0">
               <a:buNone/>
@@ -2025,7 +2060,7 @@
       </p:sp>
       <p:sp>
         <p:nvSpPr>
-          <p:cNvPr id="4" name="Inhaltsplatzhalter 3"/>
+          <p:cNvPr id="4" name="Content Placeholder 3"/>
           <p:cNvSpPr>
             <a:spLocks noGrp="1"/>
           </p:cNvSpPr>
@@ -2035,8 +2070,8 @@
         </p:nvSpPr>
         <p:spPr>
           <a:xfrm>
-            <a:off x="839788" y="2505075"/>
-            <a:ext cx="5157787" cy="3684588"/>
+            <a:off x="1583436" y="3143250"/>
+            <a:ext cx="4270248" cy="2596776"/>
           </a:xfrm>
         </p:spPr>
         <p:txBody>
@@ -2076,36 +2111,105 @@
               <a:rPr lang="de-DE"/>
               <a:t>Fünfte Ebene</a:t>
             </a:r>
-            <a:endParaRPr lang="de-AT"/>
-          </a:p>
-        </p:txBody>
-      </p:sp>
-      <p:sp>
-        <p:nvSpPr>
-          <p:cNvPr id="5" name="Textplatzhalter 4"/>
-          <p:cNvSpPr>
-            <a:spLocks noGrp="1"/>
-          </p:cNvSpPr>
-          <p:nvPr>
-            <p:ph type="body" sz="quarter" idx="3"/>
+            <a:endParaRPr lang="en-US" dirty="0"/>
+          </a:p>
+        </p:txBody>
+      </p:sp>
+      <p:sp>
+        <p:nvSpPr>
+          <p:cNvPr id="6" name="Content Placeholder 5"/>
+          <p:cNvSpPr>
+            <a:spLocks noGrp="1"/>
+          </p:cNvSpPr>
+          <p:nvPr>
+            <p:ph sz="quarter" idx="4"/>
           </p:nvPr>
         </p:nvSpPr>
         <p:spPr>
           <a:xfrm>
-            <a:off x="6172200" y="1681163"/>
-            <a:ext cx="5183188" cy="823912"/>
+            <a:off x="6338316" y="3143250"/>
+            <a:ext cx="4253484" cy="2596776"/>
           </a:xfrm>
         </p:spPr>
         <p:txBody>
-          <a:bodyPr anchor="b"/>
+          <a:bodyPr/>
           <a:lstStyle>
-            <a:lvl1pPr marL="0" indent="0">
-              <a:buNone/>
-              <a:defRPr sz="2400" b="1"/>
+            <a:lvl5pPr>
+              <a:defRPr/>
+            </a:lvl5pPr>
+          </a:lstStyle>
+          <a:p>
+            <a:pPr lvl="0"/>
+            <a:r>
+              <a:rPr lang="de-DE"/>
+              <a:t>Formatvorlagen des Textmasters bearbeiten</a:t>
+            </a:r>
+          </a:p>
+          <a:p>
+            <a:pPr lvl="1"/>
+            <a:r>
+              <a:rPr lang="de-DE"/>
+              <a:t>Zweite Ebene</a:t>
+            </a:r>
+          </a:p>
+          <a:p>
+            <a:pPr lvl="2"/>
+            <a:r>
+              <a:rPr lang="de-DE"/>
+              <a:t>Dritte Ebene</a:t>
+            </a:r>
+          </a:p>
+          <a:p>
+            <a:pPr lvl="3"/>
+            <a:r>
+              <a:rPr lang="de-DE"/>
+              <a:t>Vierte Ebene</a:t>
+            </a:r>
+          </a:p>
+          <a:p>
+            <a:pPr lvl="4"/>
+            <a:r>
+              <a:rPr lang="de-DE"/>
+              <a:t>Fünfte Ebene</a:t>
+            </a:r>
+            <a:endParaRPr lang="en-US" dirty="0"/>
+          </a:p>
+        </p:txBody>
+      </p:sp>
+      <p:sp>
+        <p:nvSpPr>
+          <p:cNvPr id="11" name="Text Placeholder 4"/>
+          <p:cNvSpPr>
+            <a:spLocks noGrp="1"/>
+          </p:cNvSpPr>
+          <p:nvPr>
+            <p:ph type="body" sz="quarter" idx="13"/>
+          </p:nvPr>
+        </p:nvSpPr>
+        <p:spPr>
+          <a:xfrm>
+            <a:off x="6338316" y="2313433"/>
+            <a:ext cx="4270248" cy="704087"/>
+          </a:xfrm>
+        </p:spPr>
+        <p:txBody>
+          <a:bodyPr anchor="b" anchorCtr="1">
+            <a:normAutofit/>
+          </a:bodyPr>
+          <a:lstStyle>
+            <a:lvl1pPr marL="0" indent="0" algn="ctr">
+              <a:buNone/>
+              <a:defRPr sz="1900" b="0" cap="all" spc="100" baseline="0">
+                <a:solidFill>
+                  <a:schemeClr val="accent2">
+                    <a:lumMod val="75000"/>
+                  </a:schemeClr>
+                </a:solidFill>
+              </a:defRPr>
             </a:lvl1pPr>
             <a:lvl2pPr marL="457200" indent="0">
               <a:buNone/>
-              <a:defRPr sz="2000" b="1"/>
+              <a:defRPr sz="1900" b="1"/>
             </a:lvl2pPr>
             <a:lvl3pPr marL="914400" indent="0">
               <a:buNone/>
@@ -2147,64 +2251,7 @@
       </p:sp>
       <p:sp>
         <p:nvSpPr>
-          <p:cNvPr id="6" name="Inhaltsplatzhalter 5"/>
-          <p:cNvSpPr>
-            <a:spLocks noGrp="1"/>
-          </p:cNvSpPr>
-          <p:nvPr>
-            <p:ph sz="quarter" idx="4"/>
-          </p:nvPr>
-        </p:nvSpPr>
-        <p:spPr>
-          <a:xfrm>
-            <a:off x="6172200" y="2505075"/>
-            <a:ext cx="5183188" cy="3684588"/>
-          </a:xfrm>
-        </p:spPr>
-        <p:txBody>
-          <a:bodyPr/>
-          <a:lstStyle/>
-          <a:p>
-            <a:pPr lvl="0"/>
-            <a:r>
-              <a:rPr lang="de-DE"/>
-              <a:t>Formatvorlagen des Textmasters bearbeiten</a:t>
-            </a:r>
-          </a:p>
-          <a:p>
-            <a:pPr lvl="1"/>
-            <a:r>
-              <a:rPr lang="de-DE"/>
-              <a:t>Zweite Ebene</a:t>
-            </a:r>
-          </a:p>
-          <a:p>
-            <a:pPr lvl="2"/>
-            <a:r>
-              <a:rPr lang="de-DE"/>
-              <a:t>Dritte Ebene</a:t>
-            </a:r>
-          </a:p>
-          <a:p>
-            <a:pPr lvl="3"/>
-            <a:r>
-              <a:rPr lang="de-DE"/>
-              <a:t>Vierte Ebene</a:t>
-            </a:r>
-          </a:p>
-          <a:p>
-            <a:pPr lvl="4"/>
-            <a:r>
-              <a:rPr lang="de-DE"/>
-              <a:t>Fünfte Ebene</a:t>
-            </a:r>
-            <a:endParaRPr lang="de-AT"/>
-          </a:p>
-        </p:txBody>
-      </p:sp>
-      <p:sp>
-        <p:nvSpPr>
-          <p:cNvPr id="7" name="Datumsplatzhalter 6"/>
+          <p:cNvPr id="7" name="Date Placeholder 6"/>
           <p:cNvSpPr>
             <a:spLocks noGrp="1"/>
           </p:cNvSpPr>
@@ -2219,7 +2266,7 @@
           <a:p>
             <a:fld id="{F2DD08D9-7444-4DFB-8F1F-9B0CBC03251A}" type="datetimeFigureOut">
               <a:rPr lang="de-AT" smtClean="0"/>
-              <a:t>25.09.2016</a:t>
+              <a:t>26.09.2016</a:t>
             </a:fld>
             <a:endParaRPr lang="de-AT"/>
           </a:p>
@@ -2227,7 +2274,7 @@
       </p:sp>
       <p:sp>
         <p:nvSpPr>
-          <p:cNvPr id="8" name="Fußzeilenplatzhalter 7"/>
+          <p:cNvPr id="8" name="Footer Placeholder 7"/>
           <p:cNvSpPr>
             <a:spLocks noGrp="1"/>
           </p:cNvSpPr>
@@ -2246,7 +2293,7 @@
       </p:sp>
       <p:sp>
         <p:nvSpPr>
-          <p:cNvPr id="9" name="Foliennummernplatzhalter 8"/>
+          <p:cNvPr id="9" name="Slide Number Placeholder 8"/>
           <p:cNvSpPr>
             <a:spLocks noGrp="1"/>
           </p:cNvSpPr>
@@ -2267,10 +2314,33 @@
           </a:p>
         </p:txBody>
       </p:sp>
+      <p:sp>
+        <p:nvSpPr>
+          <p:cNvPr id="10" name="Title 9"/>
+          <p:cNvSpPr>
+            <a:spLocks noGrp="1"/>
+          </p:cNvSpPr>
+          <p:nvPr>
+            <p:ph type="title"/>
+          </p:nvPr>
+        </p:nvSpPr>
+        <p:spPr/>
+        <p:txBody>
+          <a:bodyPr/>
+          <a:lstStyle/>
+          <a:p>
+            <a:r>
+              <a:rPr lang="de-DE"/>
+              <a:t>Titelmasterformat durch Klicken bearbeiten</a:t>
+            </a:r>
+            <a:endParaRPr lang="en-US" dirty="0"/>
+          </a:p>
+        </p:txBody>
+      </p:sp>
     </p:spTree>
     <p:extLst>
       <p:ext uri="{BB962C8B-B14F-4D97-AF65-F5344CB8AC3E}">
-        <p14:creationId xmlns:p14="http://schemas.microsoft.com/office/powerpoint/2010/main" val="524536161"/>
+        <p14:creationId xmlns:p14="http://schemas.microsoft.com/office/powerpoint/2010/main" val="3140085121"/>
       </p:ext>
     </p:extLst>
   </p:cSld>
@@ -2299,7 +2369,7 @@
       </p:grpSpPr>
       <p:sp>
         <p:nvSpPr>
-          <p:cNvPr id="2" name="Titel 1"/>
+          <p:cNvPr id="2" name="Title 1"/>
           <p:cNvSpPr>
             <a:spLocks noGrp="1"/>
           </p:cNvSpPr>
@@ -2316,13 +2386,13 @@
               <a:rPr lang="de-DE"/>
               <a:t>Titelmasterformat durch Klicken bearbeiten</a:t>
             </a:r>
-            <a:endParaRPr lang="de-AT"/>
-          </a:p>
-        </p:txBody>
-      </p:sp>
-      <p:sp>
-        <p:nvSpPr>
-          <p:cNvPr id="3" name="Datumsplatzhalter 2"/>
+            <a:endParaRPr lang="en-US" dirty="0"/>
+          </a:p>
+        </p:txBody>
+      </p:sp>
+      <p:sp>
+        <p:nvSpPr>
+          <p:cNvPr id="3" name="Date Placeholder 2"/>
           <p:cNvSpPr>
             <a:spLocks noGrp="1"/>
           </p:cNvSpPr>
@@ -2337,7 +2407,7 @@
           <a:p>
             <a:fld id="{F2DD08D9-7444-4DFB-8F1F-9B0CBC03251A}" type="datetimeFigureOut">
               <a:rPr lang="de-AT" smtClean="0"/>
-              <a:t>25.09.2016</a:t>
+              <a:t>26.09.2016</a:t>
             </a:fld>
             <a:endParaRPr lang="de-AT"/>
           </a:p>
@@ -2345,7 +2415,7 @@
       </p:sp>
       <p:sp>
         <p:nvSpPr>
-          <p:cNvPr id="4" name="Fußzeilenplatzhalter 3"/>
+          <p:cNvPr id="4" name="Footer Placeholder 3"/>
           <p:cNvSpPr>
             <a:spLocks noGrp="1"/>
           </p:cNvSpPr>
@@ -2364,7 +2434,7 @@
       </p:sp>
       <p:sp>
         <p:nvSpPr>
-          <p:cNvPr id="5" name="Foliennummernplatzhalter 4"/>
+          <p:cNvPr id="5" name="Slide Number Placeholder 4"/>
           <p:cNvSpPr>
             <a:spLocks noGrp="1"/>
           </p:cNvSpPr>
@@ -2388,7 +2458,7 @@
     </p:spTree>
     <p:extLst>
       <p:ext uri="{BB962C8B-B14F-4D97-AF65-F5344CB8AC3E}">
-        <p14:creationId xmlns:p14="http://schemas.microsoft.com/office/powerpoint/2010/main" val="1741664812"/>
+        <p14:creationId xmlns:p14="http://schemas.microsoft.com/office/powerpoint/2010/main" val="1089698863"/>
       </p:ext>
     </p:extLst>
   </p:cSld>
@@ -2417,7 +2487,7 @@
       </p:grpSpPr>
       <p:sp>
         <p:nvSpPr>
-          <p:cNvPr id="2" name="Datumsplatzhalter 1"/>
+          <p:cNvPr id="2" name="Date Placeholder 1"/>
           <p:cNvSpPr>
             <a:spLocks noGrp="1"/>
           </p:cNvSpPr>
@@ -2432,7 +2502,7 @@
           <a:p>
             <a:fld id="{F2DD08D9-7444-4DFB-8F1F-9B0CBC03251A}" type="datetimeFigureOut">
               <a:rPr lang="de-AT" smtClean="0"/>
-              <a:t>25.09.2016</a:t>
+              <a:t>26.09.2016</a:t>
             </a:fld>
             <a:endParaRPr lang="de-AT"/>
           </a:p>
@@ -2440,7 +2510,7 @@
       </p:sp>
       <p:sp>
         <p:nvSpPr>
-          <p:cNvPr id="3" name="Fußzeilenplatzhalter 2"/>
+          <p:cNvPr id="3" name="Footer Placeholder 2"/>
           <p:cNvSpPr>
             <a:spLocks noGrp="1"/>
           </p:cNvSpPr>
@@ -2459,7 +2529,7 @@
       </p:sp>
       <p:sp>
         <p:nvSpPr>
-          <p:cNvPr id="4" name="Foliennummernplatzhalter 3"/>
+          <p:cNvPr id="4" name="Slide Number Placeholder 3"/>
           <p:cNvSpPr>
             <a:spLocks noGrp="1"/>
           </p:cNvSpPr>
@@ -2483,7 +2553,7 @@
     </p:spTree>
     <p:extLst>
       <p:ext uri="{BB962C8B-B14F-4D97-AF65-F5344CB8AC3E}">
-        <p14:creationId xmlns:p14="http://schemas.microsoft.com/office/powerpoint/2010/main" val="426329846"/>
+        <p14:creationId xmlns:p14="http://schemas.microsoft.com/office/powerpoint/2010/main" val="964945866"/>
       </p:ext>
     </p:extLst>
   </p:cSld>
@@ -2512,143 +2582,223 @@
       </p:grpSpPr>
       <p:sp>
         <p:nvSpPr>
-          <p:cNvPr id="2" name="Titel 1"/>
-          <p:cNvSpPr>
-            <a:spLocks noGrp="1"/>
-          </p:cNvSpPr>
-          <p:nvPr>
-            <p:ph type="title"/>
-          </p:nvPr>
+          <p:cNvPr id="26" name="Rectangle 25"/>
+          <p:cNvSpPr/>
+          <p:nvPr/>
         </p:nvSpPr>
         <p:spPr>
           <a:xfrm>
-            <a:off x="839788" y="457200"/>
-            <a:ext cx="3932237" cy="1600200"/>
+            <a:off x="0" y="0"/>
+            <a:ext cx="6096000" cy="6858000"/>
+          </a:xfrm>
+          <a:prstGeom prst="rect">
+            <a:avLst/>
+          </a:prstGeom>
+          <a:solidFill>
+            <a:schemeClr val="accent2"/>
+          </a:solidFill>
+          <a:ln>
+            <a:noFill/>
+          </a:ln>
+        </p:spPr>
+        <p:style>
+          <a:lnRef idx="2">
+            <a:schemeClr val="accent1">
+              <a:shade val="50000"/>
+            </a:schemeClr>
+          </a:lnRef>
+          <a:fillRef idx="1">
+            <a:schemeClr val="accent1"/>
+          </a:fillRef>
+          <a:effectRef idx="0">
+            <a:schemeClr val="accent1"/>
+          </a:effectRef>
+          <a:fontRef idx="minor">
+            <a:schemeClr val="lt1"/>
+          </a:fontRef>
+        </p:style>
+      </p:sp>
+      <p:sp>
+        <p:nvSpPr>
+          <p:cNvPr id="2" name="Title 1"/>
+          <p:cNvSpPr>
+            <a:spLocks noGrp="1"/>
+          </p:cNvSpPr>
+          <p:nvPr>
+            <p:ph type="title"/>
+          </p:nvPr>
+        </p:nvSpPr>
+        <p:spPr bwMode="blackWhite">
+          <a:xfrm>
+            <a:off x="804672" y="2243828"/>
+            <a:ext cx="4486656" cy="1141497"/>
+          </a:xfrm>
+          <a:solidFill>
+            <a:srgbClr val="FFFFFF"/>
+          </a:solidFill>
+          <a:ln>
+            <a:solidFill>
+              <a:srgbClr val="404040"/>
+            </a:solidFill>
+          </a:ln>
+        </p:spPr>
+        <p:txBody>
+          <a:bodyPr anchor="ctr" anchorCtr="1">
+            <a:normAutofit/>
+          </a:bodyPr>
+          <a:lstStyle>
+            <a:lvl1pPr>
+              <a:defRPr sz="2200">
+                <a:solidFill>
+                  <a:srgbClr val="262626"/>
+                </a:solidFill>
+              </a:defRPr>
+            </a:lvl1pPr>
+          </a:lstStyle>
+          <a:p>
+            <a:r>
+              <a:rPr lang="de-DE"/>
+              <a:t>Titelmasterformat durch Klicken bearbeiten</a:t>
+            </a:r>
+            <a:endParaRPr lang="en-US" dirty="0"/>
+          </a:p>
+        </p:txBody>
+      </p:sp>
+      <p:sp>
+        <p:nvSpPr>
+          <p:cNvPr id="3" name="Content Placeholder 2"/>
+          <p:cNvSpPr>
+            <a:spLocks noGrp="1"/>
+          </p:cNvSpPr>
+          <p:nvPr>
+            <p:ph idx="1"/>
+          </p:nvPr>
+        </p:nvSpPr>
+        <p:spPr>
+          <a:xfrm>
+            <a:off x="6736080" y="804672"/>
+            <a:ext cx="4815840" cy="5248656"/>
           </a:xfrm>
         </p:spPr>
         <p:txBody>
-          <a:bodyPr anchor="b"/>
+          <a:bodyPr>
+            <a:normAutofit/>
+          </a:bodyPr>
           <a:lstStyle>
             <a:lvl1pPr>
-              <a:defRPr sz="3200"/>
+              <a:defRPr sz="1900">
+                <a:solidFill>
+                  <a:schemeClr val="tx1"/>
+                </a:solidFill>
+              </a:defRPr>
             </a:lvl1pPr>
+            <a:lvl2pPr>
+              <a:defRPr sz="1600">
+                <a:solidFill>
+                  <a:schemeClr val="tx1"/>
+                </a:solidFill>
+              </a:defRPr>
+            </a:lvl2pPr>
+            <a:lvl3pPr>
+              <a:defRPr sz="1600">
+                <a:solidFill>
+                  <a:schemeClr val="tx1"/>
+                </a:solidFill>
+              </a:defRPr>
+            </a:lvl3pPr>
+            <a:lvl4pPr>
+              <a:defRPr sz="1600">
+                <a:solidFill>
+                  <a:schemeClr val="tx1"/>
+                </a:solidFill>
+              </a:defRPr>
+            </a:lvl4pPr>
+            <a:lvl5pPr>
+              <a:defRPr sz="1600">
+                <a:solidFill>
+                  <a:schemeClr val="tx1"/>
+                </a:solidFill>
+              </a:defRPr>
+            </a:lvl5pPr>
+            <a:lvl6pPr>
+              <a:defRPr sz="1600"/>
+            </a:lvl6pPr>
+            <a:lvl7pPr>
+              <a:defRPr sz="1600"/>
+            </a:lvl7pPr>
+            <a:lvl8pPr>
+              <a:defRPr sz="1600"/>
+            </a:lvl8pPr>
+            <a:lvl9pPr>
+              <a:defRPr sz="1600"/>
+            </a:lvl9pPr>
           </a:lstStyle>
           <a:p>
-            <a:r>
-              <a:rPr lang="de-DE"/>
-              <a:t>Titelmasterformat durch Klicken bearbeiten</a:t>
-            </a:r>
-            <a:endParaRPr lang="de-AT"/>
-          </a:p>
-        </p:txBody>
-      </p:sp>
-      <p:sp>
-        <p:nvSpPr>
-          <p:cNvPr id="3" name="Inhaltsplatzhalter 2"/>
-          <p:cNvSpPr>
-            <a:spLocks noGrp="1"/>
-          </p:cNvSpPr>
-          <p:nvPr>
-            <p:ph idx="1"/>
+            <a:pPr lvl="0"/>
+            <a:r>
+              <a:rPr lang="de-DE"/>
+              <a:t>Formatvorlagen des Textmasters bearbeiten</a:t>
+            </a:r>
+          </a:p>
+          <a:p>
+            <a:pPr lvl="1"/>
+            <a:r>
+              <a:rPr lang="de-DE"/>
+              <a:t>Zweite Ebene</a:t>
+            </a:r>
+          </a:p>
+          <a:p>
+            <a:pPr lvl="2"/>
+            <a:r>
+              <a:rPr lang="de-DE"/>
+              <a:t>Dritte Ebene</a:t>
+            </a:r>
+          </a:p>
+          <a:p>
+            <a:pPr lvl="3"/>
+            <a:r>
+              <a:rPr lang="de-DE"/>
+              <a:t>Vierte Ebene</a:t>
+            </a:r>
+          </a:p>
+          <a:p>
+            <a:pPr lvl="4"/>
+            <a:r>
+              <a:rPr lang="de-DE"/>
+              <a:t>Fünfte Ebene</a:t>
+            </a:r>
+            <a:endParaRPr lang="en-US" dirty="0"/>
+          </a:p>
+        </p:txBody>
+      </p:sp>
+      <p:sp>
+        <p:nvSpPr>
+          <p:cNvPr id="4" name="Text Placeholder 3"/>
+          <p:cNvSpPr>
+            <a:spLocks noGrp="1"/>
+          </p:cNvSpPr>
+          <p:nvPr>
+            <p:ph type="body" sz="half" idx="2"/>
           </p:nvPr>
         </p:nvSpPr>
         <p:spPr>
           <a:xfrm>
-            <a:off x="5183188" y="987425"/>
-            <a:ext cx="6172200" cy="4873625"/>
+            <a:off x="1115568" y="3549918"/>
+            <a:ext cx="3794760" cy="2194036"/>
           </a:xfrm>
         </p:spPr>
         <p:txBody>
-          <a:bodyPr/>
+          <a:bodyPr anchor="t" anchorCtr="1">
+            <a:normAutofit/>
+          </a:bodyPr>
           <a:lstStyle>
-            <a:lvl1pPr>
-              <a:defRPr sz="3200"/>
-            </a:lvl1pPr>
-            <a:lvl2pPr>
-              <a:defRPr sz="2800"/>
-            </a:lvl2pPr>
-            <a:lvl3pPr>
-              <a:defRPr sz="2400"/>
-            </a:lvl3pPr>
-            <a:lvl4pPr>
-              <a:defRPr sz="2000"/>
-            </a:lvl4pPr>
-            <a:lvl5pPr>
-              <a:defRPr sz="2000"/>
-            </a:lvl5pPr>
-            <a:lvl6pPr>
-              <a:defRPr sz="2000"/>
-            </a:lvl6pPr>
-            <a:lvl7pPr>
-              <a:defRPr sz="2000"/>
-            </a:lvl7pPr>
-            <a:lvl8pPr>
-              <a:defRPr sz="2000"/>
-            </a:lvl8pPr>
-            <a:lvl9pPr>
-              <a:defRPr sz="2000"/>
-            </a:lvl9pPr>
-          </a:lstStyle>
-          <a:p>
-            <a:pPr lvl="0"/>
-            <a:r>
-              <a:rPr lang="de-DE"/>
-              <a:t>Formatvorlagen des Textmasters bearbeiten</a:t>
-            </a:r>
-          </a:p>
-          <a:p>
-            <a:pPr lvl="1"/>
-            <a:r>
-              <a:rPr lang="de-DE"/>
-              <a:t>Zweite Ebene</a:t>
-            </a:r>
-          </a:p>
-          <a:p>
-            <a:pPr lvl="2"/>
-            <a:r>
-              <a:rPr lang="de-DE"/>
-              <a:t>Dritte Ebene</a:t>
-            </a:r>
-          </a:p>
-          <a:p>
-            <a:pPr lvl="3"/>
-            <a:r>
-              <a:rPr lang="de-DE"/>
-              <a:t>Vierte Ebene</a:t>
-            </a:r>
-          </a:p>
-          <a:p>
-            <a:pPr lvl="4"/>
-            <a:r>
-              <a:rPr lang="de-DE"/>
-              <a:t>Fünfte Ebene</a:t>
-            </a:r>
-            <a:endParaRPr lang="de-AT"/>
-          </a:p>
-        </p:txBody>
-      </p:sp>
-      <p:sp>
-        <p:nvSpPr>
-          <p:cNvPr id="4" name="Textplatzhalter 3"/>
-          <p:cNvSpPr>
-            <a:spLocks noGrp="1"/>
-          </p:cNvSpPr>
-          <p:nvPr>
-            <p:ph type="body" sz="half" idx="2"/>
-          </p:nvPr>
-        </p:nvSpPr>
-        <p:spPr>
-          <a:xfrm>
-            <a:off x="839788" y="2057400"/>
-            <a:ext cx="3932237" cy="3811588"/>
-          </a:xfrm>
-        </p:spPr>
-        <p:txBody>
-          <a:bodyPr/>
-          <a:lstStyle>
-            <a:lvl1pPr marL="0" indent="0">
-              <a:buNone/>
-              <a:defRPr sz="1600"/>
+            <a:lvl1pPr marL="0" indent="0" algn="ctr">
+              <a:buNone/>
+              <a:defRPr sz="1500">
+                <a:solidFill>
+                  <a:srgbClr val="FFFFFF"/>
+                </a:solidFill>
+              </a:defRPr>
             </a:lvl1pPr>
             <a:lvl2pPr marL="457200" indent="0">
               <a:buNone/>
@@ -2694,7 +2844,7 @@
       </p:sp>
       <p:sp>
         <p:nvSpPr>
-          <p:cNvPr id="5" name="Datumsplatzhalter 4"/>
+          <p:cNvPr id="9" name="Date Placeholder 8"/>
           <p:cNvSpPr>
             <a:spLocks noGrp="1"/>
           </p:cNvSpPr>
@@ -2709,7 +2859,7 @@
           <a:p>
             <a:fld id="{F2DD08D9-7444-4DFB-8F1F-9B0CBC03251A}" type="datetimeFigureOut">
               <a:rPr lang="de-AT" smtClean="0"/>
-              <a:t>25.09.2016</a:t>
+              <a:t>26.09.2016</a:t>
             </a:fld>
             <a:endParaRPr lang="de-AT"/>
           </a:p>
@@ -2717,7 +2867,7 @@
       </p:sp>
       <p:sp>
         <p:nvSpPr>
-          <p:cNvPr id="6" name="Fußzeilenplatzhalter 5"/>
+          <p:cNvPr id="10" name="Footer Placeholder 9"/>
           <p:cNvSpPr>
             <a:spLocks noGrp="1"/>
           </p:cNvSpPr>
@@ -2725,10 +2875,25 @@
             <p:ph type="ftr" sz="quarter" idx="11"/>
           </p:nvPr>
         </p:nvSpPr>
-        <p:spPr/>
-        <p:txBody>
-          <a:bodyPr/>
-          <a:lstStyle/>
+        <p:spPr>
+          <a:xfrm>
+            <a:off x="804672" y="6236208"/>
+            <a:ext cx="5124797" cy="320040"/>
+          </a:xfrm>
+        </p:spPr>
+        <p:txBody>
+          <a:bodyPr/>
+          <a:lstStyle>
+            <a:lvl1pPr>
+              <a:defRPr>
+                <a:solidFill>
+                  <a:srgbClr val="FFFFFF">
+                    <a:alpha val="70000"/>
+                  </a:srgbClr>
+                </a:solidFill>
+              </a:defRPr>
+            </a:lvl1pPr>
+          </a:lstStyle>
           <a:p>
             <a:endParaRPr lang="de-AT"/>
           </a:p>
@@ -2736,7 +2901,7 @@
       </p:sp>
       <p:sp>
         <p:nvSpPr>
-          <p:cNvPr id="7" name="Foliennummernplatzhalter 6"/>
+          <p:cNvPr id="11" name="Slide Number Placeholder 10"/>
           <p:cNvSpPr>
             <a:spLocks noGrp="1"/>
           </p:cNvSpPr>
@@ -2760,7 +2925,7 @@
     </p:spTree>
     <p:extLst>
       <p:ext uri="{BB962C8B-B14F-4D97-AF65-F5344CB8AC3E}">
-        <p14:creationId xmlns:p14="http://schemas.microsoft.com/office/powerpoint/2010/main" val="594508615"/>
+        <p14:creationId xmlns:p14="http://schemas.microsoft.com/office/powerpoint/2010/main" val="1220873888"/>
       </p:ext>
     </p:extLst>
   </p:cSld>
@@ -2789,25 +2954,77 @@
       </p:grpSpPr>
       <p:sp>
         <p:nvSpPr>
-          <p:cNvPr id="2" name="Titel 1"/>
-          <p:cNvSpPr>
-            <a:spLocks noGrp="1"/>
-          </p:cNvSpPr>
-          <p:nvPr>
-            <p:ph type="title"/>
-          </p:nvPr>
+          <p:cNvPr id="18" name="Rectangle 17"/>
+          <p:cNvSpPr/>
+          <p:nvPr/>
         </p:nvSpPr>
         <p:spPr>
           <a:xfrm>
-            <a:off x="839788" y="457200"/>
-            <a:ext cx="3932237" cy="1600200"/>
+            <a:off x="0" y="0"/>
+            <a:ext cx="6095999" cy="6858000"/>
           </a:xfrm>
+          <a:prstGeom prst="rect">
+            <a:avLst/>
+          </a:prstGeom>
+          <a:solidFill>
+            <a:schemeClr val="accent2"/>
+          </a:solidFill>
+          <a:ln>
+            <a:noFill/>
+          </a:ln>
         </p:spPr>
-        <p:txBody>
-          <a:bodyPr anchor="b"/>
+        <p:style>
+          <a:lnRef idx="2">
+            <a:schemeClr val="accent1">
+              <a:shade val="50000"/>
+            </a:schemeClr>
+          </a:lnRef>
+          <a:fillRef idx="1">
+            <a:schemeClr val="accent1"/>
+          </a:fillRef>
+          <a:effectRef idx="0">
+            <a:schemeClr val="accent1"/>
+          </a:effectRef>
+          <a:fontRef idx="minor">
+            <a:schemeClr val="lt1"/>
+          </a:fontRef>
+        </p:style>
+      </p:sp>
+      <p:sp>
+        <p:nvSpPr>
+          <p:cNvPr id="2" name="Title 1"/>
+          <p:cNvSpPr>
+            <a:spLocks noGrp="1"/>
+          </p:cNvSpPr>
+          <p:nvPr>
+            <p:ph type="title"/>
+          </p:nvPr>
+        </p:nvSpPr>
+        <p:spPr bwMode="blackWhite">
+          <a:xfrm>
+            <a:off x="808523" y="2243828"/>
+            <a:ext cx="4494998" cy="1134640"/>
+          </a:xfrm>
+          <a:solidFill>
+            <a:srgbClr val="FFFFFF"/>
+          </a:solidFill>
+          <a:ln>
+            <a:solidFill>
+              <a:srgbClr val="404040"/>
+            </a:solidFill>
+          </a:ln>
+        </p:spPr>
+        <p:txBody>
+          <a:bodyPr anchor="ctr" anchorCtr="1">
+            <a:noAutofit/>
+          </a:bodyPr>
           <a:lstStyle>
             <a:lvl1pPr>
-              <a:defRPr sz="3200"/>
+              <a:defRPr sz="2200">
+                <a:solidFill>
+                  <a:srgbClr val="262626"/>
+                </a:solidFill>
+              </a:defRPr>
             </a:lvl1pPr>
           </a:lstStyle>
           <a:p>
@@ -2815,15 +3032,15 @@
               <a:rPr lang="de-DE"/>
               <a:t>Titelmasterformat durch Klicken bearbeiten</a:t>
             </a:r>
-            <a:endParaRPr lang="de-AT"/>
-          </a:p>
-        </p:txBody>
-      </p:sp>
-      <p:sp>
-        <p:nvSpPr>
-          <p:cNvPr id="3" name="Bildplatzhalter 2"/>
-          <p:cNvSpPr>
-            <a:spLocks noGrp="1"/>
+            <a:endParaRPr lang="en-US" dirty="0"/>
+          </a:p>
+        </p:txBody>
+      </p:sp>
+      <p:sp>
+        <p:nvSpPr>
+          <p:cNvPr id="3" name="Picture Placeholder 2"/>
+          <p:cNvSpPr>
+            <a:spLocks noGrp="1" noChangeAspect="1"/>
           </p:cNvSpPr>
           <p:nvPr>
             <p:ph type="pic" idx="1"/>
@@ -2831,16 +3048,28 @@
         </p:nvSpPr>
         <p:spPr>
           <a:xfrm>
-            <a:off x="5183188" y="987425"/>
-            <a:ext cx="6172200" cy="4873625"/>
+            <a:off x="6095999" y="0"/>
+            <a:ext cx="6102097" cy="6858000"/>
           </a:xfrm>
+          <a:solidFill>
+            <a:schemeClr val="bg1">
+              <a:lumMod val="75000"/>
+            </a:schemeClr>
+          </a:solidFill>
         </p:spPr>
         <p:txBody>
-          <a:bodyPr/>
+          <a:bodyPr anchor="t"/>
           <a:lstStyle>
             <a:lvl1pPr marL="0" indent="0">
               <a:buNone/>
-              <a:defRPr sz="3200"/>
+              <a:defRPr sz="3200">
+                <a:solidFill>
+                  <a:schemeClr val="bg1">
+                    <a:lumMod val="85000"/>
+                    <a:lumOff val="15000"/>
+                  </a:schemeClr>
+                </a:solidFill>
+              </a:defRPr>
             </a:lvl1pPr>
             <a:lvl2pPr marL="457200" indent="0">
               <a:buNone/>
@@ -2876,13 +3105,17 @@
             </a:lvl9pPr>
           </a:lstStyle>
           <a:p>
-            <a:endParaRPr lang="de-AT"/>
-          </a:p>
-        </p:txBody>
-      </p:sp>
-      <p:sp>
-        <p:nvSpPr>
-          <p:cNvPr id="4" name="Textplatzhalter 3"/>
+            <a:r>
+              <a:rPr lang="de-DE"/>
+              <a:t>Bild durch Klicken auf Symbol hinzufügen</a:t>
+            </a:r>
+            <a:endParaRPr lang="en-US" dirty="0"/>
+          </a:p>
+        </p:txBody>
+      </p:sp>
+      <p:sp>
+        <p:nvSpPr>
+          <p:cNvPr id="4" name="Text Placeholder 3"/>
           <p:cNvSpPr>
             <a:spLocks noGrp="1"/>
           </p:cNvSpPr>
@@ -2892,16 +3125,22 @@
         </p:nvSpPr>
         <p:spPr>
           <a:xfrm>
-            <a:off x="839788" y="2057400"/>
-            <a:ext cx="3932237" cy="3811588"/>
+            <a:off x="1115568" y="3549918"/>
+            <a:ext cx="3794760" cy="2194037"/>
           </a:xfrm>
         </p:spPr>
         <p:txBody>
-          <a:bodyPr/>
+          <a:bodyPr anchor="t" anchorCtr="1">
+            <a:normAutofit/>
+          </a:bodyPr>
           <a:lstStyle>
-            <a:lvl1pPr marL="0" indent="0">
-              <a:buNone/>
-              <a:defRPr sz="1600"/>
+            <a:lvl1pPr marL="0" indent="0" algn="ctr">
+              <a:buNone/>
+              <a:defRPr sz="1500">
+                <a:solidFill>
+                  <a:srgbClr val="FFFFFF"/>
+                </a:solidFill>
+              </a:defRPr>
             </a:lvl1pPr>
             <a:lvl2pPr marL="457200" indent="0">
               <a:buNone/>
@@ -2947,7 +3186,7 @@
       </p:sp>
       <p:sp>
         <p:nvSpPr>
-          <p:cNvPr id="5" name="Datumsplatzhalter 4"/>
+          <p:cNvPr id="8" name="Date Placeholder 7"/>
           <p:cNvSpPr>
             <a:spLocks noGrp="1"/>
           </p:cNvSpPr>
@@ -2958,11 +3197,26 @@
         <p:spPr/>
         <p:txBody>
           <a:bodyPr/>
-          <a:lstStyle/>
+          <a:lstStyle>
+            <a:lvl1pPr>
+              <a:defRPr>
+                <a:solidFill>
+                  <a:srgbClr val="FFFFFF"/>
+                </a:solidFill>
+                <a:effectLst>
+                  <a:outerShdw blurRad="50800" dist="38100" dir="2700000" algn="tl" rotWithShape="0">
+                    <a:prstClr val="black">
+                      <a:alpha val="43000"/>
+                    </a:prstClr>
+                  </a:outerShdw>
+                </a:effectLst>
+              </a:defRPr>
+            </a:lvl1pPr>
+          </a:lstStyle>
           <a:p>
             <a:fld id="{F2DD08D9-7444-4DFB-8F1F-9B0CBC03251A}" type="datetimeFigureOut">
               <a:rPr lang="de-AT" smtClean="0"/>
-              <a:t>25.09.2016</a:t>
+              <a:t>26.09.2016</a:t>
             </a:fld>
             <a:endParaRPr lang="de-AT"/>
           </a:p>
@@ -2970,7 +3224,7 @@
       </p:sp>
       <p:sp>
         <p:nvSpPr>
-          <p:cNvPr id="6" name="Fußzeilenplatzhalter 5"/>
+          <p:cNvPr id="9" name="Footer Placeholder 8"/>
           <p:cNvSpPr>
             <a:spLocks noGrp="1"/>
           </p:cNvSpPr>
@@ -2978,10 +3232,25 @@
             <p:ph type="ftr" sz="quarter" idx="11"/>
           </p:nvPr>
         </p:nvSpPr>
-        <p:spPr/>
-        <p:txBody>
-          <a:bodyPr/>
-          <a:lstStyle/>
+        <p:spPr>
+          <a:xfrm>
+            <a:off x="804672" y="6236208"/>
+            <a:ext cx="5124797" cy="320040"/>
+          </a:xfrm>
+        </p:spPr>
+        <p:txBody>
+          <a:bodyPr/>
+          <a:lstStyle>
+            <a:lvl1pPr>
+              <a:defRPr>
+                <a:solidFill>
+                  <a:srgbClr val="FFFFFF">
+                    <a:alpha val="70000"/>
+                  </a:srgbClr>
+                </a:solidFill>
+              </a:defRPr>
+            </a:lvl1pPr>
+          </a:lstStyle>
           <a:p>
             <a:endParaRPr lang="de-AT"/>
           </a:p>
@@ -2989,7 +3258,7 @@
       </p:sp>
       <p:sp>
         <p:nvSpPr>
-          <p:cNvPr id="7" name="Foliennummernplatzhalter 6"/>
+          <p:cNvPr id="10" name="Slide Number Placeholder 9"/>
           <p:cNvSpPr>
             <a:spLocks noGrp="1"/>
           </p:cNvSpPr>
@@ -3013,7 +3282,7 @@
     </p:spTree>
     <p:extLst>
       <p:ext uri="{BB962C8B-B14F-4D97-AF65-F5344CB8AC3E}">
-        <p14:creationId xmlns:p14="http://schemas.microsoft.com/office/powerpoint/2010/main" val="1548414272"/>
+        <p14:creationId xmlns:p14="http://schemas.microsoft.com/office/powerpoint/2010/main" val="2486006650"/>
       </p:ext>
     </p:extLst>
   </p:cSld>
@@ -3027,9 +3296,14 @@
 <p:sldMaster xmlns:a="http://schemas.openxmlformats.org/drawingml/2006/main" xmlns:r="http://schemas.openxmlformats.org/officeDocument/2006/relationships" xmlns:p="http://schemas.openxmlformats.org/presentationml/2006/main">
   <p:cSld>
     <p:bg>
-      <p:bgRef idx="1001">
-        <a:schemeClr val="bg1"/>
-      </p:bgRef>
+      <p:bgPr>
+        <a:solidFill>
+          <a:schemeClr val="bg1">
+            <a:lumMod val="95000"/>
+          </a:schemeClr>
+        </a:solidFill>
+        <a:effectLst/>
+      </p:bgPr>
     </p:bg>
     <p:spTree>
       <p:nvGrpSpPr>
@@ -3047,113 +3321,162 @@
       </p:grpSpPr>
       <p:sp>
         <p:nvSpPr>
-          <p:cNvPr id="2" name="Titelplatzhalter 1"/>
+          <p:cNvPr id="2" name="Title Placeholder 1"/>
           <p:cNvSpPr>
             <a:spLocks noGrp="1"/>
           </p:cNvSpPr>
           <p:nvPr>
             <p:ph type="title"/>
+          </p:nvPr>
+        </p:nvSpPr>
+        <p:spPr bwMode="black">
+          <a:xfrm>
+            <a:off x="2231136" y="964692"/>
+            <a:ext cx="7729728" cy="1188720"/>
+          </a:xfrm>
+          <a:prstGeom prst="rect">
+            <a:avLst/>
+          </a:prstGeom>
+          <a:solidFill>
+            <a:srgbClr val="FFFFFF"/>
+          </a:solidFill>
+          <a:ln w="31750" cap="sq">
+            <a:solidFill>
+              <a:srgbClr val="404040"/>
+            </a:solidFill>
+            <a:miter lim="800000"/>
+          </a:ln>
+        </p:spPr>
+        <p:txBody>
+          <a:bodyPr vert="horz" lIns="182880" tIns="182880" rIns="182880" bIns="182880" rtlCol="0" anchor="ctr">
+            <a:normAutofit/>
+          </a:bodyPr>
+          <a:lstStyle/>
+          <a:p>
+            <a:r>
+              <a:rPr lang="de-DE"/>
+              <a:t>Titelmasterformat durch Klicken bearbeiten</a:t>
+            </a:r>
+            <a:endParaRPr lang="en-US" dirty="0"/>
+          </a:p>
+        </p:txBody>
+      </p:sp>
+      <p:sp>
+        <p:nvSpPr>
+          <p:cNvPr id="3" name="Text Placeholder 2"/>
+          <p:cNvSpPr>
+            <a:spLocks noGrp="1"/>
+          </p:cNvSpPr>
+          <p:nvPr>
+            <p:ph type="body" idx="1"/>
           </p:nvPr>
         </p:nvSpPr>
         <p:spPr>
           <a:xfrm>
-            <a:off x="838200" y="365125"/>
-            <a:ext cx="10515600" cy="1325563"/>
+            <a:off x="2231136" y="2638044"/>
+            <a:ext cx="7729728" cy="3101983"/>
           </a:xfrm>
           <a:prstGeom prst="rect">
             <a:avLst/>
           </a:prstGeom>
         </p:spPr>
         <p:txBody>
-          <a:bodyPr vert="horz" lIns="91440" tIns="45720" rIns="91440" bIns="45720" rtlCol="0" anchor="ctr">
+          <a:bodyPr vert="horz" lIns="91440" tIns="45720" rIns="91440" bIns="45720" rtlCol="0">
             <a:normAutofit/>
           </a:bodyPr>
           <a:lstStyle/>
           <a:p>
-            <a:r>
-              <a:rPr lang="de-DE"/>
-              <a:t>Titelmasterformat durch Klicken bearbeiten</a:t>
-            </a:r>
-            <a:endParaRPr lang="de-AT"/>
-          </a:p>
-        </p:txBody>
-      </p:sp>
-      <p:sp>
-        <p:nvSpPr>
-          <p:cNvPr id="3" name="Textplatzhalter 2"/>
-          <p:cNvSpPr>
-            <a:spLocks noGrp="1"/>
-          </p:cNvSpPr>
-          <p:nvPr>
-            <p:ph type="body" idx="1"/>
+            <a:pPr lvl="0"/>
+            <a:r>
+              <a:rPr lang="en-US" dirty="0"/>
+              <a:t>Edit Master text styles</a:t>
+            </a:r>
+          </a:p>
+          <a:p>
+            <a:pPr lvl="1"/>
+            <a:r>
+              <a:rPr lang="en-US" dirty="0"/>
+              <a:t>Second level</a:t>
+            </a:r>
+          </a:p>
+          <a:p>
+            <a:pPr lvl="2"/>
+            <a:r>
+              <a:rPr lang="en-US" dirty="0"/>
+              <a:t>Third level</a:t>
+            </a:r>
+          </a:p>
+          <a:p>
+            <a:pPr lvl="3"/>
+            <a:r>
+              <a:rPr lang="en-US" dirty="0"/>
+              <a:t>Fourth level</a:t>
+            </a:r>
+          </a:p>
+          <a:p>
+            <a:pPr lvl="4"/>
+            <a:r>
+              <a:rPr lang="en-US" dirty="0"/>
+              <a:t>Fifth level</a:t>
+            </a:r>
+          </a:p>
+        </p:txBody>
+      </p:sp>
+      <p:sp>
+        <p:nvSpPr>
+          <p:cNvPr id="4" name="Date Placeholder 3"/>
+          <p:cNvSpPr>
+            <a:spLocks noGrp="1"/>
+          </p:cNvSpPr>
+          <p:nvPr>
+            <p:ph type="dt" sz="half" idx="2"/>
           </p:nvPr>
         </p:nvSpPr>
         <p:spPr>
           <a:xfrm>
-            <a:off x="838200" y="1825625"/>
-            <a:ext cx="10515600" cy="4351338"/>
+            <a:off x="7821429" y="6238816"/>
+            <a:ext cx="2753746" cy="323968"/>
           </a:xfrm>
           <a:prstGeom prst="rect">
             <a:avLst/>
           </a:prstGeom>
         </p:spPr>
         <p:txBody>
-          <a:bodyPr vert="horz" lIns="91440" tIns="45720" rIns="91440" bIns="45720" rtlCol="0">
-            <a:normAutofit/>
-          </a:bodyPr>
-          <a:lstStyle/>
-          <a:p>
-            <a:pPr lvl="0"/>
-            <a:r>
-              <a:rPr lang="de-DE"/>
-              <a:t>Formatvorlagen des Textmasters bearbeiten</a:t>
-            </a:r>
-          </a:p>
-          <a:p>
-            <a:pPr lvl="1"/>
-            <a:r>
-              <a:rPr lang="de-DE"/>
-              <a:t>Zweite Ebene</a:t>
-            </a:r>
-          </a:p>
-          <a:p>
-            <a:pPr lvl="2"/>
-            <a:r>
-              <a:rPr lang="de-DE"/>
-              <a:t>Dritte Ebene</a:t>
-            </a:r>
-          </a:p>
-          <a:p>
-            <a:pPr lvl="3"/>
-            <a:r>
-              <a:rPr lang="de-DE"/>
-              <a:t>Vierte Ebene</a:t>
-            </a:r>
-          </a:p>
-          <a:p>
-            <a:pPr lvl="4"/>
-            <a:r>
-              <a:rPr lang="de-DE"/>
-              <a:t>Fünfte Ebene</a:t>
-            </a:r>
+          <a:bodyPr vert="horz" lIns="91440" tIns="45720" rIns="91440" bIns="45720" rtlCol="0" anchor="ctr"/>
+          <a:lstStyle>
+            <a:lvl1pPr algn="r">
+              <a:defRPr sz="1050">
+                <a:solidFill>
+                  <a:schemeClr val="tx1">
+                    <a:alpha val="70000"/>
+                  </a:schemeClr>
+                </a:solidFill>
+              </a:defRPr>
+            </a:lvl1pPr>
+          </a:lstStyle>
+          <a:p>
+            <a:fld id="{F2DD08D9-7444-4DFB-8F1F-9B0CBC03251A}" type="datetimeFigureOut">
+              <a:rPr lang="de-AT" smtClean="0"/>
+              <a:t>26.09.2016</a:t>
+            </a:fld>
             <a:endParaRPr lang="de-AT"/>
           </a:p>
         </p:txBody>
       </p:sp>
       <p:sp>
         <p:nvSpPr>
-          <p:cNvPr id="4" name="Datumsplatzhalter 3"/>
-          <p:cNvSpPr>
-            <a:spLocks noGrp="1"/>
-          </p:cNvSpPr>
-          <p:nvPr>
-            <p:ph type="dt" sz="half" idx="2"/>
+          <p:cNvPr id="5" name="Footer Placeholder 4"/>
+          <p:cNvSpPr>
+            <a:spLocks noGrp="1"/>
+          </p:cNvSpPr>
+          <p:nvPr>
+            <p:ph type="ftr" sz="quarter" idx="3"/>
           </p:nvPr>
         </p:nvSpPr>
         <p:spPr>
           <a:xfrm>
-            <a:off x="838200" y="6356350"/>
-            <a:ext cx="2743200" cy="365125"/>
+            <a:off x="1600200" y="6236208"/>
+            <a:ext cx="5901189" cy="320040"/>
           </a:xfrm>
           <a:prstGeom prst="rect">
             <a:avLst/>
@@ -3163,89 +3486,53 @@
           <a:bodyPr vert="horz" lIns="91440" tIns="45720" rIns="91440" bIns="45720" rtlCol="0" anchor="ctr"/>
           <a:lstStyle>
             <a:lvl1pPr algn="l">
-              <a:defRPr sz="1200">
+              <a:defRPr sz="1050">
                 <a:solidFill>
                   <a:schemeClr val="tx1">
-                    <a:tint val="75000"/>
+                    <a:alpha val="70000"/>
                   </a:schemeClr>
                 </a:solidFill>
               </a:defRPr>
             </a:lvl1pPr>
           </a:lstStyle>
           <a:p>
-            <a:fld id="{F2DD08D9-7444-4DFB-8F1F-9B0CBC03251A}" type="datetimeFigureOut">
-              <a:rPr lang="de-AT" smtClean="0"/>
-              <a:t>25.09.2016</a:t>
-            </a:fld>
             <a:endParaRPr lang="de-AT"/>
           </a:p>
         </p:txBody>
       </p:sp>
       <p:sp>
         <p:nvSpPr>
-          <p:cNvPr id="5" name="Fußzeilenplatzhalter 4"/>
-          <p:cNvSpPr>
-            <a:spLocks noGrp="1"/>
-          </p:cNvSpPr>
-          <p:nvPr>
-            <p:ph type="ftr" sz="quarter" idx="3"/>
+          <p:cNvPr id="6" name="Slide Number Placeholder 5"/>
+          <p:cNvSpPr>
+            <a:spLocks noGrp="1"/>
+          </p:cNvSpPr>
+          <p:nvPr>
+            <p:ph type="sldNum" sz="quarter" idx="4"/>
           </p:nvPr>
         </p:nvSpPr>
         <p:spPr>
           <a:xfrm>
-            <a:off x="4038600" y="6356350"/>
-            <a:ext cx="4114800" cy="365125"/>
+            <a:off x="10758922" y="6217920"/>
+            <a:ext cx="365760" cy="365760"/>
           </a:xfrm>
-          <a:prstGeom prst="rect">
+          <a:prstGeom prst="ellipse">
             <a:avLst/>
           </a:prstGeom>
+          <a:solidFill>
+            <a:srgbClr val="1D1D1D">
+              <a:alpha val="70000"/>
+            </a:srgbClr>
+          </a:solidFill>
         </p:spPr>
         <p:txBody>
-          <a:bodyPr vert="horz" lIns="91440" tIns="45720" rIns="91440" bIns="45720" rtlCol="0" anchor="ctr"/>
+          <a:bodyPr vert="horz" lIns="18288" tIns="45720" rIns="18288" bIns="45720" rtlCol="0" anchor="ctr">
+            <a:noAutofit/>
+          </a:bodyPr>
           <a:lstStyle>
             <a:lvl1pPr algn="ctr">
-              <a:defRPr sz="1200">
+              <a:defRPr sz="1100" spc="0" baseline="0">
                 <a:solidFill>
-                  <a:schemeClr val="tx1">
-                    <a:tint val="75000"/>
-                  </a:schemeClr>
-                </a:solidFill>
-              </a:defRPr>
-            </a:lvl1pPr>
-          </a:lstStyle>
-          <a:p>
-            <a:endParaRPr lang="de-AT"/>
-          </a:p>
-        </p:txBody>
-      </p:sp>
-      <p:sp>
-        <p:nvSpPr>
-          <p:cNvPr id="6" name="Foliennummernplatzhalter 5"/>
-          <p:cNvSpPr>
-            <a:spLocks noGrp="1"/>
-          </p:cNvSpPr>
-          <p:nvPr>
-            <p:ph type="sldNum" sz="quarter" idx="4"/>
-          </p:nvPr>
-        </p:nvSpPr>
-        <p:spPr>
-          <a:xfrm>
-            <a:off x="8610600" y="6356350"/>
-            <a:ext cx="2743200" cy="365125"/>
-          </a:xfrm>
-          <a:prstGeom prst="rect">
-            <a:avLst/>
-          </a:prstGeom>
-        </p:spPr>
-        <p:txBody>
-          <a:bodyPr vert="horz" lIns="91440" tIns="45720" rIns="91440" bIns="45720" rtlCol="0" anchor="ctr"/>
-          <a:lstStyle>
-            <a:lvl1pPr algn="r">
-              <a:defRPr sz="1200">
-                <a:solidFill>
-                  <a:schemeClr val="tx1">
-                    <a:tint val="75000"/>
-                  </a:schemeClr>
+                  <a:srgbClr val="FFFFFF"/>
                 </a:solidFill>
               </a:defRPr>
             </a:lvl1pPr>
@@ -3262,27 +3549,27 @@
     </p:spTree>
     <p:extLst>
       <p:ext uri="{BB962C8B-B14F-4D97-AF65-F5344CB8AC3E}">
-        <p14:creationId xmlns:p14="http://schemas.microsoft.com/office/powerpoint/2010/main" val="1569312367"/>
+        <p14:creationId xmlns:p14="http://schemas.microsoft.com/office/powerpoint/2010/main" val="2058114784"/>
       </p:ext>
     </p:extLst>
   </p:cSld>
   <p:clrMap bg1="lt1" tx1="dk1" bg2="lt2" tx2="dk2" accent1="accent1" accent2="accent2" accent3="accent3" accent4="accent4" accent5="accent5" accent6="accent6" hlink="hlink" folHlink="folHlink"/>
   <p:sldLayoutIdLst>
-    <p:sldLayoutId id="2147483649" r:id="rId1"/>
-    <p:sldLayoutId id="2147483650" r:id="rId2"/>
-    <p:sldLayoutId id="2147483651" r:id="rId3"/>
-    <p:sldLayoutId id="2147483652" r:id="rId4"/>
-    <p:sldLayoutId id="2147483653" r:id="rId5"/>
-    <p:sldLayoutId id="2147483654" r:id="rId6"/>
-    <p:sldLayoutId id="2147483655" r:id="rId7"/>
-    <p:sldLayoutId id="2147483656" r:id="rId8"/>
-    <p:sldLayoutId id="2147483657" r:id="rId9"/>
-    <p:sldLayoutId id="2147483658" r:id="rId10"/>
-    <p:sldLayoutId id="2147483659" r:id="rId11"/>
+    <p:sldLayoutId id="2147483709" r:id="rId1"/>
+    <p:sldLayoutId id="2147483710" r:id="rId2"/>
+    <p:sldLayoutId id="2147483711" r:id="rId3"/>
+    <p:sldLayoutId id="2147483712" r:id="rId4"/>
+    <p:sldLayoutId id="2147483713" r:id="rId5"/>
+    <p:sldLayoutId id="2147483714" r:id="rId6"/>
+    <p:sldLayoutId id="2147483715" r:id="rId7"/>
+    <p:sldLayoutId id="2147483716" r:id="rId8"/>
+    <p:sldLayoutId id="2147483717" r:id="rId9"/>
+    <p:sldLayoutId id="2147483718" r:id="rId10"/>
+    <p:sldLayoutId id="2147483719" r:id="rId11"/>
   </p:sldLayoutIdLst>
   <p:txStyles>
     <p:titleStyle>
-      <a:lvl1pPr algn="l" defTabSz="914400" rtl="0" eaLnBrk="1" latinLnBrk="0" hangingPunct="1">
+      <a:lvl1pPr algn="ctr" defTabSz="914400" rtl="0" eaLnBrk="1" latinLnBrk="0" hangingPunct="1">
         <a:lnSpc>
           <a:spcPct val="90000"/>
         </a:lnSpc>
@@ -3290,9 +3577,9 @@
           <a:spcPct val="0"/>
         </a:spcBef>
         <a:buNone/>
-        <a:defRPr sz="4400" kern="1200">
+        <a:defRPr sz="2800" kern="1200" cap="all" spc="200" baseline="0">
           <a:solidFill>
-            <a:schemeClr val="tx1"/>
+            <a:srgbClr val="262626"/>
           </a:solidFill>
           <a:latin typeface="+mj-lt"/>
           <a:ea typeface="+mj-ea"/>
@@ -3303,104 +3590,137 @@
     <p:bodyStyle>
       <a:lvl1pPr marL="228600" indent="-228600" algn="l" defTabSz="914400" rtl="0" eaLnBrk="1" latinLnBrk="0" hangingPunct="1">
         <a:lnSpc>
-          <a:spcPct val="90000"/>
+          <a:spcPct val="100000"/>
         </a:lnSpc>
         <a:spcBef>
           <a:spcPts val="1000"/>
         </a:spcBef>
+        <a:buClr>
+          <a:schemeClr val="accent2"/>
+        </a:buClr>
         <a:buFont typeface="Arial" panose="020B0604020202020204" pitchFamily="34" charset="0"/>
         <a:buChar char="•"/>
-        <a:defRPr sz="2800" kern="1200">
+        <a:defRPr sz="1800" kern="1200">
           <a:solidFill>
-            <a:schemeClr val="tx1"/>
+            <a:schemeClr val="tx1">
+              <a:lumMod val="85000"/>
+              <a:lumOff val="15000"/>
+            </a:schemeClr>
           </a:solidFill>
           <a:latin typeface="+mn-lt"/>
           <a:ea typeface="+mn-ea"/>
           <a:cs typeface="+mn-cs"/>
         </a:defRPr>
       </a:lvl1pPr>
-      <a:lvl2pPr marL="685800" indent="-228600" algn="l" defTabSz="914400" rtl="0" eaLnBrk="1" latinLnBrk="0" hangingPunct="1">
+      <a:lvl2pPr marL="457200" indent="-228600" algn="l" defTabSz="914400" rtl="0" eaLnBrk="1" latinLnBrk="0" hangingPunct="1">
         <a:lnSpc>
-          <a:spcPct val="90000"/>
+          <a:spcPct val="100000"/>
         </a:lnSpc>
         <a:spcBef>
-          <a:spcPts val="500"/>
+          <a:spcPts val="1000"/>
         </a:spcBef>
+        <a:buClr>
+          <a:schemeClr val="accent2"/>
+        </a:buClr>
         <a:buFont typeface="Arial" panose="020B0604020202020204" pitchFamily="34" charset="0"/>
         <a:buChar char="•"/>
-        <a:defRPr sz="2400" kern="1200">
+        <a:defRPr sz="1600" kern="1200">
           <a:solidFill>
-            <a:schemeClr val="tx1"/>
+            <a:schemeClr val="tx1">
+              <a:lumMod val="85000"/>
+              <a:lumOff val="15000"/>
+            </a:schemeClr>
           </a:solidFill>
           <a:latin typeface="+mn-lt"/>
           <a:ea typeface="+mn-ea"/>
           <a:cs typeface="+mn-cs"/>
         </a:defRPr>
       </a:lvl2pPr>
-      <a:lvl3pPr marL="1143000" indent="-228600" algn="l" defTabSz="914400" rtl="0" eaLnBrk="1" latinLnBrk="0" hangingPunct="1">
+      <a:lvl3pPr marL="685800" indent="-228600" algn="l" defTabSz="914400" rtl="0" eaLnBrk="1" latinLnBrk="0" hangingPunct="1">
         <a:lnSpc>
-          <a:spcPct val="90000"/>
+          <a:spcPct val="100000"/>
         </a:lnSpc>
         <a:spcBef>
-          <a:spcPts val="500"/>
+          <a:spcPts val="1000"/>
         </a:spcBef>
+        <a:buClr>
+          <a:schemeClr val="accent2"/>
+        </a:buClr>
         <a:buFont typeface="Arial" panose="020B0604020202020204" pitchFamily="34" charset="0"/>
         <a:buChar char="•"/>
-        <a:defRPr sz="2000" kern="1200">
+        <a:defRPr sz="1600" kern="1200">
           <a:solidFill>
-            <a:schemeClr val="tx1"/>
+            <a:schemeClr val="tx1">
+              <a:lumMod val="85000"/>
+              <a:lumOff val="15000"/>
+            </a:schemeClr>
           </a:solidFill>
           <a:latin typeface="+mn-lt"/>
           <a:ea typeface="+mn-ea"/>
           <a:cs typeface="+mn-cs"/>
         </a:defRPr>
       </a:lvl3pPr>
-      <a:lvl4pPr marL="1600200" indent="-228600" algn="l" defTabSz="914400" rtl="0" eaLnBrk="1" latinLnBrk="0" hangingPunct="1">
+      <a:lvl4pPr marL="914400" indent="-228600" algn="l" defTabSz="914400" rtl="0" eaLnBrk="1" latinLnBrk="0" hangingPunct="1">
         <a:lnSpc>
-          <a:spcPct val="90000"/>
+          <a:spcPct val="100000"/>
         </a:lnSpc>
         <a:spcBef>
-          <a:spcPts val="500"/>
+          <a:spcPts val="1000"/>
         </a:spcBef>
+        <a:buClr>
+          <a:schemeClr val="accent2"/>
+        </a:buClr>
         <a:buFont typeface="Arial" panose="020B0604020202020204" pitchFamily="34" charset="0"/>
         <a:buChar char="•"/>
-        <a:defRPr sz="1800" kern="1200">
+        <a:defRPr sz="1600" kern="1200">
           <a:solidFill>
-            <a:schemeClr val="tx1"/>
+            <a:schemeClr val="tx1">
+              <a:lumMod val="85000"/>
+              <a:lumOff val="15000"/>
+            </a:schemeClr>
           </a:solidFill>
           <a:latin typeface="+mn-lt"/>
           <a:ea typeface="+mn-ea"/>
           <a:cs typeface="+mn-cs"/>
         </a:defRPr>
       </a:lvl4pPr>
-      <a:lvl5pPr marL="2057400" indent="-228600" algn="l" defTabSz="914400" rtl="0" eaLnBrk="1" latinLnBrk="0" hangingPunct="1">
+      <a:lvl5pPr marL="1143000" indent="-228600" algn="l" defTabSz="914400" rtl="0" eaLnBrk="1" latinLnBrk="0" hangingPunct="1">
         <a:lnSpc>
-          <a:spcPct val="90000"/>
+          <a:spcPct val="100000"/>
         </a:lnSpc>
         <a:spcBef>
-          <a:spcPts val="500"/>
+          <a:spcPts val="1000"/>
         </a:spcBef>
+        <a:buClr>
+          <a:schemeClr val="accent2"/>
+        </a:buClr>
         <a:buFont typeface="Arial" panose="020B0604020202020204" pitchFamily="34" charset="0"/>
         <a:buChar char="•"/>
-        <a:defRPr sz="1800" kern="1200">
+        <a:defRPr sz="1600" kern="1200">
           <a:solidFill>
-            <a:schemeClr val="tx1"/>
+            <a:schemeClr val="tx1">
+              <a:lumMod val="85000"/>
+              <a:lumOff val="15000"/>
+            </a:schemeClr>
           </a:solidFill>
           <a:latin typeface="+mn-lt"/>
           <a:ea typeface="+mn-ea"/>
           <a:cs typeface="+mn-cs"/>
         </a:defRPr>
       </a:lvl5pPr>
-      <a:lvl6pPr marL="2514600" indent="-228600" algn="l" defTabSz="914400" rtl="0" eaLnBrk="1" latinLnBrk="0" hangingPunct="1">
+      <a:lvl6pPr marL="1312863" indent="-228600" algn="l" defTabSz="914400" rtl="0" eaLnBrk="1" latinLnBrk="0" hangingPunct="1">
         <a:lnSpc>
-          <a:spcPct val="90000"/>
+          <a:spcPct val="100000"/>
         </a:lnSpc>
         <a:spcBef>
-          <a:spcPts val="500"/>
+          <a:spcPts val="1000"/>
         </a:spcBef>
+        <a:buClr>
+          <a:schemeClr val="accent2"/>
+        </a:buClr>
         <a:buFont typeface="Arial" panose="020B0604020202020204" pitchFamily="34" charset="0"/>
         <a:buChar char="•"/>
-        <a:defRPr sz="1800" kern="1200">
+        <a:defRPr sz="1600" kern="1200">
           <a:solidFill>
             <a:schemeClr val="tx1"/>
           </a:solidFill>
@@ -3409,16 +3729,19 @@
           <a:cs typeface="+mn-cs"/>
         </a:defRPr>
       </a:lvl6pPr>
-      <a:lvl7pPr marL="2971800" indent="-228600" algn="l" defTabSz="914400" rtl="0" eaLnBrk="1" latinLnBrk="0" hangingPunct="1">
+      <a:lvl7pPr marL="1484313" indent="-228600" algn="l" defTabSz="914400" rtl="0" eaLnBrk="1" latinLnBrk="0" hangingPunct="1">
         <a:lnSpc>
-          <a:spcPct val="90000"/>
+          <a:spcPct val="100000"/>
         </a:lnSpc>
         <a:spcBef>
-          <a:spcPts val="500"/>
+          <a:spcPts val="1000"/>
         </a:spcBef>
+        <a:buClr>
+          <a:schemeClr val="accent2"/>
+        </a:buClr>
         <a:buFont typeface="Arial" panose="020B0604020202020204" pitchFamily="34" charset="0"/>
         <a:buChar char="•"/>
-        <a:defRPr sz="1800" kern="1200">
+        <a:defRPr sz="1600" kern="1200">
           <a:solidFill>
             <a:schemeClr val="tx1"/>
           </a:solidFill>
@@ -3427,16 +3750,19 @@
           <a:cs typeface="+mn-cs"/>
         </a:defRPr>
       </a:lvl7pPr>
-      <a:lvl8pPr marL="3429000" indent="-228600" algn="l" defTabSz="914400" rtl="0" eaLnBrk="1" latinLnBrk="0" hangingPunct="1">
+      <a:lvl8pPr marL="1657350" indent="-228600" algn="l" defTabSz="914400" rtl="0" eaLnBrk="1" latinLnBrk="0" hangingPunct="1">
         <a:lnSpc>
-          <a:spcPct val="90000"/>
+          <a:spcPct val="100000"/>
         </a:lnSpc>
         <a:spcBef>
-          <a:spcPts val="500"/>
+          <a:spcPts val="1000"/>
         </a:spcBef>
+        <a:buClr>
+          <a:schemeClr val="accent2"/>
+        </a:buClr>
         <a:buFont typeface="Arial" panose="020B0604020202020204" pitchFamily="34" charset="0"/>
         <a:buChar char="•"/>
-        <a:defRPr sz="1800" kern="1200">
+        <a:defRPr sz="1600" kern="1200" baseline="0">
           <a:solidFill>
             <a:schemeClr val="tx1"/>
           </a:solidFill>
@@ -3445,16 +3771,19 @@
           <a:cs typeface="+mn-cs"/>
         </a:defRPr>
       </a:lvl8pPr>
-      <a:lvl9pPr marL="3886200" indent="-228600" algn="l" defTabSz="914400" rtl="0" eaLnBrk="1" latinLnBrk="0" hangingPunct="1">
+      <a:lvl9pPr marL="1882775" indent="-228600" algn="l" defTabSz="914400" rtl="0" eaLnBrk="1" latinLnBrk="0" hangingPunct="1">
         <a:lnSpc>
-          <a:spcPct val="90000"/>
+          <a:spcPct val="100000"/>
         </a:lnSpc>
         <a:spcBef>
-          <a:spcPts val="500"/>
+          <a:spcPts val="1000"/>
         </a:spcBef>
+        <a:buClr>
+          <a:schemeClr val="accent2"/>
+        </a:buClr>
         <a:buFont typeface="Arial" panose="020B0604020202020204" pitchFamily="34" charset="0"/>
         <a:buChar char="•"/>
-        <a:defRPr sz="1800" kern="1200">
+        <a:defRPr sz="1600" kern="1200" baseline="0">
           <a:solidFill>
             <a:schemeClr val="tx1"/>
           </a:solidFill>
@@ -3466,7 +3795,7 @@
     </p:bodyStyle>
     <p:otherStyle>
       <a:defPPr>
-        <a:defRPr lang="de-DE"/>
+        <a:defRPr lang="en-US"/>
       </a:defPPr>
       <a:lvl1pPr marL="0" algn="l" defTabSz="914400" rtl="0" eaLnBrk="1" latinLnBrk="0" hangingPunct="1">
         <a:defRPr sz="1800" kern="1200">
@@ -3590,19 +3919,14 @@
             <p:ph type="ctrTitle"/>
           </p:nvPr>
         </p:nvSpPr>
-        <p:spPr>
-          <a:xfrm>
-            <a:off x="1524000" y="1122363"/>
-            <a:ext cx="9144000" cy="2387600"/>
-          </a:xfrm>
-        </p:spPr>
+        <p:spPr/>
         <p:txBody>
           <a:bodyPr/>
           <a:lstStyle/>
           <a:p>
             <a:r>
               <a:rPr lang="DE-AT" dirty="0">
-                <a:latin typeface="Calibri Light"/>
+                <a:latin typeface="Gill Sans MT (Überschriften)"/>
                 <a:ea typeface="DejaVu Serif" panose="02060603050605020204" pitchFamily="18" charset="0"/>
                 <a:cs typeface="DejaVu Serif" panose="02060603050605020204" pitchFamily="18" charset="0"/>
               </a:rPr>
@@ -3621,12 +3945,7 @@
             <p:ph type="subTitle" idx="1"/>
           </p:nvPr>
         </p:nvSpPr>
-        <p:spPr>
-          <a:xfrm>
-            <a:off x="1524000" y="3602038"/>
-            <a:ext cx="9144000" cy="1655762"/>
-          </a:xfrm>
-        </p:spPr>
+        <p:spPr/>
         <p:txBody>
           <a:bodyPr vert="horz" lIns="91440" tIns="45720" rIns="91440" bIns="45720" rtlCol="0" anchor="t">
             <a:normAutofit/>
@@ -3635,7 +3954,7 @@
           <a:p>
             <a:r>
               <a:rPr lang="DE-AT" dirty="0">
-                <a:latin typeface="Open Sans" panose="020B0606030504020204" pitchFamily="34" charset="0"/>
+                <a:latin typeface="Gill Sans MT (Überschriften)"/>
                 <a:ea typeface="Open Sans" panose="020B0606030504020204" pitchFamily="34" charset="0"/>
                 <a:cs typeface="Open Sans" panose="020B0606030504020204" pitchFamily="34" charset="0"/>
               </a:rPr>
@@ -3691,7 +4010,7 @@
           <a:p>
             <a:r>
               <a:rPr lang="DE-AT" dirty="0">
-                <a:latin typeface="Calibri Light"/>
+                <a:latin typeface="Gill Sans MT (Überschriften)"/>
                 <a:ea typeface="DejaVu Serif" panose="02060603050605020204" pitchFamily="18" charset="0"/>
                 <a:cs typeface="DejaVu Serif" panose="02060603050605020204" pitchFamily="18" charset="0"/>
               </a:rPr>
@@ -3710,12 +4029,7 @@
             <p:ph idx="1"/>
           </p:nvPr>
         </p:nvSpPr>
-        <p:spPr>
-          <a:xfrm>
-            <a:off x="838200" y="1825625"/>
-            <a:ext cx="10515600" cy="4351338"/>
-          </a:xfrm>
-        </p:spPr>
+        <p:spPr/>
         <p:txBody>
           <a:bodyPr vert="horz" lIns="91440" tIns="45720" rIns="91440" bIns="45720" rtlCol="0" anchor="t">
             <a:normAutofit/>
@@ -3724,7 +4038,7 @@
           <a:p>
             <a:r>
               <a:rPr lang="DE-AT" dirty="0">
-                <a:latin typeface="Calibri"/>
+                <a:latin typeface="Gill Sans MT (Textkörper)"/>
                 <a:ea typeface="Open Sans" panose="020B0606030504020204" pitchFamily="34" charset="0"/>
                 <a:cs typeface="Open Sans" panose="020B0606030504020204" pitchFamily="34" charset="0"/>
               </a:rPr>
@@ -3734,7 +4048,7 @@
           <a:p>
             <a:r>
               <a:rPr lang="DE-AT" dirty="0">
-                <a:latin typeface="Calibri"/>
+                <a:latin typeface="Gill Sans MT (Textkörper)"/>
                 <a:ea typeface="Open Sans" panose="020B0606030504020204" pitchFamily="34" charset="0"/>
                 <a:cs typeface="Open Sans" panose="020B0606030504020204" pitchFamily="34" charset="0"/>
               </a:rPr>
@@ -3742,9 +4056,20 @@
             </a:r>
           </a:p>
           <a:p>
+            <a:pPr lvl="1"/>
             <a:r>
               <a:rPr lang="DE-AT" dirty="0">
-                <a:latin typeface="Calibri"/>
+                <a:latin typeface="Gill Sans MT (Textkörper)"/>
+                <a:ea typeface="Open Sans" panose="020B0606030504020204" pitchFamily="34" charset="0"/>
+                <a:cs typeface="Open Sans" panose="020B0606030504020204" pitchFamily="34" charset="0"/>
+              </a:rPr>
+              <a:t>Prioritäten</a:t>
+            </a:r>
+          </a:p>
+          <a:p>
+            <a:r>
+              <a:rPr lang="DE-AT" dirty="0">
+                <a:latin typeface="Gill Sans MT (Textkörper)"/>
                 <a:ea typeface="Open Sans" panose="020B0606030504020204" pitchFamily="34" charset="0"/>
                 <a:cs typeface="Open Sans" panose="020B0606030504020204" pitchFamily="34" charset="0"/>
               </a:rPr>
@@ -3754,17 +4079,7 @@
           <a:p>
             <a:r>
               <a:rPr lang="DE-AT" dirty="0">
-                <a:latin typeface="Calibri"/>
-                <a:ea typeface="Open Sans" panose="020B0606030504020204" pitchFamily="34" charset="0"/>
-                <a:cs typeface="Open Sans" panose="020B0606030504020204" pitchFamily="34" charset="0"/>
-              </a:rPr>
-              <a:t>Erfolgsfaktoren</a:t>
-            </a:r>
-          </a:p>
-          <a:p>
-            <a:r>
-              <a:rPr lang="DE-AT" dirty="0">
-                <a:latin typeface="Calibri"/>
+                <a:latin typeface="Gill Sans MT (Textkörper)"/>
                 <a:ea typeface="Open Sans" panose="020B0606030504020204" pitchFamily="34" charset="0"/>
                 <a:cs typeface="Open Sans" panose="020B0606030504020204" pitchFamily="34" charset="0"/>
               </a:rPr>
@@ -3775,7 +4090,7 @@
             <a:pPr lvl="1"/>
             <a:r>
               <a:rPr lang="DE-AT" dirty="0">
-                <a:latin typeface="Calibri"/>
+                <a:latin typeface="Gill Sans MT (Textkörper)"/>
                 <a:ea typeface="Open Sans" panose="020B0606030504020204" pitchFamily="34" charset="0"/>
                 <a:cs typeface="Open Sans" panose="020B0606030504020204" pitchFamily="34" charset="0"/>
               </a:rPr>
@@ -3785,11 +4100,11 @@
           <a:p>
             <a:r>
               <a:rPr lang="DE-AT" dirty="0">
-                <a:latin typeface="Calibri"/>
+                <a:latin typeface="Gill Sans MT (Textkörper)"/>
                 <a:ea typeface="Open Sans" panose="020B0606030504020204" pitchFamily="34" charset="0"/>
                 <a:cs typeface="Open Sans" panose="020B0606030504020204" pitchFamily="34" charset="0"/>
               </a:rPr>
-              <a:t>Arbeitsteilung</a:t>
+              <a:t>Team</a:t>
             </a:r>
           </a:p>
         </p:txBody>
@@ -3843,7 +4158,7 @@
           <a:p>
             <a:r>
               <a:rPr lang="DE-AT" dirty="0">
-                <a:latin typeface="Calibri Light"/>
+                <a:latin typeface="Gill Sans MT (Überschriften)"/>
                 <a:ea typeface="DejaVu Serif" panose="02060603050605020204" pitchFamily="18" charset="0"/>
                 <a:cs typeface="DejaVu Serif" panose="02060603050605020204" pitchFamily="18" charset="0"/>
               </a:rPr>
@@ -3870,45 +4185,42 @@
           <a:lstStyle/>
           <a:p>
             <a:r>
-              <a:rPr lang="de-AT" dirty="0"/>
+              <a:rPr lang="de-AT" dirty="0">
+                <a:latin typeface="Gill Sans MT (Textkörper)"/>
+              </a:rPr>
               <a:t>Der Spieler bewegt sich durch eine offene Spielwelt und kämpft gegen die dort angesiedelten Gegner. </a:t>
             </a:r>
           </a:p>
           <a:p>
             <a:r>
-              <a:rPr lang="de-AT" dirty="0"/>
+              <a:rPr lang="de-AT" dirty="0">
+                <a:latin typeface="Gill Sans MT (Textkörper)"/>
+              </a:rPr>
               <a:t>Während des Spiels wird der Charakter laufend stärker, man erhält bessere Ausrüstung und schaltet weitere Inhalte frei. </a:t>
             </a:r>
           </a:p>
           <a:p>
             <a:r>
-              <a:rPr lang="de-AT"/>
-              <a:t>Wird der Spieler besiegt, verliert er den aktuellen Charakter und muss von </a:t>
-            </a:r>
-            <a:r>
-              <a:rPr lang="de-AT" dirty="0"/>
-              <a:t>Vorne beginnen</a:t>
-            </a:r>
-            <a:r>
-              <a:rPr lang="de-AT"/>
-              <a:t>, behält</a:t>
-            </a:r>
-            <a:r>
-              <a:rPr lang="DE-AT" dirty="0"/>
-              <a:t>.</a:t>
-            </a:r>
-            <a:r>
-              <a:rPr lang="de-AT"/>
-              <a:t>allerdings seine Punkte um im späteren Verlauf des Spiels bestimmte </a:t>
-            </a:r>
-            <a:r>
-              <a:rPr lang="de-AT" dirty="0"/>
-              <a:t>Gegenstände freizuschalten.</a:t>
-            </a:r>
-            <a:endParaRPr lang="DE-AT" dirty="0"/>
-          </a:p>
-          <a:p>
-            <a:endParaRPr lang="de-AT" dirty="0"/>
+              <a:rPr lang="de-AT" dirty="0">
+                <a:latin typeface="Gill Sans MT (Textkörper)"/>
+              </a:rPr>
+              <a:t>Wird der Spieler besiegt, verliert er den aktuellen Charakter und muss von Vorne beginnen, behält</a:t>
+            </a:r>
+            <a:r>
+              <a:rPr lang="DE-AT" dirty="0">
+                <a:latin typeface="Gill Sans MT (Textkörper)"/>
+              </a:rPr>
+              <a:t> </a:t>
+            </a:r>
+            <a:r>
+              <a:rPr lang="de-AT" dirty="0">
+                <a:latin typeface="Gill Sans MT (Textkörper)"/>
+              </a:rPr>
+              <a:t>allerdings seine Punkte um im späteren Verlauf weitere Gegenstände freizuschalten.</a:t>
+            </a:r>
+            <a:endParaRPr lang="DE-AT" dirty="0">
+              <a:latin typeface="Gill Sans MT (Textkörper)"/>
+            </a:endParaRPr>
           </a:p>
         </p:txBody>
       </p:sp>
@@ -3959,7 +4271,7 @@
           <a:p>
             <a:r>
               <a:rPr lang="DE-AT" dirty="0">
-                <a:latin typeface="Calibri Light"/>
+                <a:latin typeface="Gill Sans MT (Überschriften)"/>
                 <a:ea typeface="DejaVu Serif" panose="02060603050605020204" pitchFamily="18" charset="0"/>
                 <a:cs typeface="DejaVu Serif" panose="02060603050605020204" pitchFamily="18" charset="0"/>
               </a:rPr>
@@ -3981,116 +4293,37 @@
         <p:spPr/>
         <p:txBody>
           <a:bodyPr vert="horz" lIns="91440" tIns="45720" rIns="91440" bIns="45720" rtlCol="0" anchor="t">
-            <a:normAutofit fontScale="85000" lnSpcReduction="20000"/>
+            <a:normAutofit/>
           </a:bodyPr>
           <a:lstStyle/>
           <a:p>
-            <a:pPr marL="0" indent="0">
-              <a:buNone/>
-            </a:pPr>
-            <a:endParaRPr lang="de-DE" dirty="0"/>
-          </a:p>
-          <a:p>
-            <a:r>
-              <a:rPr lang="de-AT" dirty="0"/>
-              <a:t>Letzter möglicher Termin: 17.01.2017 Benötigt:   </a:t>
-            </a:r>
-          </a:p>
-          <a:p>
-            <a:pPr lvl="1"/>
             <a:r>
               <a:rPr lang="de-AT" dirty="0"/>
               <a:t>1 Level mit 2 Ebenen </a:t>
             </a:r>
           </a:p>
           <a:p>
-            <a:pPr lvl="1"/>
             <a:r>
               <a:rPr lang="de-AT" dirty="0"/>
               <a:t>1 Endgegner  </a:t>
             </a:r>
           </a:p>
           <a:p>
-            <a:pPr lvl="1"/>
             <a:r>
               <a:rPr lang="de-AT" dirty="0"/>
               <a:t>2 Gegner</a:t>
             </a:r>
           </a:p>
           <a:p>
-            <a:pPr lvl="1"/>
             <a:r>
               <a:rPr lang="de-AT" dirty="0"/>
               <a:t>1 Charakter </a:t>
             </a:r>
           </a:p>
           <a:p>
-            <a:pPr lvl="1"/>
             <a:r>
               <a:rPr lang="de-AT" dirty="0"/>
-              <a:t>1 Gegenstand Angriff)</a:t>
-            </a:r>
-          </a:p>
-          <a:p>
-            <a:r>
-              <a:rPr lang="de-AT" dirty="0"/>
-              <a:t>Prioritäten bei der Entwicklung: </a:t>
-            </a:r>
-          </a:p>
-          <a:p>
-            <a:pPr lvl="1"/>
-            <a:r>
-              <a:rPr lang="de-AT" dirty="0"/>
-              <a:t>Level </a:t>
-            </a:r>
-          </a:p>
-          <a:p>
-            <a:pPr lvl="1"/>
-            <a:r>
-              <a:rPr lang="de-AT" dirty="0"/>
-              <a:t>Bewegung (Kamera) </a:t>
-            </a:r>
-          </a:p>
-          <a:p>
-            <a:pPr lvl="1"/>
-            <a:r>
-              <a:rPr lang="de-AT" dirty="0"/>
-              <a:t>Charakter </a:t>
-            </a:r>
-          </a:p>
-          <a:p>
-            <a:pPr lvl="2"/>
-            <a:r>
-              <a:rPr lang="de-AT" dirty="0"/>
-              <a:t>Gegner </a:t>
-            </a:r>
-          </a:p>
-          <a:p>
-            <a:pPr lvl="2"/>
-            <a:r>
-              <a:rPr lang="de-AT" dirty="0"/>
-              <a:t>Spieler </a:t>
-            </a:r>
-          </a:p>
-          <a:p>
-            <a:pPr lvl="2"/>
-            <a:r>
-              <a:rPr lang="de-AT" dirty="0"/>
-              <a:t>Angriff </a:t>
-            </a:r>
-          </a:p>
-          <a:p>
-            <a:pPr lvl="2"/>
-            <a:r>
-              <a:rPr lang="de-AT" dirty="0"/>
-              <a:t>Gegenstände</a:t>
-            </a:r>
-          </a:p>
-          <a:p>
-            <a:pPr lvl="2"/>
-            <a:r>
-              <a:rPr lang="de-AT" dirty="0"/>
-              <a:t>Waffen</a:t>
+              <a:t>1 Gegenstand (Angriff)</a:t>
             </a:r>
           </a:p>
         </p:txBody>
@@ -4141,12 +4374,8 @@
           <a:lstStyle/>
           <a:p>
             <a:r>
-              <a:rPr lang="DE-AT" dirty="0">
-                <a:latin typeface="Calibri Light"/>
-                <a:ea typeface="DejaVu Serif" panose="02060603050605020204" pitchFamily="18" charset="0"/>
-                <a:cs typeface="DejaVu Serif" panose="02060603050605020204" pitchFamily="18" charset="0"/>
-              </a:rPr>
-              <a:t>Grafik / Gameplay</a:t>
+              <a:rPr lang="de-AT" dirty="0"/>
+              <a:t>Prioritäten</a:t>
             </a:r>
           </a:p>
         </p:txBody>
@@ -4163,121 +4392,67 @@
         </p:nvSpPr>
         <p:spPr/>
         <p:txBody>
-          <a:bodyPr vert="horz" lIns="91440" tIns="45720" rIns="91440" bIns="45720" rtlCol="0" anchor="t">
-            <a:normAutofit/>
-          </a:bodyPr>
-          <a:lstStyle/>
-          <a:p>
-            <a:pPr lvl="0"/>
-            <a:r>
-              <a:rPr lang="DE-AT" dirty="0"/>
-              <a:t>Death Trash</a:t>
-            </a:r>
-          </a:p>
-          <a:p>
-            <a:pPr lvl="0"/>
-            <a:r>
-              <a:rPr lang="DE-AT" dirty="0" err="1"/>
-              <a:t>Duelyst</a:t>
-            </a:r>
-            <a:endParaRPr lang="DE-AT" dirty="0"/>
-          </a:p>
-          <a:p>
-            <a:pPr lvl="0"/>
-            <a:r>
-              <a:rPr lang="DE-AT" dirty="0" err="1"/>
-              <a:t>Dungeon</a:t>
-            </a:r>
-            <a:r>
-              <a:rPr lang="DE-AT" dirty="0"/>
-              <a:t> </a:t>
-            </a:r>
-            <a:r>
-              <a:rPr lang="DE-AT" dirty="0" err="1"/>
-              <a:t>Souls</a:t>
-            </a:r>
-            <a:endParaRPr lang="DE-AT" dirty="0"/>
-          </a:p>
-          <a:p>
-            <a:pPr lvl="0"/>
-            <a:r>
-              <a:rPr lang="DE-AT" dirty="0"/>
-              <a:t>Enter </a:t>
-            </a:r>
-            <a:r>
-              <a:rPr lang="DE-AT" dirty="0" err="1"/>
-              <a:t>the</a:t>
-            </a:r>
-            <a:r>
-              <a:rPr lang="DE-AT" dirty="0"/>
-              <a:t> </a:t>
-            </a:r>
-            <a:r>
-              <a:rPr lang="DE-AT" dirty="0" err="1"/>
-              <a:t>Gungeon</a:t>
-            </a:r>
-            <a:endParaRPr lang="DE-AT" dirty="0"/>
-          </a:p>
-          <a:p>
-            <a:pPr lvl="0"/>
-            <a:r>
-              <a:rPr lang="DE-AT" dirty="0"/>
-              <a:t>Realm of the Mad God</a:t>
-            </a:r>
-          </a:p>
-          <a:p>
-            <a:pPr lvl="0"/>
-            <a:r>
-              <a:rPr lang="DE-AT" dirty="0" err="1"/>
-              <a:t>Rivals</a:t>
-            </a:r>
-            <a:r>
-              <a:rPr lang="DE-AT" dirty="0"/>
-              <a:t> </a:t>
-            </a:r>
-            <a:r>
-              <a:rPr lang="DE-AT" dirty="0" err="1"/>
-              <a:t>of</a:t>
-            </a:r>
-            <a:r>
-              <a:rPr lang="DE-AT" dirty="0"/>
-              <a:t> </a:t>
-            </a:r>
-            <a:r>
-              <a:rPr lang="DE-AT" dirty="0" err="1"/>
-              <a:t>Aether</a:t>
-            </a:r>
-            <a:endParaRPr lang="DE-AT" dirty="0"/>
-          </a:p>
-          <a:p>
-            <a:pPr lvl="0"/>
-            <a:r>
-              <a:rPr lang="DE-AT" dirty="0" err="1"/>
-              <a:t>Stardew</a:t>
-            </a:r>
-            <a:r>
-              <a:rPr lang="DE-AT" dirty="0"/>
-              <a:t> Valley</a:t>
-            </a:r>
-          </a:p>
-          <a:p>
-            <a:pPr lvl="0"/>
-            <a:r>
-              <a:rPr lang="DE-AT" dirty="0"/>
-              <a:t>Titan </a:t>
-            </a:r>
-            <a:r>
-              <a:rPr lang="DE-AT" dirty="0" err="1"/>
-              <a:t>Souls</a:t>
-            </a:r>
-            <a:endParaRPr lang="DE-AT" dirty="0"/>
+          <a:bodyPr/>
+          <a:lstStyle/>
+          <a:p>
+            <a:r>
+              <a:rPr lang="de-AT" dirty="0"/>
+              <a:t>Level</a:t>
+            </a:r>
+          </a:p>
+          <a:p>
+            <a:r>
+              <a:rPr lang="de-AT" dirty="0"/>
+              <a:t>Bewegung (Kamera) </a:t>
+            </a:r>
+          </a:p>
+          <a:p>
+            <a:r>
+              <a:rPr lang="de-AT" dirty="0"/>
+              <a:t>Charakter </a:t>
+            </a:r>
+          </a:p>
+          <a:p>
+            <a:pPr lvl="1"/>
+            <a:r>
+              <a:rPr lang="de-AT" dirty="0"/>
+              <a:t>Gegner </a:t>
+            </a:r>
+          </a:p>
+          <a:p>
+            <a:pPr lvl="1"/>
+            <a:r>
+              <a:rPr lang="de-AT" dirty="0"/>
+              <a:t>Spieler </a:t>
+            </a:r>
+          </a:p>
+          <a:p>
+            <a:pPr lvl="1"/>
+            <a:r>
+              <a:rPr lang="de-AT" dirty="0"/>
+              <a:t>Angriff </a:t>
+            </a:r>
+          </a:p>
+          <a:p>
+            <a:pPr lvl="1"/>
+            <a:r>
+              <a:rPr lang="de-AT" dirty="0"/>
+              <a:t>Gegenstände</a:t>
+            </a:r>
+          </a:p>
+          <a:p>
+            <a:pPr lvl="1"/>
+            <a:r>
+              <a:rPr lang="de-AT" dirty="0"/>
+              <a:t>Waffen</a:t>
+            </a:r>
           </a:p>
         </p:txBody>
       </p:sp>
     </p:spTree>
     <p:extLst>
       <p:ext uri="{BB962C8B-B14F-4D97-AF65-F5344CB8AC3E}">
-        <p14:creationId xmlns:p14="http://schemas.microsoft.com/office/powerpoint/2010/main" val="3136522197"/>
+        <p14:creationId xmlns:p14="http://schemas.microsoft.com/office/powerpoint/2010/main" val="2597871793"/>
       </p:ext>
     </p:extLst>
   </p:cSld>
@@ -4350,33 +4525,33 @@
             <a:pPr lvl="1"/>
             <a:r>
               <a:rPr lang="de-AT" dirty="0"/>
-              <a:t>Empfohlener Termin: 10.01.2017</a:t>
+              <a:t>Geplanter Termin: 10.01.2017</a:t>
             </a:r>
           </a:p>
           <a:p>
             <a:pPr lvl="1"/>
             <a:r>
               <a:rPr lang="de-AT" dirty="0"/>
-              <a:t>Letzter möglicher Termin: 17.01.2017 </a:t>
+              <a:t>Letztmöglicher Termin: 17.01.2017 </a:t>
             </a:r>
           </a:p>
           <a:p>
             <a:r>
               <a:rPr lang="de-AT" dirty="0"/>
-              <a:t>Prototyp ohne Content</a:t>
+              <a:t>Prototyp</a:t>
             </a:r>
           </a:p>
           <a:p>
             <a:pPr lvl="1"/>
             <a:r>
               <a:rPr lang="de-AT" dirty="0"/>
-              <a:t>4 - 8 Wochen? (Mitte - Ende November)</a:t>
+              <a:t>4 - 8 Wochen (Mitte - Ende November)</a:t>
             </a:r>
           </a:p>
           <a:p>
             <a:r>
               <a:rPr lang="de-AT" dirty="0"/>
-              <a:t>Prototyp mit Content</a:t>
+              <a:t>Demo nach Mindestanforderungen</a:t>
             </a:r>
           </a:p>
           <a:p>
@@ -4437,11 +4612,11 @@
           <a:p>
             <a:r>
               <a:rPr lang="DE-AT" dirty="0">
-                <a:latin typeface="Calibri Light"/>
+                <a:latin typeface="Gill Sans MT (Überschriften)"/>
                 <a:ea typeface="DejaVu Serif" panose="02060603050605020204" pitchFamily="18" charset="0"/>
                 <a:cs typeface="DejaVu Serif" panose="02060603050605020204" pitchFamily="18" charset="0"/>
               </a:rPr>
-              <a:t>Kosten / Gewinn</a:t>
+              <a:t>Nutzwert</a:t>
             </a:r>
           </a:p>
         </p:txBody>
@@ -4464,25 +4639,50 @@
           <a:lstStyle/>
           <a:p>
             <a:r>
+              <a:rPr lang="de-AT" dirty="0"/>
+              <a:t>Kosten</a:t>
+            </a:r>
+            <a:endParaRPr lang="DE-AT" dirty="0"/>
+          </a:p>
+          <a:p>
+            <a:pPr lvl="1"/>
+            <a:r>
               <a:rPr lang="DE-AT" dirty="0"/>
-              <a:t>Unity ( &gt; 100.000€ / Jahr)</a:t>
-            </a:r>
-          </a:p>
-          <a:p>
+              <a:t>Unity (erst ab Umsatz &gt; 100.000€ / Jahr)</a:t>
+            </a:r>
+          </a:p>
+          <a:p>
+            <a:r>
+              <a:rPr lang="de-AT" dirty="0"/>
+              <a:t>Gewinn</a:t>
+            </a:r>
+            <a:endParaRPr lang="DE-AT" dirty="0"/>
+          </a:p>
+          <a:p>
+            <a:pPr lvl="1"/>
             <a:r>
               <a:rPr lang="DE-AT" dirty="0"/>
-              <a:t>Realm of the Mad God 1.700.000 Spieler (Gratis)</a:t>
-            </a:r>
-          </a:p>
-          <a:p>
-            <a:pPr lvl="1"/>
+              <a:t>Realm of the Mad God 1.700.000 Spieler 	</a:t>
+            </a:r>
+            <a:r>
+              <a:rPr lang="de-AT" dirty="0"/>
+              <a:t>(Gratis)</a:t>
+            </a:r>
             <a:r>
               <a:rPr lang="DE-AT" dirty="0"/>
-              <a:t>80% User Score</a:t>
-            </a:r>
-          </a:p>
-          <a:p>
-            <a:pPr lvl="1"/>
+              <a:t>	=&gt; ~ 1.360.000€</a:t>
+            </a:r>
+            <a:endParaRPr lang="de-AT" dirty="0"/>
+          </a:p>
+          <a:p>
+            <a:pPr lvl="2"/>
+            <a:r>
+              <a:rPr lang="DE-AT" dirty="0"/>
+              <a:t>Kostenpflichtiger Inhalt</a:t>
+            </a:r>
+          </a:p>
+          <a:p>
+            <a:pPr lvl="2"/>
             <a:r>
               <a:rPr lang="DE-AT" dirty="0"/>
               <a:t>Viele Spieler wünschen sich ein besseres Spiel</a:t>
@@ -4492,85 +4692,22 @@
             <a:pPr lvl="1"/>
             <a:r>
               <a:rPr lang="DE-AT" dirty="0"/>
-              <a:t>Pay2Win</a:t>
-            </a:r>
-          </a:p>
-          <a:p>
+              <a:t>Titan Souls 170.000 Spieler (14.99€)		=&gt; ~ 1.650.000€</a:t>
+            </a:r>
+          </a:p>
+          <a:p>
+            <a:pPr lvl="1"/>
             <a:r>
               <a:rPr lang="DE-AT" dirty="0"/>
-              <a:t>Titan </a:t>
-            </a:r>
-            <a:r>
-              <a:rPr lang="DE-AT" dirty="0" err="1"/>
-              <a:t>Souls</a:t>
-            </a:r>
+              <a:t>Dungeon Souls 35.000 Spieler (12.99€)		=&gt; ~ 300.000€</a:t>
+            </a:r>
+          </a:p>
+          <a:p>
+            <a:pPr lvl="1"/>
             <a:r>
               <a:rPr lang="DE-AT" dirty="0"/>
-              <a:t> 170.000 Spieler (14.99€)</a:t>
-            </a:r>
-          </a:p>
-          <a:p>
-            <a:r>
-              <a:rPr lang="DE-AT" dirty="0" err="1"/>
-              <a:t>Dungeon</a:t>
-            </a:r>
-            <a:r>
-              <a:rPr lang="DE-AT" dirty="0"/>
-              <a:t> </a:t>
-            </a:r>
-            <a:r>
-              <a:rPr lang="DE-AT" dirty="0" err="1"/>
-              <a:t>Souls</a:t>
-            </a:r>
-            <a:r>
-              <a:rPr lang="DE-AT" dirty="0"/>
-              <a:t> 35.000 Spieler (12.99€)</a:t>
-            </a:r>
-          </a:p>
-          <a:p>
-            <a:r>
-              <a:rPr lang="DE-AT" dirty="0"/>
-              <a:t>Enter </a:t>
-            </a:r>
-            <a:r>
-              <a:rPr lang="DE-AT" dirty="0" err="1"/>
-              <a:t>the</a:t>
-            </a:r>
-            <a:r>
-              <a:rPr lang="DE-AT" dirty="0"/>
-              <a:t> </a:t>
-            </a:r>
-            <a:r>
-              <a:rPr lang="DE-AT" dirty="0" err="1"/>
-              <a:t>Gungeon</a:t>
-            </a:r>
-            <a:r>
-              <a:rPr lang="DE-AT" dirty="0"/>
-              <a:t> 414.000 Spieler (14.99€)</a:t>
-            </a:r>
-          </a:p>
-          <a:p>
-            <a:r>
-              <a:rPr lang="DE-AT" dirty="0"/>
-              <a:t>Skins</a:t>
-            </a:r>
-          </a:p>
-          <a:p>
-            <a:pPr lvl="1"/>
-            <a:r>
-              <a:rPr lang="DE-AT" dirty="0"/>
-              <a:t>Characters</a:t>
-            </a:r>
-          </a:p>
-          <a:p>
-            <a:pPr lvl="1"/>
-            <a:r>
-              <a:rPr lang="DE-AT" dirty="0"/>
-              <a:t>Items</a:t>
-            </a:r>
-          </a:p>
-          <a:p>
-            <a:endParaRPr lang="de-AT" dirty="0"/>
+              <a:t>Enter the Gungeon 414.000 Spieler (14.99€)	=&gt; ~ 4.095.000€</a:t>
+            </a:r>
           </a:p>
         </p:txBody>
       </p:sp>
@@ -4620,8 +4757,115 @@
           <a:lstStyle/>
           <a:p>
             <a:r>
+              <a:rPr lang="de-AT" dirty="0"/>
+              <a:t>Marketing</a:t>
+            </a:r>
+          </a:p>
+        </p:txBody>
+      </p:sp>
+      <p:sp>
+        <p:nvSpPr>
+          <p:cNvPr id="3" name="Inhaltsplatzhalter 2"/>
+          <p:cNvSpPr>
+            <a:spLocks noGrp="1"/>
+          </p:cNvSpPr>
+          <p:nvPr>
+            <p:ph idx="1"/>
+          </p:nvPr>
+        </p:nvSpPr>
+        <p:spPr/>
+        <p:txBody>
+          <a:bodyPr/>
+          <a:lstStyle/>
+          <a:p>
+            <a:r>
+              <a:rPr lang="de-AT" dirty="0"/>
+              <a:t>Einmalkauf</a:t>
+            </a:r>
+          </a:p>
+          <a:p>
+            <a:r>
+              <a:rPr lang="de-AT" dirty="0"/>
+              <a:t>Micro Transaktionen</a:t>
+            </a:r>
+          </a:p>
+          <a:p>
+            <a:r>
+              <a:rPr lang="DE-AT" dirty="0"/>
+              <a:t>Kostenpflichtige Inhalte</a:t>
+            </a:r>
+          </a:p>
+          <a:p>
+            <a:pPr lvl="1"/>
+            <a:r>
+              <a:rPr lang="DE-AT" dirty="0"/>
+              <a:t>Charaktere</a:t>
+            </a:r>
+          </a:p>
+          <a:p>
+            <a:pPr lvl="1"/>
+            <a:r>
+              <a:rPr lang="de-AT" dirty="0"/>
+              <a:t>Gegenstände</a:t>
+            </a:r>
+          </a:p>
+          <a:p>
+            <a:pPr lvl="1"/>
+            <a:r>
+              <a:rPr lang="de-AT" dirty="0"/>
+              <a:t>Alternative Erscheinungsbilder</a:t>
+            </a:r>
+          </a:p>
+        </p:txBody>
+      </p:sp>
+    </p:spTree>
+    <p:extLst>
+      <p:ext uri="{BB962C8B-B14F-4D97-AF65-F5344CB8AC3E}">
+        <p14:creationId xmlns:p14="http://schemas.microsoft.com/office/powerpoint/2010/main" val="3478826561"/>
+      </p:ext>
+    </p:extLst>
+  </p:cSld>
+  <p:clrMapOvr>
+    <a:masterClrMapping/>
+  </p:clrMapOvr>
+</p:sld>
+</file>
+
+<file path=ppt/slides/slide9.xml><?xml version="1.0" encoding="utf-8"?>
+<p:sld xmlns:a="http://schemas.openxmlformats.org/drawingml/2006/main" xmlns:r="http://schemas.openxmlformats.org/officeDocument/2006/relationships" xmlns:p="http://schemas.openxmlformats.org/presentationml/2006/main">
+  <p:cSld>
+    <p:spTree>
+      <p:nvGrpSpPr>
+        <p:cNvPr id="1" name=""/>
+        <p:cNvGrpSpPr/>
+        <p:nvPr/>
+      </p:nvGrpSpPr>
+      <p:grpSpPr>
+        <a:xfrm>
+          <a:off x="0" y="0"/>
+          <a:ext cx="0" cy="0"/>
+          <a:chOff x="0" y="0"/>
+          <a:chExt cx="0" cy="0"/>
+        </a:xfrm>
+      </p:grpSpPr>
+      <p:sp>
+        <p:nvSpPr>
+          <p:cNvPr id="2" name="Titel 1"/>
+          <p:cNvSpPr>
+            <a:spLocks noGrp="1"/>
+          </p:cNvSpPr>
+          <p:nvPr>
+            <p:ph type="title"/>
+          </p:nvPr>
+        </p:nvSpPr>
+        <p:spPr/>
+        <p:txBody>
+          <a:bodyPr/>
+          <a:lstStyle/>
+          <a:p>
+            <a:r>
               <a:rPr lang="DE-DE" dirty="0"/>
-              <a:t>Das Team</a:t>
+              <a:t>Team</a:t>
             </a:r>
           </a:p>
         </p:txBody>
@@ -4649,22 +4893,54 @@
             </a:r>
           </a:p>
           <a:p>
+            <a:pPr lvl="1"/>
+            <a:r>
+              <a:rPr lang="de-DE" dirty="0"/>
+              <a:t>Sounddesign</a:t>
+            </a:r>
+            <a:endParaRPr lang="DE-DE" dirty="0"/>
+          </a:p>
+          <a:p>
             <a:r>
               <a:rPr lang="DE-DE" dirty="0"/>
               <a:t>Markus Reichl</a:t>
             </a:r>
           </a:p>
           <a:p>
+            <a:pPr lvl="1"/>
+            <a:r>
+              <a:rPr lang="de-DE" dirty="0"/>
+              <a:t>Grafik / Entwicklung</a:t>
+            </a:r>
+            <a:endParaRPr lang="DE-DE" dirty="0"/>
+          </a:p>
+          <a:p>
             <a:r>
               <a:rPr lang="DE-DE" dirty="0"/>
               <a:t>Burak Tekin</a:t>
             </a:r>
           </a:p>
           <a:p>
+            <a:pPr lvl="1"/>
+            <a:r>
+              <a:rPr lang="de-DE" dirty="0"/>
+              <a:t>Grafik</a:t>
+            </a:r>
+            <a:endParaRPr lang="DE-DE" dirty="0"/>
+          </a:p>
+          <a:p>
             <a:r>
               <a:rPr lang="DE-DE" dirty="0"/>
               <a:t>Florian Wellner</a:t>
             </a:r>
+          </a:p>
+          <a:p>
+            <a:pPr lvl="1"/>
+            <a:r>
+              <a:rPr lang="de-DE" dirty="0"/>
+              <a:t>Entwicklung</a:t>
+            </a:r>
+            <a:endParaRPr lang="DE-DE" dirty="0"/>
           </a:p>
         </p:txBody>
       </p:sp>
@@ -4682,108 +4958,58 @@
 </file>
 
 <file path=ppt/theme/theme1.xml><?xml version="1.0" encoding="utf-8"?>
-<a:theme xmlns:a="http://schemas.openxmlformats.org/drawingml/2006/main" name="Office">
+<a:theme xmlns:a="http://schemas.openxmlformats.org/drawingml/2006/main" name="Paket">
   <a:themeElements>
-    <a:clrScheme name="Office">
+    <a:clrScheme name="Paket">
       <a:dk1>
-        <a:sysClr val="windowText" lastClr="000000"/>
+        <a:srgbClr val="000000"/>
       </a:dk1>
       <a:lt1>
-        <a:sysClr val="window" lastClr="FFFFFF"/>
+        <a:srgbClr val="FFFFFF"/>
       </a:lt1>
       <a:dk2>
-        <a:srgbClr val="44546A"/>
+        <a:srgbClr val="4A5356"/>
       </a:dk2>
       <a:lt2>
-        <a:srgbClr val="E7E6E6"/>
+        <a:srgbClr val="E8E3CE"/>
       </a:lt2>
       <a:accent1>
-        <a:srgbClr val="5B9BD5"/>
+        <a:srgbClr val="F6A21D"/>
       </a:accent1>
       <a:accent2>
-        <a:srgbClr val="ED7D31"/>
+        <a:srgbClr val="9BAFB5"/>
       </a:accent2>
       <a:accent3>
-        <a:srgbClr val="A5A5A5"/>
+        <a:srgbClr val="C96731"/>
       </a:accent3>
       <a:accent4>
-        <a:srgbClr val="FFC000"/>
+        <a:srgbClr val="9CA383"/>
       </a:accent4>
       <a:accent5>
-        <a:srgbClr val="4472C4"/>
+        <a:srgbClr val="87795D"/>
       </a:accent5>
       <a:accent6>
-        <a:srgbClr val="70AD47"/>
+        <a:srgbClr val="A0988C"/>
       </a:accent6>
       <a:hlink>
-        <a:srgbClr val="0563C1"/>
+        <a:srgbClr val="00B0F0"/>
       </a:hlink>
       <a:folHlink>
-        <a:srgbClr val="954F72"/>
+        <a:srgbClr val="738F97"/>
       </a:folHlink>
     </a:clrScheme>
-    <a:fontScheme name="Office">
+    <a:fontScheme name="Paket">
       <a:majorFont>
-        <a:latin typeface="Calibri Light" panose="020F0302020204030204"/>
+        <a:latin typeface="Gill Sans MT" panose="020B0502020104020203"/>
         <a:ea typeface=""/>
         <a:cs typeface=""/>
-        <a:font script="Jpan" typeface="游ゴシック Light"/>
-        <a:font script="Hang" typeface="맑은 고딕"/>
-        <a:font script="Hans" typeface="等线 Light"/>
-        <a:font script="Hant" typeface="新細明體"/>
-        <a:font script="Arab" typeface="Times New Roman"/>
-        <a:font script="Hebr" typeface="Times New Roman"/>
-        <a:font script="Thai" typeface="Angsana New"/>
-        <a:font script="Ethi" typeface="Nyala"/>
-        <a:font script="Beng" typeface="Vrinda"/>
-        <a:font script="Gujr" typeface="Shruti"/>
-        <a:font script="Khmr" typeface="MoolBoran"/>
-        <a:font script="Knda" typeface="Tunga"/>
-        <a:font script="Guru" typeface="Raavi"/>
-        <a:font script="Cans" typeface="Euphemia"/>
-        <a:font script="Cher" typeface="Plantagenet Cherokee"/>
-        <a:font script="Yiii" typeface="Microsoft Yi Baiti"/>
-        <a:font script="Tibt" typeface="Microsoft Himalaya"/>
-        <a:font script="Thaa" typeface="MV Boli"/>
-        <a:font script="Deva" typeface="Mangal"/>
-        <a:font script="Telu" typeface="Gautami"/>
-        <a:font script="Taml" typeface="Latha"/>
-        <a:font script="Syrc" typeface="Estrangelo Edessa"/>
-        <a:font script="Orya" typeface="Kalinga"/>
-        <a:font script="Mlym" typeface="Kartika"/>
-        <a:font script="Laoo" typeface="DokChampa"/>
-        <a:font script="Sinh" typeface="Iskoola Pota"/>
-        <a:font script="Mong" typeface="Mongolian Baiti"/>
-        <a:font script="Viet" typeface="Times New Roman"/>
-        <a:font script="Uigh" typeface="Microsoft Uighur"/>
-        <a:font script="Geor" typeface="Sylfaen"/>
-        <a:font script="Armn" typeface="Arial"/>
-        <a:font script="Bugi" typeface="Leelawadee UI"/>
-        <a:font script="Bopo" typeface="Microsoft JhengHei"/>
-        <a:font script="Java" typeface="Javanese Text"/>
-        <a:font script="Lisu" typeface="Segoe UI"/>
-        <a:font script="Mymr" typeface="Myanmar Text"/>
-        <a:font script="Nkoo" typeface="Ebrima"/>
-        <a:font script="Olck" typeface="Nirmala UI"/>
-        <a:font script="Osma" typeface="Ebrima"/>
-        <a:font script="Phag" typeface="Phagspa"/>
-        <a:font script="Syrn" typeface="Estrangelo Edessa"/>
-        <a:font script="Syrj" typeface="Estrangelo Edessa"/>
-        <a:font script="Syre" typeface="Estrangelo Edessa"/>
-        <a:font script="Sora" typeface="Nirmala UI"/>
-        <a:font script="Tale" typeface="Microsoft Tai Le"/>
-        <a:font script="Talu" typeface="Microsoft New Tai Lue"/>
-        <a:font script="Tfng" typeface="Ebrima"/>
-      </a:majorFont>
-      <a:minorFont>
-        <a:latin typeface="Calibri" panose="020F0502020204030204"/>
-        <a:ea typeface=""/>
-        <a:cs typeface=""/>
-        <a:font script="Jpan" typeface="游ゴシック"/>
-        <a:font script="Hang" typeface="맑은 고딕"/>
-        <a:font script="Hans" typeface="等线"/>
-        <a:font script="Hant" typeface="新細明體"/>
-        <a:font script="Arab" typeface="Arial"/>
+        <a:font script="Grek" typeface="Corbel"/>
+        <a:font script="Cyrl" typeface="Corbel"/>
+        <a:font script="Jpan" typeface="HGｺﾞｼｯｸE"/>
+        <a:font script="Hang" typeface="휴먼매직체"/>
+        <a:font script="Hans" typeface="华文中宋"/>
+        <a:font script="Hant" typeface="微軟正黑體"/>
+        <a:font script="Arab" typeface="Majalla UI"/>
         <a:font script="Hebr" typeface="Arial"/>
         <a:font script="Thai" typeface="Cordia New"/>
         <a:font script="Ethi" typeface="Nyala"/>
@@ -4806,29 +5032,49 @@
         <a:font script="Laoo" typeface="DokChampa"/>
         <a:font script="Sinh" typeface="Iskoola Pota"/>
         <a:font script="Mong" typeface="Mongolian Baiti"/>
-        <a:font script="Viet" typeface="Arial"/>
+        <a:font script="Viet" typeface="Tahoma"/>
         <a:font script="Uigh" typeface="Microsoft Uighur"/>
         <a:font script="Geor" typeface="Sylfaen"/>
-        <a:font script="Armn" typeface="Arial"/>
-        <a:font script="Bugi" typeface="Leelawadee UI"/>
-        <a:font script="Bopo" typeface="Microsoft JhengHei"/>
-        <a:font script="Java" typeface="Javanese Text"/>
-        <a:font script="Lisu" typeface="Segoe UI"/>
-        <a:font script="Mymr" typeface="Myanmar Text"/>
-        <a:font script="Nkoo" typeface="Ebrima"/>
-        <a:font script="Olck" typeface="Nirmala UI"/>
-        <a:font script="Osma" typeface="Ebrima"/>
-        <a:font script="Phag" typeface="Phagspa"/>
-        <a:font script="Syrn" typeface="Estrangelo Edessa"/>
-        <a:font script="Syrj" typeface="Estrangelo Edessa"/>
-        <a:font script="Syre" typeface="Estrangelo Edessa"/>
-        <a:font script="Sora" typeface="Nirmala UI"/>
-        <a:font script="Tale" typeface="Microsoft Tai Le"/>
-        <a:font script="Talu" typeface="Microsoft New Tai Lue"/>
-        <a:font script="Tfng" typeface="Ebrima"/>
+      </a:majorFont>
+      <a:minorFont>
+        <a:latin typeface="Gill Sans MT" panose="020B0502020104020203"/>
+        <a:ea typeface=""/>
+        <a:cs typeface=""/>
+        <a:font script="Grek" typeface="Corbel"/>
+        <a:font script="Cyrl" typeface="Corbel"/>
+        <a:font script="Jpan" typeface="HGｺﾞｼｯｸE"/>
+        <a:font script="Hang" typeface="휴먼매직체"/>
+        <a:font script="Hans" typeface="华文中宋"/>
+        <a:font script="Hant" typeface="微軟正黑體"/>
+        <a:font script="Arab" typeface="Majalla UI"/>
+        <a:font script="Hebr" typeface="Arial"/>
+        <a:font script="Thai" typeface="Cordia New"/>
+        <a:font script="Ethi" typeface="Nyala"/>
+        <a:font script="Beng" typeface="Vrinda"/>
+        <a:font script="Gujr" typeface="Shruti"/>
+        <a:font script="Khmr" typeface="DaunPenh"/>
+        <a:font script="Knda" typeface="Tunga"/>
+        <a:font script="Guru" typeface="Raavi"/>
+        <a:font script="Cans" typeface="Euphemia"/>
+        <a:font script="Cher" typeface="Plantagenet Cherokee"/>
+        <a:font script="Yiii" typeface="Microsoft Yi Baiti"/>
+        <a:font script="Tibt" typeface="Microsoft Himalaya"/>
+        <a:font script="Thaa" typeface="MV Boli"/>
+        <a:font script="Deva" typeface="Mangal"/>
+        <a:font script="Telu" typeface="Gautami"/>
+        <a:font script="Taml" typeface="Latha"/>
+        <a:font script="Syrc" typeface="Estrangelo Edessa"/>
+        <a:font script="Orya" typeface="Kalinga"/>
+        <a:font script="Mlym" typeface="Kartika"/>
+        <a:font script="Laoo" typeface="DokChampa"/>
+        <a:font script="Sinh" typeface="Iskoola Pota"/>
+        <a:font script="Mong" typeface="Mongolian Baiti"/>
+        <a:font script="Viet" typeface="Tahoma"/>
+        <a:font script="Uigh" typeface="Microsoft Uighur"/>
+        <a:font script="Geor" typeface="Sylfaen"/>
       </a:minorFont>
     </a:fontScheme>
-    <a:fmtScheme name="Office">
+    <a:fmtScheme name="Paket">
       <a:fillStyleLst>
         <a:solidFill>
           <a:schemeClr val="phClr"/>
@@ -4837,23 +5083,16 @@
           <a:gsLst>
             <a:gs pos="0">
               <a:schemeClr val="phClr">
-                <a:lumMod val="110000"/>
-                <a:satMod val="105000"/>
-                <a:tint val="67000"/>
-              </a:schemeClr>
-            </a:gs>
-            <a:gs pos="50000">
-              <a:schemeClr val="phClr">
-                <a:lumMod val="105000"/>
-                <a:satMod val="103000"/>
-                <a:tint val="73000"/>
+                <a:tint val="80000"/>
+                <a:satMod val="107000"/>
+                <a:lumMod val="103000"/>
               </a:schemeClr>
             </a:gs>
             <a:gs pos="100000">
               <a:schemeClr val="phClr">
-                <a:lumMod val="105000"/>
+                <a:tint val="82000"/>
                 <a:satMod val="109000"/>
-                <a:tint val="81000"/>
+                <a:lumMod val="103000"/>
               </a:schemeClr>
             </a:gs>
           </a:gsLst>
@@ -4863,23 +5102,23 @@
           <a:gsLst>
             <a:gs pos="0">
               <a:schemeClr val="phClr">
-                <a:satMod val="103000"/>
+                <a:tint val="97000"/>
+                <a:satMod val="100000"/>
                 <a:lumMod val="102000"/>
-                <a:tint val="94000"/>
               </a:schemeClr>
             </a:gs>
             <a:gs pos="50000">
               <a:schemeClr val="phClr">
-                <a:satMod val="110000"/>
+                <a:shade val="100000"/>
+                <a:satMod val="103000"/>
                 <a:lumMod val="100000"/>
-                <a:shade val="100000"/>
               </a:schemeClr>
             </a:gs>
             <a:gs pos="100000">
               <a:schemeClr val="phClr">
+                <a:shade val="93000"/>
+                <a:satMod val="110000"/>
                 <a:lumMod val="99000"/>
-                <a:satMod val="120000"/>
-                <a:shade val="78000"/>
               </a:schemeClr>
             </a:gs>
           </a:gsLst>
@@ -4892,21 +5131,18 @@
             <a:schemeClr val="phClr"/>
           </a:solidFill>
           <a:prstDash val="solid"/>
-          <a:miter lim="800000"/>
         </a:ln>
         <a:ln w="12700" cap="flat" cmpd="sng" algn="ctr">
           <a:solidFill>
             <a:schemeClr val="phClr"/>
           </a:solidFill>
           <a:prstDash val="solid"/>
-          <a:miter lim="800000"/>
         </a:ln>
-        <a:ln w="19050" cap="flat" cmpd="sng" algn="ctr">
+        <a:ln w="31750" cap="flat" cmpd="sng" algn="ctr">
           <a:solidFill>
             <a:schemeClr val="phClr"/>
           </a:solidFill>
           <a:prstDash val="solid"/>
-          <a:miter lim="800000"/>
         </a:ln>
       </a:lnStyleLst>
       <a:effectStyleLst>
@@ -4918,12 +5154,21 @@
         </a:effectStyle>
         <a:effectStyle>
           <a:effectLst>
-            <a:outerShdw blurRad="57150" dist="19050" dir="5400000" algn="ctr" rotWithShape="0">
+            <a:outerShdw blurRad="55880" dist="15240" dir="5400000" algn="ctr" rotWithShape="0">
               <a:srgbClr val="000000">
-                <a:alpha val="63000"/>
+                <a:alpha val="45000"/>
               </a:srgbClr>
             </a:outerShdw>
           </a:effectLst>
+          <a:scene3d>
+            <a:camera prst="orthographicFront">
+              <a:rot lat="0" lon="0" rev="0"/>
+            </a:camera>
+            <a:lightRig rig="brightRoom" dir="tl"/>
+          </a:scene3d>
+          <a:sp3d prstMaterial="dkEdge">
+            <a:bevelT w="0" h="0"/>
+          </a:sp3d>
         </a:effectStyle>
       </a:effectStyleLst>
       <a:bgFillStyleLst>
@@ -4940,28 +5185,24 @@
           <a:gsLst>
             <a:gs pos="0">
               <a:schemeClr val="phClr">
-                <a:tint val="93000"/>
-                <a:satMod val="150000"/>
-                <a:shade val="98000"/>
-                <a:lumMod val="102000"/>
-              </a:schemeClr>
-            </a:gs>
-            <a:gs pos="50000">
-              <a:schemeClr val="phClr">
-                <a:tint val="98000"/>
-                <a:satMod val="130000"/>
-                <a:shade val="90000"/>
-                <a:lumMod val="103000"/>
+                <a:tint val="97000"/>
+                <a:shade val="100000"/>
+                <a:satMod val="185000"/>
+                <a:lumMod val="120000"/>
               </a:schemeClr>
             </a:gs>
             <a:gs pos="100000">
               <a:schemeClr val="phClr">
-                <a:shade val="63000"/>
-                <a:satMod val="120000"/>
+                <a:tint val="96000"/>
+                <a:shade val="95000"/>
+                <a:satMod val="215000"/>
+                <a:lumMod val="80000"/>
               </a:schemeClr>
             </a:gs>
           </a:gsLst>
-          <a:lin ang="5400000" scaled="0"/>
+          <a:path path="circle">
+            <a:fillToRect l="50000" t="55000" r="125000" b="100000"/>
+          </a:path>
         </a:gradFill>
       </a:bgFillStyleLst>
     </a:fmtScheme>
@@ -4970,7 +5211,7 @@
   <a:extraClrSchemeLst/>
   <a:extLst>
     <a:ext uri="{05A4C25C-085E-4340-85A3-A5531E510DB2}">
-      <thm15:themeFamily xmlns:thm15="http://schemas.microsoft.com/office/thememl/2012/main" name="Office Theme" id="{62F939B6-93AF-4DB8-9C6B-D6C7DFDC589F}" vid="{4A3C46E8-61CC-4603-A589-7422A47A8E4A}"/>
+      <thm15:themeFamily xmlns:thm15="http://schemas.microsoft.com/office/thememl/2012/main" name="Parcel" id="{8BEC4385-4EB9-4D53-BFB5-0EA123736B6D}" vid="{4DB32801-28C0-48B0-8C1D-A9A58613615A}"/>
     </a:ext>
   </a:extLst>
 </a:theme>

--- a/docs/project-presentation.pptx
+++ b/docs/project-presentation.pptx
@@ -641,6 +641,98 @@
 </file>
 
 <file path=ppt/notesSlides/notesSlide3.xml><?xml version="1.0" encoding="utf-8"?>
+<p:notes xmlns:a="http://schemas.openxmlformats.org/drawingml/2006/main" xmlns:r="http://schemas.openxmlformats.org/officeDocument/2006/relationships" xmlns:p="http://schemas.openxmlformats.org/presentationml/2006/main">
+  <p:cSld>
+    <p:spTree>
+      <p:nvGrpSpPr>
+        <p:cNvPr id="1" name=""/>
+        <p:cNvGrpSpPr/>
+        <p:nvPr/>
+      </p:nvGrpSpPr>
+      <p:grpSpPr>
+        <a:xfrm>
+          <a:off x="0" y="0"/>
+          <a:ext cx="0" cy="0"/>
+          <a:chOff x="0" y="0"/>
+          <a:chExt cx="0" cy="0"/>
+        </a:xfrm>
+      </p:grpSpPr>
+      <p:sp>
+        <p:nvSpPr>
+          <p:cNvPr id="2" name="Folienbildplatzhalter 1"/>
+          <p:cNvSpPr>
+            <a:spLocks noGrp="1" noRot="1" noChangeAspect="1"/>
+          </p:cNvSpPr>
+          <p:nvPr>
+            <p:ph type="sldImg"/>
+          </p:nvPr>
+        </p:nvSpPr>
+        <p:spPr/>
+      </p:sp>
+      <p:sp>
+        <p:nvSpPr>
+          <p:cNvPr id="3" name="Notizenplatzhalter 2"/>
+          <p:cNvSpPr>
+            <a:spLocks noGrp="1"/>
+          </p:cNvSpPr>
+          <p:nvPr>
+            <p:ph type="body" idx="1"/>
+          </p:nvPr>
+        </p:nvSpPr>
+        <p:spPr/>
+        <p:txBody>
+          <a:bodyPr/>
+          <a:lstStyle/>
+          <a:p>
+            <a:r>
+              <a:rPr lang="de-AT" dirty="0"/>
+              <a:t>~ 40.000€</a:t>
+            </a:r>
+            <a:r>
+              <a:rPr lang="de-AT" baseline="0" dirty="0"/>
+              <a:t> an Gehältern im Falle einer Auszahlung</a:t>
+            </a:r>
+            <a:endParaRPr lang="de-AT" dirty="0"/>
+          </a:p>
+        </p:txBody>
+      </p:sp>
+      <p:sp>
+        <p:nvSpPr>
+          <p:cNvPr id="4" name="Foliennummernplatzhalter 3"/>
+          <p:cNvSpPr>
+            <a:spLocks noGrp="1"/>
+          </p:cNvSpPr>
+          <p:nvPr>
+            <p:ph type="sldNum" sz="quarter" idx="10"/>
+          </p:nvPr>
+        </p:nvSpPr>
+        <p:spPr/>
+        <p:txBody>
+          <a:bodyPr/>
+          <a:lstStyle/>
+          <a:p>
+            <a:fld id="{AE9E2D04-15C4-4177-9014-09E8AC06E589}" type="slidenum">
+              <a:rPr lang="de-DE" smtClean="0"/>
+              <a:t>7</a:t>
+            </a:fld>
+            <a:endParaRPr lang="de-DE"/>
+          </a:p>
+        </p:txBody>
+      </p:sp>
+    </p:spTree>
+    <p:extLst>
+      <p:ext uri="{BB962C8B-B14F-4D97-AF65-F5344CB8AC3E}">
+        <p14:creationId xmlns:p14="http://schemas.microsoft.com/office/powerpoint/2010/main" val="1998366173"/>
+      </p:ext>
+    </p:extLst>
+  </p:cSld>
+  <p:clrMapOvr>
+    <a:masterClrMapping/>
+  </p:clrMapOvr>
+</p:notes>
+</file>
+
+<file path=ppt/notesSlides/notesSlide4.xml><?xml version="1.0" encoding="utf-8"?>
 <p:notes xmlns:a="http://schemas.openxmlformats.org/drawingml/2006/main" xmlns:r="http://schemas.openxmlformats.org/officeDocument/2006/relationships" xmlns:p="http://schemas.openxmlformats.org/presentationml/2006/main">
   <p:cSld>
     <p:spTree>
@@ -4204,19 +4296,7 @@
               <a:rPr lang="de-AT" dirty="0">
                 <a:latin typeface="Gill Sans MT (Textkörper)"/>
               </a:rPr>
-              <a:t>Wird der Spieler besiegt, verliert er den aktuellen Charakter und muss von Vorne beginnen, behält</a:t>
-            </a:r>
-            <a:r>
-              <a:rPr lang="DE-AT" dirty="0">
-                <a:latin typeface="Gill Sans MT (Textkörper)"/>
-              </a:rPr>
-              <a:t> </a:t>
-            </a:r>
-            <a:r>
-              <a:rPr lang="de-AT" dirty="0">
-                <a:latin typeface="Gill Sans MT (Textkörper)"/>
-              </a:rPr>
-              <a:t>allerdings seine Punkte um im späteren Verlauf weitere Gegenstände freizuschalten.</a:t>
+              <a:t>Wird der Spieler besiegt, verliert er den aktuellen Charakter und muss von Vorne beginnen, erhält aber Punkte um im späteren Verlauf weitere Gegenstände freizuschalten.</a:t>
             </a:r>
             <a:endParaRPr lang="DE-AT" dirty="0">
               <a:latin typeface="Gill Sans MT (Textkörper)"/>
@@ -4654,7 +4734,7 @@
           <a:p>
             <a:r>
               <a:rPr lang="de-AT" dirty="0"/>
-              <a:t>Gewinn</a:t>
+              <a:t>Gewinn					=&gt; Umsatz in €</a:t>
             </a:r>
             <a:endParaRPr lang="DE-AT" dirty="0"/>
           </a:p>
@@ -4670,7 +4750,7 @@
             </a:r>
             <a:r>
               <a:rPr lang="DE-AT" dirty="0"/>
-              <a:t>	=&gt; ~ 1.360.000€</a:t>
+              <a:t>	=&gt; ~ 1.360.000</a:t>
             </a:r>
             <a:endParaRPr lang="de-AT" dirty="0"/>
           </a:p>
@@ -4692,21 +4772,21 @@
             <a:pPr lvl="1"/>
             <a:r>
               <a:rPr lang="DE-AT" dirty="0"/>
-              <a:t>Titan Souls 170.000 Spieler (14.99€)		=&gt; ~ 1.650.000€</a:t>
+              <a:t>Titan Souls 170.000 Spieler (14.99€)		=&gt; ~ 1.650.000</a:t>
             </a:r>
           </a:p>
           <a:p>
             <a:pPr lvl="1"/>
             <a:r>
               <a:rPr lang="DE-AT" dirty="0"/>
-              <a:t>Dungeon Souls 35.000 Spieler (12.99€)		=&gt; ~ 300.000€</a:t>
+              <a:t>Dungeon Souls 35.000 Spieler (12.99€)		=&gt; ~ 300.000</a:t>
             </a:r>
           </a:p>
           <a:p>
             <a:pPr lvl="1"/>
             <a:r>
               <a:rPr lang="DE-AT" dirty="0"/>
-              <a:t>Enter the Gungeon 414.000 Spieler (14.99€)	=&gt; ~ 4.095.000€</a:t>
+              <a:t>Enter the Gungeon 414.000 Spieler (14.99€)	=&gt; ~ 4.095.000</a:t>
             </a:r>
           </a:p>
         </p:txBody>

--- a/docs/project-presentation.pptx
+++ b/docs/project-presentation.pptx
@@ -2,10 +2,10 @@
 <file path=ppt/presentation.xml><?xml version="1.0" encoding="utf-8"?>
 <p:presentation xmlns:a="http://schemas.openxmlformats.org/drawingml/2006/main" xmlns:r="http://schemas.openxmlformats.org/officeDocument/2006/relationships" xmlns:p="http://schemas.openxmlformats.org/presentationml/2006/main" saveSubsetFonts="1">
   <p:sldMasterIdLst>
-    <p:sldMasterId id="2147483708" r:id="rId1"/>
+    <p:sldMasterId id="2147483768" r:id="rId1"/>
   </p:sldMasterIdLst>
   <p:notesMasterIdLst>
-    <p:notesMasterId r:id="rId11"/>
+    <p:notesMasterId r:id="rId12"/>
   </p:notesMasterIdLst>
   <p:sldIdLst>
     <p:sldId id="256" r:id="rId2"/>
@@ -13,10 +13,11 @@
     <p:sldId id="261" r:id="rId4"/>
     <p:sldId id="260" r:id="rId5"/>
     <p:sldId id="265" r:id="rId6"/>
-    <p:sldId id="263" r:id="rId7"/>
-    <p:sldId id="258" r:id="rId8"/>
-    <p:sldId id="266" r:id="rId9"/>
-    <p:sldId id="264" r:id="rId10"/>
+    <p:sldId id="264" r:id="rId7"/>
+    <p:sldId id="263" r:id="rId8"/>
+    <p:sldId id="258" r:id="rId9"/>
+    <p:sldId id="266" r:id="rId10"/>
+    <p:sldId id="267" r:id="rId11"/>
   </p:sldIdLst>
   <p:sldSz cx="12192000" cy="6858000"/>
   <p:notesSz cx="6858000" cy="9144000"/>
@@ -684,15 +685,7 @@
           <a:bodyPr/>
           <a:lstStyle/>
           <a:p>
-            <a:r>
-              <a:rPr lang="de-AT" dirty="0"/>
-              <a:t>~ 40.000€</a:t>
-            </a:r>
-            <a:r>
-              <a:rPr lang="de-AT" baseline="0" dirty="0"/>
-              <a:t> an Gehältern im Falle einer Auszahlung</a:t>
-            </a:r>
-            <a:endParaRPr lang="de-AT" dirty="0"/>
+            <a:endParaRPr lang="de-DE"/>
           </a:p>
         </p:txBody>
       </p:sp>
@@ -712,8 +705,8 @@
           <a:lstStyle/>
           <a:p>
             <a:fld id="{AE9E2D04-15C4-4177-9014-09E8AC06E589}" type="slidenum">
-              <a:rPr lang="de-DE" smtClean="0"/>
-              <a:t>7</a:t>
+              <a:rPr lang="de-DE"/>
+              <a:t>6</a:t>
             </a:fld>
             <a:endParaRPr lang="de-DE"/>
           </a:p>
@@ -722,7 +715,7 @@
     </p:spTree>
     <p:extLst>
       <p:ext uri="{BB962C8B-B14F-4D97-AF65-F5344CB8AC3E}">
-        <p14:creationId xmlns:p14="http://schemas.microsoft.com/office/powerpoint/2010/main" val="1998366173"/>
+        <p14:creationId xmlns:p14="http://schemas.microsoft.com/office/powerpoint/2010/main" val="2221649150"/>
       </p:ext>
     </p:extLst>
   </p:cSld>
@@ -776,7 +769,15 @@
           <a:bodyPr/>
           <a:lstStyle/>
           <a:p>
-            <a:endParaRPr lang="de-DE"/>
+            <a:r>
+              <a:rPr lang="de-AT" dirty="0"/>
+              <a:t>~ 40.000€</a:t>
+            </a:r>
+            <a:r>
+              <a:rPr lang="de-AT" baseline="0" dirty="0"/>
+              <a:t> an Gehältern im Falle einer Auszahlung</a:t>
+            </a:r>
+            <a:endParaRPr lang="de-AT" dirty="0"/>
           </a:p>
         </p:txBody>
       </p:sp>
@@ -796,8 +797,8 @@
           <a:lstStyle/>
           <a:p>
             <a:fld id="{AE9E2D04-15C4-4177-9014-09E8AC06E589}" type="slidenum">
-              <a:rPr lang="de-DE"/>
-              <a:t>9</a:t>
+              <a:rPr lang="de-DE" smtClean="0"/>
+              <a:t>8</a:t>
             </a:fld>
             <a:endParaRPr lang="de-DE"/>
           </a:p>
@@ -806,7 +807,7 @@
     </p:spTree>
     <p:extLst>
       <p:ext uri="{BB962C8B-B14F-4D97-AF65-F5344CB8AC3E}">
-        <p14:creationId xmlns:p14="http://schemas.microsoft.com/office/powerpoint/2010/main" val="2221649150"/>
+        <p14:creationId xmlns:p14="http://schemas.microsoft.com/office/powerpoint/2010/main" val="1998366173"/>
       </p:ext>
     </p:extLst>
   </p:cSld>
@@ -1030,13 +1031,16 @@
     </p:spTree>
     <p:extLst>
       <p:ext uri="{BB962C8B-B14F-4D97-AF65-F5344CB8AC3E}">
-        <p14:creationId xmlns:p14="http://schemas.microsoft.com/office/powerpoint/2010/main" val="1900659798"/>
+        <p14:creationId xmlns:p14="http://schemas.microsoft.com/office/powerpoint/2010/main" val="122592039"/>
       </p:ext>
     </p:extLst>
   </p:cSld>
   <p:clrMapOvr>
     <a:overrideClrMapping bg1="dk1" tx1="lt1" bg2="dk2" tx2="lt2" accent1="accent1" accent2="accent2" accent3="accent3" accent4="accent4" accent5="accent5" accent6="accent6" hlink="hlink" folHlink="folHlink"/>
   </p:clrMapOvr>
+  <p:transition spd="slow">
+    <p:push dir="u"/>
+  </p:transition>
 </p:sldLayout>
 </file>
 
@@ -1200,13 +1204,16 @@
     </p:spTree>
     <p:extLst>
       <p:ext uri="{BB962C8B-B14F-4D97-AF65-F5344CB8AC3E}">
-        <p14:creationId xmlns:p14="http://schemas.microsoft.com/office/powerpoint/2010/main" val="1725440790"/>
+        <p14:creationId xmlns:p14="http://schemas.microsoft.com/office/powerpoint/2010/main" val="285407042"/>
       </p:ext>
     </p:extLst>
   </p:cSld>
   <p:clrMapOvr>
     <a:masterClrMapping/>
   </p:clrMapOvr>
+  <p:transition spd="slow">
+    <p:push dir="u"/>
+  </p:transition>
 </p:sldLayout>
 </file>
 
@@ -1380,13 +1387,16 @@
     </p:spTree>
     <p:extLst>
       <p:ext uri="{BB962C8B-B14F-4D97-AF65-F5344CB8AC3E}">
-        <p14:creationId xmlns:p14="http://schemas.microsoft.com/office/powerpoint/2010/main" val="3740156898"/>
+        <p14:creationId xmlns:p14="http://schemas.microsoft.com/office/powerpoint/2010/main" val="1611629558"/>
       </p:ext>
     </p:extLst>
   </p:cSld>
   <p:clrMapOvr>
     <a:masterClrMapping/>
   </p:clrMapOvr>
+  <p:transition spd="slow">
+    <p:push dir="u"/>
+  </p:transition>
 </p:sldLayout>
 </file>
 
@@ -1550,13 +1560,16 @@
     </p:spTree>
     <p:extLst>
       <p:ext uri="{BB962C8B-B14F-4D97-AF65-F5344CB8AC3E}">
-        <p14:creationId xmlns:p14="http://schemas.microsoft.com/office/powerpoint/2010/main" val="17292464"/>
+        <p14:creationId xmlns:p14="http://schemas.microsoft.com/office/powerpoint/2010/main" val="2038055591"/>
       </p:ext>
     </p:extLst>
   </p:cSld>
   <p:clrMapOvr>
     <a:masterClrMapping/>
   </p:clrMapOvr>
+  <p:transition spd="slow">
+    <p:push dir="u"/>
+  </p:transition>
 </p:sldLayout>
 </file>
 
@@ -1818,13 +1831,16 @@
     </p:spTree>
     <p:extLst>
       <p:ext uri="{BB962C8B-B14F-4D97-AF65-F5344CB8AC3E}">
-        <p14:creationId xmlns:p14="http://schemas.microsoft.com/office/powerpoint/2010/main" val="3176052223"/>
+        <p14:creationId xmlns:p14="http://schemas.microsoft.com/office/powerpoint/2010/main" val="3310744687"/>
       </p:ext>
     </p:extLst>
   </p:cSld>
   <p:clrMapOvr>
     <a:overrideClrMapping bg1="dk1" tx1="lt1" bg2="dk2" tx2="lt2" accent1="accent1" accent2="accent2" accent3="accent3" accent4="accent4" accent5="accent5" accent6="accent6" hlink="hlink" folHlink="folHlink"/>
   </p:clrMapOvr>
+  <p:transition spd="slow">
+    <p:push dir="u"/>
+  </p:transition>
 </p:sldLayout>
 </file>
 
@@ -2050,13 +2066,16 @@
     </p:spTree>
     <p:extLst>
       <p:ext uri="{BB962C8B-B14F-4D97-AF65-F5344CB8AC3E}">
-        <p14:creationId xmlns:p14="http://schemas.microsoft.com/office/powerpoint/2010/main" val="4070247859"/>
+        <p14:creationId xmlns:p14="http://schemas.microsoft.com/office/powerpoint/2010/main" val="2848881926"/>
       </p:ext>
     </p:extLst>
   </p:cSld>
   <p:clrMapOvr>
     <a:masterClrMapping/>
   </p:clrMapOvr>
+  <p:transition spd="slow">
+    <p:push dir="u"/>
+  </p:transition>
 </p:sldLayout>
 </file>
 
@@ -2432,13 +2451,16 @@
     </p:spTree>
     <p:extLst>
       <p:ext uri="{BB962C8B-B14F-4D97-AF65-F5344CB8AC3E}">
-        <p14:creationId xmlns:p14="http://schemas.microsoft.com/office/powerpoint/2010/main" val="3140085121"/>
+        <p14:creationId xmlns:p14="http://schemas.microsoft.com/office/powerpoint/2010/main" val="528494895"/>
       </p:ext>
     </p:extLst>
   </p:cSld>
   <p:clrMapOvr>
     <a:masterClrMapping/>
   </p:clrMapOvr>
+  <p:transition spd="slow">
+    <p:push dir="u"/>
+  </p:transition>
 </p:sldLayout>
 </file>
 
@@ -2550,13 +2572,16 @@
     </p:spTree>
     <p:extLst>
       <p:ext uri="{BB962C8B-B14F-4D97-AF65-F5344CB8AC3E}">
-        <p14:creationId xmlns:p14="http://schemas.microsoft.com/office/powerpoint/2010/main" val="1089698863"/>
+        <p14:creationId xmlns:p14="http://schemas.microsoft.com/office/powerpoint/2010/main" val="901091875"/>
       </p:ext>
     </p:extLst>
   </p:cSld>
   <p:clrMapOvr>
     <a:masterClrMapping/>
   </p:clrMapOvr>
+  <p:transition spd="slow">
+    <p:push dir="u"/>
+  </p:transition>
 </p:sldLayout>
 </file>
 
@@ -2645,13 +2670,16 @@
     </p:spTree>
     <p:extLst>
       <p:ext uri="{BB962C8B-B14F-4D97-AF65-F5344CB8AC3E}">
-        <p14:creationId xmlns:p14="http://schemas.microsoft.com/office/powerpoint/2010/main" val="964945866"/>
+        <p14:creationId xmlns:p14="http://schemas.microsoft.com/office/powerpoint/2010/main" val="3264428036"/>
       </p:ext>
     </p:extLst>
   </p:cSld>
   <p:clrMapOvr>
     <a:masterClrMapping/>
   </p:clrMapOvr>
+  <p:transition spd="slow">
+    <p:push dir="u"/>
+  </p:transition>
 </p:sldLayout>
 </file>
 
@@ -3017,13 +3045,16 @@
     </p:spTree>
     <p:extLst>
       <p:ext uri="{BB962C8B-B14F-4D97-AF65-F5344CB8AC3E}">
-        <p14:creationId xmlns:p14="http://schemas.microsoft.com/office/powerpoint/2010/main" val="1220873888"/>
+        <p14:creationId xmlns:p14="http://schemas.microsoft.com/office/powerpoint/2010/main" val="1494777002"/>
       </p:ext>
     </p:extLst>
   </p:cSld>
   <p:clrMapOvr>
     <a:masterClrMapping/>
   </p:clrMapOvr>
+  <p:transition spd="slow">
+    <p:push dir="u"/>
+  </p:transition>
 </p:sldLayout>
 </file>
 
@@ -3374,13 +3405,16 @@
     </p:spTree>
     <p:extLst>
       <p:ext uri="{BB962C8B-B14F-4D97-AF65-F5344CB8AC3E}">
-        <p14:creationId xmlns:p14="http://schemas.microsoft.com/office/powerpoint/2010/main" val="2486006650"/>
+        <p14:creationId xmlns:p14="http://schemas.microsoft.com/office/powerpoint/2010/main" val="208001801"/>
       </p:ext>
     </p:extLst>
   </p:cSld>
   <p:clrMapOvr>
     <a:masterClrMapping/>
   </p:clrMapOvr>
+  <p:transition spd="slow">
+    <p:push dir="u"/>
+  </p:transition>
 </p:sldLayout>
 </file>
 
@@ -3641,24 +3675,27 @@
     </p:spTree>
     <p:extLst>
       <p:ext uri="{BB962C8B-B14F-4D97-AF65-F5344CB8AC3E}">
-        <p14:creationId xmlns:p14="http://schemas.microsoft.com/office/powerpoint/2010/main" val="2058114784"/>
+        <p14:creationId xmlns:p14="http://schemas.microsoft.com/office/powerpoint/2010/main" val="843074855"/>
       </p:ext>
     </p:extLst>
   </p:cSld>
   <p:clrMap bg1="lt1" tx1="dk1" bg2="lt2" tx2="dk2" accent1="accent1" accent2="accent2" accent3="accent3" accent4="accent4" accent5="accent5" accent6="accent6" hlink="hlink" folHlink="folHlink"/>
   <p:sldLayoutIdLst>
-    <p:sldLayoutId id="2147483709" r:id="rId1"/>
-    <p:sldLayoutId id="2147483710" r:id="rId2"/>
-    <p:sldLayoutId id="2147483711" r:id="rId3"/>
-    <p:sldLayoutId id="2147483712" r:id="rId4"/>
-    <p:sldLayoutId id="2147483713" r:id="rId5"/>
-    <p:sldLayoutId id="2147483714" r:id="rId6"/>
-    <p:sldLayoutId id="2147483715" r:id="rId7"/>
-    <p:sldLayoutId id="2147483716" r:id="rId8"/>
-    <p:sldLayoutId id="2147483717" r:id="rId9"/>
-    <p:sldLayoutId id="2147483718" r:id="rId10"/>
-    <p:sldLayoutId id="2147483719" r:id="rId11"/>
+    <p:sldLayoutId id="2147483769" r:id="rId1"/>
+    <p:sldLayoutId id="2147483770" r:id="rId2"/>
+    <p:sldLayoutId id="2147483771" r:id="rId3"/>
+    <p:sldLayoutId id="2147483772" r:id="rId4"/>
+    <p:sldLayoutId id="2147483773" r:id="rId5"/>
+    <p:sldLayoutId id="2147483774" r:id="rId6"/>
+    <p:sldLayoutId id="2147483775" r:id="rId7"/>
+    <p:sldLayoutId id="2147483776" r:id="rId8"/>
+    <p:sldLayoutId id="2147483777" r:id="rId9"/>
+    <p:sldLayoutId id="2147483778" r:id="rId10"/>
+    <p:sldLayoutId id="2147483779" r:id="rId11"/>
   </p:sldLayoutIdLst>
+  <p:transition spd="slow">
+    <p:push dir="u"/>
+  </p:transition>
   <p:txStyles>
     <p:titleStyle>
       <a:lvl1pPr algn="ctr" defTabSz="914400" rtl="0" eaLnBrk="1" latinLnBrk="0" hangingPunct="1">
@@ -3987,6 +4024,14 @@
 <file path=ppt/slides/slide1.xml><?xml version="1.0" encoding="utf-8"?>
 <p:sld xmlns:a="http://schemas.openxmlformats.org/drawingml/2006/main" xmlns:r="http://schemas.openxmlformats.org/officeDocument/2006/relationships" xmlns:p="http://schemas.openxmlformats.org/presentationml/2006/main">
   <p:cSld>
+    <p:bg>
+      <p:bgPr>
+        <a:solidFill>
+          <a:schemeClr val="accent2"/>
+        </a:solidFill>
+        <a:effectLst/>
+      </p:bgPr>
+    </p:bg>
     <p:spTree>
       <p:nvGrpSpPr>
         <p:cNvPr id="1" name=""/>
@@ -4065,6 +4110,126 @@
   <p:clrMapOvr>
     <a:masterClrMapping/>
   </p:clrMapOvr>
+  <p:transition spd="slow">
+    <p:push dir="u"/>
+  </p:transition>
+</p:sld>
+</file>
+
+<file path=ppt/slides/slide10.xml><?xml version="1.0" encoding="utf-8"?>
+<p:sld xmlns:a="http://schemas.openxmlformats.org/drawingml/2006/main" xmlns:r="http://schemas.openxmlformats.org/officeDocument/2006/relationships" xmlns:p="http://schemas.openxmlformats.org/presentationml/2006/main">
+  <p:cSld>
+    <p:spTree>
+      <p:nvGrpSpPr>
+        <p:cNvPr id="1" name=""/>
+        <p:cNvGrpSpPr/>
+        <p:nvPr/>
+      </p:nvGrpSpPr>
+      <p:grpSpPr>
+        <a:xfrm>
+          <a:off x="0" y="0"/>
+          <a:ext cx="0" cy="0"/>
+          <a:chOff x="0" y="0"/>
+          <a:chExt cx="0" cy="0"/>
+        </a:xfrm>
+      </p:grpSpPr>
+      <p:sp>
+        <p:nvSpPr>
+          <p:cNvPr id="12" name="Titel 11"/>
+          <p:cNvSpPr>
+            <a:spLocks noGrp="1"/>
+          </p:cNvSpPr>
+          <p:nvPr>
+            <p:ph type="title"/>
+          </p:nvPr>
+        </p:nvSpPr>
+        <p:spPr/>
+        <p:txBody>
+          <a:bodyPr/>
+          <a:lstStyle/>
+          <a:p>
+            <a:r>
+              <a:rPr lang="de-AT" dirty="0"/>
+              <a:t>CODENAME: HERO – DEMO</a:t>
+            </a:r>
+          </a:p>
+        </p:txBody>
+      </p:sp>
+      <p:sp>
+        <p:nvSpPr>
+          <p:cNvPr id="15" name="Inhaltsplatzhalter 14"/>
+          <p:cNvSpPr>
+            <a:spLocks noGrp="1"/>
+          </p:cNvSpPr>
+          <p:nvPr>
+            <p:ph idx="1"/>
+          </p:nvPr>
+        </p:nvSpPr>
+        <p:spPr/>
+        <p:txBody>
+          <a:bodyPr anchor="ctr"/>
+          <a:lstStyle/>
+          <a:p>
+            <a:r>
+              <a:rPr lang="de-AT" dirty="0"/>
+              <a:t>Filip Djordjevic</a:t>
+            </a:r>
+          </a:p>
+          <a:p>
+            <a:r>
+              <a:rPr lang="de-AT" dirty="0"/>
+              <a:t>Markus Reichl</a:t>
+            </a:r>
+          </a:p>
+          <a:p>
+            <a:r>
+              <a:rPr lang="de-AT" dirty="0"/>
+              <a:t>Burak Tekin</a:t>
+            </a:r>
+          </a:p>
+          <a:p>
+            <a:r>
+              <a:rPr lang="de-AT" dirty="0"/>
+              <a:t>Florian Wellner</a:t>
+            </a:r>
+          </a:p>
+        </p:txBody>
+      </p:sp>
+      <p:sp>
+        <p:nvSpPr>
+          <p:cNvPr id="16" name="Textplatzhalter 15"/>
+          <p:cNvSpPr>
+            <a:spLocks noGrp="1"/>
+          </p:cNvSpPr>
+          <p:nvPr>
+            <p:ph type="body" sz="half" idx="2"/>
+          </p:nvPr>
+        </p:nvSpPr>
+        <p:spPr/>
+        <p:txBody>
+          <a:bodyPr/>
+          <a:lstStyle/>
+          <a:p>
+            <a:r>
+              <a:rPr lang="de-AT" dirty="0"/>
+              <a:t>A BULLETHELL ROGUELIKE RPG</a:t>
+            </a:r>
+          </a:p>
+        </p:txBody>
+      </p:sp>
+    </p:spTree>
+    <p:extLst>
+      <p:ext uri="{BB962C8B-B14F-4D97-AF65-F5344CB8AC3E}">
+        <p14:creationId xmlns:p14="http://schemas.microsoft.com/office/powerpoint/2010/main" val="2025211349"/>
+      </p:ext>
+    </p:extLst>
+  </p:cSld>
+  <p:clrMapOvr>
+    <a:masterClrMapping/>
+  </p:clrMapOvr>
+  <p:transition spd="slow">
+    <p:push dir="u"/>
+  </p:transition>
 </p:sld>
 </file>
 
@@ -4106,7 +4271,7 @@
                 <a:ea typeface="DejaVu Serif" panose="02060603050605020204" pitchFamily="18" charset="0"/>
                 <a:cs typeface="DejaVu Serif" panose="02060603050605020204" pitchFamily="18" charset="0"/>
               </a:rPr>
-              <a:t>Index</a:t>
+              <a:t>INHALT</a:t>
             </a:r>
           </a:p>
         </p:txBody>
@@ -4160,6 +4325,21 @@
           </a:p>
           <a:p>
             <a:r>
+              <a:rPr lang="de-AT" dirty="0">
+                <a:latin typeface="Gill Sans MT (Textkörper)"/>
+                <a:ea typeface="Open Sans" panose="020B0606030504020204" pitchFamily="34" charset="0"/>
+                <a:cs typeface="Open Sans" panose="020B0606030504020204" pitchFamily="34" charset="0"/>
+              </a:rPr>
+              <a:t>Team</a:t>
+            </a:r>
+            <a:endParaRPr lang="DE-AT" dirty="0">
+              <a:latin typeface="Gill Sans MT (Textkörper)"/>
+              <a:ea typeface="Open Sans" panose="020B0606030504020204" pitchFamily="34" charset="0"/>
+              <a:cs typeface="Open Sans" panose="020B0606030504020204" pitchFamily="34" charset="0"/>
+            </a:endParaRPr>
+          </a:p>
+          <a:p>
+            <a:r>
               <a:rPr lang="DE-AT" dirty="0">
                 <a:latin typeface="Gill Sans MT (Textkörper)"/>
                 <a:ea typeface="Open Sans" panose="020B0606030504020204" pitchFamily="34" charset="0"/>
@@ -4187,16 +4367,6 @@
                 <a:cs typeface="Open Sans" panose="020B0606030504020204" pitchFamily="34" charset="0"/>
               </a:rPr>
               <a:t>Marketing</a:t>
-            </a:r>
-          </a:p>
-          <a:p>
-            <a:r>
-              <a:rPr lang="DE-AT" dirty="0">
-                <a:latin typeface="Gill Sans MT (Textkörper)"/>
-                <a:ea typeface="Open Sans" panose="020B0606030504020204" pitchFamily="34" charset="0"/>
-                <a:cs typeface="Open Sans" panose="020B0606030504020204" pitchFamily="34" charset="0"/>
-              </a:rPr>
-              <a:t>Team</a:t>
             </a:r>
           </a:p>
         </p:txBody>
@@ -4211,6 +4381,9 @@
   <p:clrMapOvr>
     <a:masterClrMapping/>
   </p:clrMapOvr>
+  <p:transition spd="slow">
+    <p:push dir="u"/>
+  </p:transition>
 </p:sld>
 </file>
 
@@ -4280,7 +4453,7 @@
               <a:rPr lang="de-AT" dirty="0">
                 <a:latin typeface="Gill Sans MT (Textkörper)"/>
               </a:rPr>
-              <a:t>Der Spieler bewegt sich durch eine offene Spielwelt und kämpft gegen die dort angesiedelten Gegner. </a:t>
+              <a:t>Der Spieler bewegt sich durch ein Level und kämpft gegen die dort angesiedelten Gegner.</a:t>
             </a:r>
           </a:p>
           <a:p>
@@ -4288,15 +4461,7 @@
               <a:rPr lang="de-AT" dirty="0">
                 <a:latin typeface="Gill Sans MT (Textkörper)"/>
               </a:rPr>
-              <a:t>Während des Spiels wird der Charakter laufend stärker, man erhält bessere Ausrüstung und schaltet weitere Inhalte frei. </a:t>
-            </a:r>
-          </a:p>
-          <a:p>
-            <a:r>
-              <a:rPr lang="de-AT" dirty="0">
-                <a:latin typeface="Gill Sans MT (Textkörper)"/>
-              </a:rPr>
-              <a:t>Wird der Spieler besiegt, verliert er den aktuellen Charakter und muss von Vorne beginnen, erhält aber Punkte um im späteren Verlauf weitere Gegenstände freizuschalten.</a:t>
+              <a:t>Wird der Spieler besiegt, verliert er den aktuellen Charakter und muss von vorne beginnen.</a:t>
             </a:r>
             <a:endParaRPr lang="DE-AT" dirty="0">
               <a:latin typeface="Gill Sans MT (Textkörper)"/>
@@ -4314,6 +4479,9 @@
   <p:clrMapOvr>
     <a:masterClrMapping/>
   </p:clrMapOvr>
+  <p:transition spd="slow">
+    <p:push dir="u"/>
+  </p:transition>
 </p:sld>
 </file>
 
@@ -4385,13 +4553,13 @@
           <a:p>
             <a:r>
               <a:rPr lang="de-AT" dirty="0"/>
+              <a:t>2 Gegner</a:t>
+            </a:r>
+          </a:p>
+          <a:p>
+            <a:r>
+              <a:rPr lang="de-AT" dirty="0"/>
               <a:t>1 Endgegner  </a:t>
-            </a:r>
-          </a:p>
-          <a:p>
-            <a:r>
-              <a:rPr lang="de-AT" dirty="0"/>
-              <a:t>2 Gegner</a:t>
             </a:r>
           </a:p>
           <a:p>
@@ -4418,6 +4586,9 @@
   <p:clrMapOvr>
     <a:masterClrMapping/>
   </p:clrMapOvr>
+  <p:transition spd="slow">
+    <p:push dir="u"/>
+  </p:transition>
 </p:sld>
 </file>
 
@@ -4477,13 +4648,13 @@
           <a:p>
             <a:r>
               <a:rPr lang="de-AT" dirty="0"/>
-              <a:t>Level</a:t>
+              <a:t>Basis</a:t>
             </a:r>
           </a:p>
           <a:p>
             <a:r>
               <a:rPr lang="de-AT" dirty="0"/>
-              <a:t>Bewegung (Kamera) </a:t>
+              <a:t>Bewegung </a:t>
             </a:r>
           </a:p>
           <a:p>
@@ -4514,7 +4685,6 @@
             </a:r>
           </a:p>
           <a:p>
-            <a:pPr lvl="1"/>
             <a:r>
               <a:rPr lang="de-AT" dirty="0"/>
               <a:t>Gegenstände</a:t>
@@ -4539,6 +4709,9 @@
   <p:clrMapOvr>
     <a:masterClrMapping/>
   </p:clrMapOvr>
+  <p:transition spd="slow">
+    <p:push dir="u"/>
+  </p:transition>
 </p:sld>
 </file>
 
@@ -4575,8 +4748,8 @@
           <a:lstStyle/>
           <a:p>
             <a:r>
-              <a:rPr lang="DE-AT" dirty="0"/>
-              <a:t>Deadlines</a:t>
+              <a:rPr lang="DE-DE" dirty="0"/>
+              <a:t>Team</a:t>
             </a:r>
           </a:p>
         </p:txBody>
@@ -4593,66 +4766,81 @@
         </p:nvSpPr>
         <p:spPr/>
         <p:txBody>
-          <a:bodyPr/>
-          <a:lstStyle/>
-          <a:p>
-            <a:r>
-              <a:rPr lang="de-AT" dirty="0"/>
-              <a:t>Demo Version</a:t>
+          <a:bodyPr vert="horz" lIns="91440" tIns="45720" rIns="91440" bIns="45720" rtlCol="0" anchor="t">
+            <a:normAutofit/>
+          </a:bodyPr>
+          <a:lstStyle/>
+          <a:p>
+            <a:r>
+              <a:rPr lang="DE-DE" dirty="0"/>
+              <a:t>Filip Djordjevic</a:t>
             </a:r>
           </a:p>
           <a:p>
             <a:pPr lvl="1"/>
             <a:r>
-              <a:rPr lang="de-AT" dirty="0"/>
-              <a:t>Geplanter Termin: 10.01.2017</a:t>
+              <a:rPr lang="de-DE" dirty="0"/>
+              <a:t>Sounddesign</a:t>
+            </a:r>
+            <a:endParaRPr lang="DE-DE" dirty="0"/>
+          </a:p>
+          <a:p>
+            <a:r>
+              <a:rPr lang="DE-DE" dirty="0"/>
+              <a:t>Markus Reichl</a:t>
             </a:r>
           </a:p>
           <a:p>
             <a:pPr lvl="1"/>
             <a:r>
-              <a:rPr lang="de-AT" dirty="0"/>
-              <a:t>Letztmöglicher Termin: 17.01.2017 </a:t>
-            </a:r>
-          </a:p>
-          <a:p>
-            <a:r>
-              <a:rPr lang="de-AT" dirty="0"/>
-              <a:t>Prototyp</a:t>
+              <a:rPr lang="de-DE" dirty="0"/>
+              <a:t>Grafik / Entwicklung</a:t>
+            </a:r>
+            <a:endParaRPr lang="DE-DE" dirty="0"/>
+          </a:p>
+          <a:p>
+            <a:r>
+              <a:rPr lang="DE-DE" dirty="0"/>
+              <a:t>Burak Tekin</a:t>
             </a:r>
           </a:p>
           <a:p>
             <a:pPr lvl="1"/>
             <a:r>
-              <a:rPr lang="de-AT" dirty="0"/>
-              <a:t>4 - 8 Wochen (Mitte - Ende November)</a:t>
-            </a:r>
-          </a:p>
-          <a:p>
-            <a:r>
-              <a:rPr lang="de-AT" dirty="0"/>
-              <a:t>Demo nach Mindestanforderungen</a:t>
+              <a:rPr lang="de-DE" dirty="0"/>
+              <a:t>Grafik</a:t>
+            </a:r>
+            <a:endParaRPr lang="DE-DE" dirty="0"/>
+          </a:p>
+          <a:p>
+            <a:r>
+              <a:rPr lang="DE-DE" dirty="0"/>
+              <a:t>Florian Wellner</a:t>
             </a:r>
           </a:p>
           <a:p>
             <a:pPr lvl="1"/>
             <a:r>
-              <a:rPr lang="de-AT" dirty="0"/>
-              <a:t>2 – 4 Wochen? (Mitte - Ende Dezember)</a:t>
-            </a:r>
+              <a:rPr lang="de-DE" dirty="0"/>
+              <a:t>Entwicklung</a:t>
+            </a:r>
+            <a:endParaRPr lang="DE-DE" dirty="0"/>
           </a:p>
         </p:txBody>
       </p:sp>
     </p:spTree>
     <p:extLst>
       <p:ext uri="{BB962C8B-B14F-4D97-AF65-F5344CB8AC3E}">
-        <p14:creationId xmlns:p14="http://schemas.microsoft.com/office/powerpoint/2010/main" val="1363686406"/>
+        <p14:creationId xmlns:p14="http://schemas.microsoft.com/office/powerpoint/2010/main" val="3507186418"/>
       </p:ext>
     </p:extLst>
   </p:cSld>
   <p:clrMapOvr>
     <a:masterClrMapping/>
   </p:clrMapOvr>
+  <p:transition spd="slow">
+    <p:push dir="u"/>
+  </p:transition>
 </p:sld>
 </file>
 
@@ -4685,18 +4873,12 @@
         </p:nvSpPr>
         <p:spPr/>
         <p:txBody>
-          <a:bodyPr>
-            <a:normAutofit/>
-          </a:bodyPr>
-          <a:lstStyle/>
-          <a:p>
-            <a:r>
-              <a:rPr lang="DE-AT" dirty="0">
-                <a:latin typeface="Gill Sans MT (Überschriften)"/>
-                <a:ea typeface="DejaVu Serif" panose="02060603050605020204" pitchFamily="18" charset="0"/>
-                <a:cs typeface="DejaVu Serif" panose="02060603050605020204" pitchFamily="18" charset="0"/>
-              </a:rPr>
-              <a:t>Nutzwert</a:t>
+          <a:bodyPr/>
+          <a:lstStyle/>
+          <a:p>
+            <a:r>
+              <a:rPr lang="DE-AT" dirty="0"/>
+              <a:t>Deadlines</a:t>
             </a:r>
           </a:p>
         </p:txBody>
@@ -4713,80 +4895,52 @@
         </p:nvSpPr>
         <p:spPr/>
         <p:txBody>
-          <a:bodyPr vert="horz" lIns="91440" tIns="45720" rIns="91440" bIns="45720" rtlCol="0" anchor="t">
-            <a:normAutofit fontScale="92500" lnSpcReduction="10000"/>
-          </a:bodyPr>
+          <a:bodyPr/>
           <a:lstStyle/>
           <a:p>
             <a:r>
               <a:rPr lang="de-AT" dirty="0"/>
-              <a:t>Kosten</a:t>
-            </a:r>
-            <a:endParaRPr lang="DE-AT" dirty="0"/>
+              <a:t>Demo Version</a:t>
+            </a:r>
           </a:p>
           <a:p>
             <a:pPr lvl="1"/>
             <a:r>
-              <a:rPr lang="DE-AT" dirty="0"/>
-              <a:t>Unity (erst ab Umsatz &gt; 100.000€ / Jahr)</a:t>
-            </a:r>
-          </a:p>
-          <a:p>
-            <a:r>
               <a:rPr lang="de-AT" dirty="0"/>
-              <a:t>Gewinn					=&gt; Umsatz in €</a:t>
-            </a:r>
-            <a:endParaRPr lang="DE-AT" dirty="0"/>
+              <a:t>Geplanter Termin: 10.01.2017</a:t>
+            </a:r>
           </a:p>
           <a:p>
             <a:pPr lvl="1"/>
             <a:r>
-              <a:rPr lang="DE-AT" dirty="0"/>
-              <a:t>Realm of the Mad God 1.700.000 Spieler 	</a:t>
-            </a:r>
-            <a:r>
               <a:rPr lang="de-AT" dirty="0"/>
-              <a:t>(Gratis)</a:t>
-            </a:r>
-            <a:r>
-              <a:rPr lang="DE-AT" dirty="0"/>
-              <a:t>	=&gt; ~ 1.360.000</a:t>
-            </a:r>
-            <a:endParaRPr lang="de-AT" dirty="0"/>
-          </a:p>
-          <a:p>
-            <a:pPr lvl="2"/>
-            <a:r>
-              <a:rPr lang="DE-AT" dirty="0"/>
-              <a:t>Kostenpflichtiger Inhalt</a:t>
-            </a:r>
-          </a:p>
-          <a:p>
-            <a:pPr lvl="2"/>
-            <a:r>
-              <a:rPr lang="DE-AT" dirty="0"/>
-              <a:t>Viele Spieler wünschen sich ein besseres Spiel</a:t>
+              <a:t>Letztmöglicher Termin: 17.01.2017 </a:t>
+            </a:r>
+          </a:p>
+          <a:p>
+            <a:r>
+              <a:rPr lang="de-AT" dirty="0"/>
+              <a:t>Prototyp</a:t>
             </a:r>
           </a:p>
           <a:p>
             <a:pPr lvl="1"/>
             <a:r>
-              <a:rPr lang="DE-AT" dirty="0"/>
-              <a:t>Titan Souls 170.000 Spieler (14.99€)		=&gt; ~ 1.650.000</a:t>
+              <a:rPr lang="de-AT" dirty="0"/>
+              <a:t>4 - 8 Wochen (Mitte - Ende November)</a:t>
+            </a:r>
+          </a:p>
+          <a:p>
+            <a:r>
+              <a:rPr lang="de-AT" dirty="0"/>
+              <a:t>Demo nach Mindestanforderungen</a:t>
             </a:r>
           </a:p>
           <a:p>
             <a:pPr lvl="1"/>
             <a:r>
-              <a:rPr lang="DE-AT" dirty="0"/>
-              <a:t>Dungeon Souls 35.000 Spieler (12.99€)		=&gt; ~ 300.000</a:t>
-            </a:r>
-          </a:p>
-          <a:p>
-            <a:pPr lvl="1"/>
-            <a:r>
-              <a:rPr lang="DE-AT" dirty="0"/>
-              <a:t>Enter the Gungeon 414.000 Spieler (14.99€)	=&gt; ~ 4.095.000</a:t>
+              <a:rPr lang="de-AT" dirty="0"/>
+              <a:t>2 – 4 Wochen (Mitte - Ende Dezember)</a:t>
             </a:r>
           </a:p>
         </p:txBody>
@@ -4794,13 +4948,16 @@
     </p:spTree>
     <p:extLst>
       <p:ext uri="{BB962C8B-B14F-4D97-AF65-F5344CB8AC3E}">
-        <p14:creationId xmlns:p14="http://schemas.microsoft.com/office/powerpoint/2010/main" val="1050757460"/>
+        <p14:creationId xmlns:p14="http://schemas.microsoft.com/office/powerpoint/2010/main" val="1363686406"/>
       </p:ext>
     </p:extLst>
   </p:cSld>
   <p:clrMapOvr>
     <a:masterClrMapping/>
   </p:clrMapOvr>
+  <p:transition spd="slow">
+    <p:push dir="u"/>
+  </p:transition>
 </p:sld>
 </file>
 
@@ -4833,67 +4990,108 @@
         </p:nvSpPr>
         <p:spPr/>
         <p:txBody>
-          <a:bodyPr/>
+          <a:bodyPr>
+            <a:normAutofit/>
+          </a:bodyPr>
+          <a:lstStyle/>
+          <a:p>
+            <a:r>
+              <a:rPr lang="DE-AT" dirty="0">
+                <a:latin typeface="Gill Sans MT (Überschriften)"/>
+                <a:ea typeface="DejaVu Serif" panose="02060603050605020204" pitchFamily="18" charset="0"/>
+                <a:cs typeface="DejaVu Serif" panose="02060603050605020204" pitchFamily="18" charset="0"/>
+              </a:rPr>
+              <a:t>Nutzwert</a:t>
+            </a:r>
+          </a:p>
+        </p:txBody>
+      </p:sp>
+      <p:sp>
+        <p:nvSpPr>
+          <p:cNvPr id="3" name="Inhaltsplatzhalter 2"/>
+          <p:cNvSpPr>
+            <a:spLocks noGrp="1"/>
+          </p:cNvSpPr>
+          <p:nvPr>
+            <p:ph idx="1"/>
+          </p:nvPr>
+        </p:nvSpPr>
+        <p:spPr/>
+        <p:txBody>
+          <a:bodyPr vert="horz" lIns="91440" tIns="45720" rIns="91440" bIns="45720" rtlCol="0" anchor="t">
+            <a:normAutofit fontScale="92500" lnSpcReduction="10000"/>
+          </a:bodyPr>
           <a:lstStyle/>
           <a:p>
             <a:r>
               <a:rPr lang="de-AT" dirty="0"/>
-              <a:t>Marketing</a:t>
-            </a:r>
-          </a:p>
-        </p:txBody>
-      </p:sp>
-      <p:sp>
-        <p:nvSpPr>
-          <p:cNvPr id="3" name="Inhaltsplatzhalter 2"/>
-          <p:cNvSpPr>
-            <a:spLocks noGrp="1"/>
-          </p:cNvSpPr>
-          <p:nvPr>
-            <p:ph idx="1"/>
-          </p:nvPr>
-        </p:nvSpPr>
-        <p:spPr/>
-        <p:txBody>
-          <a:bodyPr/>
-          <a:lstStyle/>
+              <a:t>Kosten</a:t>
+            </a:r>
+            <a:endParaRPr lang="DE-AT" dirty="0"/>
+          </a:p>
+          <a:p>
+            <a:pPr lvl="1"/>
+            <a:r>
+              <a:rPr lang="DE-AT" dirty="0"/>
+              <a:t>Unity (erst ab Umsatz &gt; 100.000€ / Jahr)</a:t>
+            </a:r>
+          </a:p>
           <a:p>
             <a:r>
               <a:rPr lang="de-AT" dirty="0"/>
-              <a:t>Einmalkauf</a:t>
-            </a:r>
-          </a:p>
-          <a:p>
+              <a:t>Gewinn					=&gt; Umsatz in €</a:t>
+            </a:r>
+            <a:endParaRPr lang="DE-AT" dirty="0"/>
+          </a:p>
+          <a:p>
+            <a:pPr lvl="1"/>
+            <a:r>
+              <a:rPr lang="DE-AT" dirty="0"/>
+              <a:t>Realm of the Mad God 1.700.000 Spieler 	</a:t>
+            </a:r>
             <a:r>
               <a:rPr lang="de-AT" dirty="0"/>
-              <a:t>Micro Transaktionen</a:t>
-            </a:r>
-          </a:p>
-          <a:p>
+              <a:t>(Gratis)</a:t>
+            </a:r>
             <a:r>
               <a:rPr lang="DE-AT" dirty="0"/>
-              <a:t>Kostenpflichtige Inhalte</a:t>
+              <a:t>	=&gt; ~ 1.360.000</a:t>
+            </a:r>
+            <a:endParaRPr lang="de-AT" dirty="0"/>
+          </a:p>
+          <a:p>
+            <a:pPr lvl="2"/>
+            <a:r>
+              <a:rPr lang="DE-AT" dirty="0"/>
+              <a:t>Kostenpflichtiger Inhalt</a:t>
+            </a:r>
+          </a:p>
+          <a:p>
+            <a:pPr lvl="2"/>
+            <a:r>
+              <a:rPr lang="DE-AT" dirty="0"/>
+              <a:t>Viele Spieler wünschen sich ein besseres Spiel</a:t>
             </a:r>
           </a:p>
           <a:p>
             <a:pPr lvl="1"/>
             <a:r>
               <a:rPr lang="DE-AT" dirty="0"/>
-              <a:t>Charaktere</a:t>
+              <a:t>Titan Souls 170.000 Spieler (14.99€)		=&gt; ~ 1.650.000</a:t>
             </a:r>
           </a:p>
           <a:p>
             <a:pPr lvl="1"/>
             <a:r>
-              <a:rPr lang="de-AT" dirty="0"/>
-              <a:t>Gegenstände</a:t>
+              <a:rPr lang="DE-AT" dirty="0"/>
+              <a:t>Dungeon Souls 35.000 Spieler (12.99€)		=&gt; ~ 300.000</a:t>
             </a:r>
           </a:p>
           <a:p>
             <a:pPr lvl="1"/>
             <a:r>
-              <a:rPr lang="de-AT" dirty="0"/>
-              <a:t>Alternative Erscheinungsbilder</a:t>
+              <a:rPr lang="DE-AT" dirty="0"/>
+              <a:t>Enter the Gungeon 414.000 Spieler (14.99€)	=&gt; ~ 4.095.000</a:t>
             </a:r>
           </a:p>
         </p:txBody>
@@ -4901,13 +5099,16 @@
     </p:spTree>
     <p:extLst>
       <p:ext uri="{BB962C8B-B14F-4D97-AF65-F5344CB8AC3E}">
-        <p14:creationId xmlns:p14="http://schemas.microsoft.com/office/powerpoint/2010/main" val="3478826561"/>
+        <p14:creationId xmlns:p14="http://schemas.microsoft.com/office/powerpoint/2010/main" val="1050757460"/>
       </p:ext>
     </p:extLst>
   </p:cSld>
   <p:clrMapOvr>
     <a:masterClrMapping/>
   </p:clrMapOvr>
+  <p:transition spd="slow">
+    <p:push dir="u"/>
+  </p:transition>
 </p:sld>
 </file>
 
@@ -4944,8 +5145,8 @@
           <a:lstStyle/>
           <a:p>
             <a:r>
-              <a:rPr lang="DE-DE" dirty="0"/>
-              <a:t>Team</a:t>
+              <a:rPr lang="de-AT" dirty="0"/>
+              <a:t>Marketing</a:t>
             </a:r>
           </a:p>
         </p:txBody>
@@ -4962,78 +5163,62 @@
         </p:nvSpPr>
         <p:spPr/>
         <p:txBody>
-          <a:bodyPr vert="horz" lIns="91440" tIns="45720" rIns="91440" bIns="45720" rtlCol="0" anchor="t">
-            <a:normAutofit/>
-          </a:bodyPr>
-          <a:lstStyle/>
-          <a:p>
-            <a:r>
-              <a:rPr lang="DE-DE" dirty="0"/>
-              <a:t>Filip Djordjevic</a:t>
+          <a:bodyPr/>
+          <a:lstStyle/>
+          <a:p>
+            <a:r>
+              <a:rPr lang="de-AT" dirty="0"/>
+              <a:t>Einmalkauf</a:t>
+            </a:r>
+          </a:p>
+          <a:p>
+            <a:r>
+              <a:rPr lang="de-AT" dirty="0"/>
+              <a:t>Mikro Transaktionen</a:t>
+            </a:r>
+          </a:p>
+          <a:p>
+            <a:r>
+              <a:rPr lang="DE-AT" dirty="0"/>
+              <a:t>Kostenpflichtige Inhalte</a:t>
             </a:r>
           </a:p>
           <a:p>
             <a:pPr lvl="1"/>
             <a:r>
-              <a:rPr lang="de-DE" dirty="0"/>
-              <a:t>Sounddesign</a:t>
-            </a:r>
-            <a:endParaRPr lang="DE-DE" dirty="0"/>
-          </a:p>
-          <a:p>
-            <a:r>
-              <a:rPr lang="DE-DE" dirty="0"/>
-              <a:t>Markus Reichl</a:t>
+              <a:rPr lang="DE-AT" dirty="0"/>
+              <a:t>Charaktere</a:t>
             </a:r>
           </a:p>
           <a:p>
             <a:pPr lvl="1"/>
             <a:r>
-              <a:rPr lang="de-DE" dirty="0"/>
-              <a:t>Grafik / Entwicklung</a:t>
-            </a:r>
-            <a:endParaRPr lang="DE-DE" dirty="0"/>
-          </a:p>
-          <a:p>
-            <a:r>
-              <a:rPr lang="DE-DE" dirty="0"/>
-              <a:t>Burak Tekin</a:t>
+              <a:rPr lang="de-AT" dirty="0"/>
+              <a:t>Gegenstände</a:t>
             </a:r>
           </a:p>
           <a:p>
             <a:pPr lvl="1"/>
             <a:r>
-              <a:rPr lang="de-DE" dirty="0"/>
-              <a:t>Grafik</a:t>
-            </a:r>
-            <a:endParaRPr lang="DE-DE" dirty="0"/>
-          </a:p>
-          <a:p>
-            <a:r>
-              <a:rPr lang="DE-DE" dirty="0"/>
-              <a:t>Florian Wellner</a:t>
-            </a:r>
-          </a:p>
-          <a:p>
-            <a:pPr lvl="1"/>
-            <a:r>
-              <a:rPr lang="de-DE" dirty="0"/>
-              <a:t>Entwicklung</a:t>
-            </a:r>
-            <a:endParaRPr lang="DE-DE" dirty="0"/>
+              <a:rPr lang="de-AT" dirty="0"/>
+              <a:t>Alternative Erscheinungsbilder</a:t>
+            </a:r>
           </a:p>
         </p:txBody>
       </p:sp>
     </p:spTree>
     <p:extLst>
       <p:ext uri="{BB962C8B-B14F-4D97-AF65-F5344CB8AC3E}">
-        <p14:creationId xmlns:p14="http://schemas.microsoft.com/office/powerpoint/2010/main" val="3507186418"/>
+        <p14:creationId xmlns:p14="http://schemas.microsoft.com/office/powerpoint/2010/main" val="3478826561"/>
       </p:ext>
     </p:extLst>
   </p:cSld>
   <p:clrMapOvr>
     <a:masterClrMapping/>
   </p:clrMapOvr>
+  <p:transition spd="slow">
+    <p:push dir="u"/>
+  </p:transition>
 </p:sld>
 </file>
 

--- a/docs/project-presentation.pptx
+++ b/docs/project-presentation.pptx
@@ -206,7 +206,7 @@
           <a:p>
             <a:fld id="{ABC5BD08-9176-454C-BA7E-F69ACBDCE918}" type="datetimeFigureOut">
               <a:rPr lang="de-DE"/>
-              <a:t>26.09.2016</a:t>
+              <a:t>27.09.2016</a:t>
             </a:fld>
             <a:endParaRPr lang="de-DE"/>
           </a:p>
@@ -980,7 +980,7 @@
           <a:p>
             <a:fld id="{F2DD08D9-7444-4DFB-8F1F-9B0CBC03251A}" type="datetimeFigureOut">
               <a:rPr lang="de-AT" smtClean="0"/>
-              <a:t>26.09.2016</a:t>
+              <a:t>27.09.2016</a:t>
             </a:fld>
             <a:endParaRPr lang="de-AT"/>
           </a:p>
@@ -1153,7 +1153,7 @@
           <a:p>
             <a:fld id="{F2DD08D9-7444-4DFB-8F1F-9B0CBC03251A}" type="datetimeFigureOut">
               <a:rPr lang="de-AT" smtClean="0"/>
-              <a:t>26.09.2016</a:t>
+              <a:t>27.09.2016</a:t>
             </a:fld>
             <a:endParaRPr lang="de-AT"/>
           </a:p>
@@ -1336,7 +1336,7 @@
           <a:p>
             <a:fld id="{F2DD08D9-7444-4DFB-8F1F-9B0CBC03251A}" type="datetimeFigureOut">
               <a:rPr lang="de-AT" smtClean="0"/>
-              <a:t>26.09.2016</a:t>
+              <a:t>27.09.2016</a:t>
             </a:fld>
             <a:endParaRPr lang="de-AT"/>
           </a:p>
@@ -1509,7 +1509,7 @@
           <a:p>
             <a:fld id="{F2DD08D9-7444-4DFB-8F1F-9B0CBC03251A}" type="datetimeFigureOut">
               <a:rPr lang="de-AT" smtClean="0"/>
-              <a:t>26.09.2016</a:t>
+              <a:t>27.09.2016</a:t>
             </a:fld>
             <a:endParaRPr lang="de-AT"/>
           </a:p>
@@ -1780,7 +1780,7 @@
           <a:p>
             <a:fld id="{F2DD08D9-7444-4DFB-8F1F-9B0CBC03251A}" type="datetimeFigureOut">
               <a:rPr lang="de-AT" smtClean="0"/>
-              <a:t>26.09.2016</a:t>
+              <a:t>27.09.2016</a:t>
             </a:fld>
             <a:endParaRPr lang="de-AT"/>
           </a:p>
@@ -2015,7 +2015,7 @@
           <a:p>
             <a:fld id="{F2DD08D9-7444-4DFB-8F1F-9B0CBC03251A}" type="datetimeFigureOut">
               <a:rPr lang="de-AT" smtClean="0"/>
-              <a:t>26.09.2016</a:t>
+              <a:t>27.09.2016</a:t>
             </a:fld>
             <a:endParaRPr lang="de-AT"/>
           </a:p>
@@ -2377,7 +2377,7 @@
           <a:p>
             <a:fld id="{F2DD08D9-7444-4DFB-8F1F-9B0CBC03251A}" type="datetimeFigureOut">
               <a:rPr lang="de-AT" smtClean="0"/>
-              <a:t>26.09.2016</a:t>
+              <a:t>27.09.2016</a:t>
             </a:fld>
             <a:endParaRPr lang="de-AT"/>
           </a:p>
@@ -2521,7 +2521,7 @@
           <a:p>
             <a:fld id="{F2DD08D9-7444-4DFB-8F1F-9B0CBC03251A}" type="datetimeFigureOut">
               <a:rPr lang="de-AT" smtClean="0"/>
-              <a:t>26.09.2016</a:t>
+              <a:t>27.09.2016</a:t>
             </a:fld>
             <a:endParaRPr lang="de-AT"/>
           </a:p>
@@ -2619,7 +2619,7 @@
           <a:p>
             <a:fld id="{F2DD08D9-7444-4DFB-8F1F-9B0CBC03251A}" type="datetimeFigureOut">
               <a:rPr lang="de-AT" smtClean="0"/>
-              <a:t>26.09.2016</a:t>
+              <a:t>27.09.2016</a:t>
             </a:fld>
             <a:endParaRPr lang="de-AT"/>
           </a:p>
@@ -2979,7 +2979,7 @@
           <a:p>
             <a:fld id="{F2DD08D9-7444-4DFB-8F1F-9B0CBC03251A}" type="datetimeFigureOut">
               <a:rPr lang="de-AT" smtClean="0"/>
-              <a:t>26.09.2016</a:t>
+              <a:t>27.09.2016</a:t>
             </a:fld>
             <a:endParaRPr lang="de-AT"/>
           </a:p>
@@ -3339,7 +3339,7 @@
           <a:p>
             <a:fld id="{F2DD08D9-7444-4DFB-8F1F-9B0CBC03251A}" type="datetimeFigureOut">
               <a:rPr lang="de-AT" smtClean="0"/>
-              <a:t>26.09.2016</a:t>
+              <a:t>27.09.2016</a:t>
             </a:fld>
             <a:endParaRPr lang="de-AT"/>
           </a:p>
@@ -3583,7 +3583,7 @@
           <a:p>
             <a:fld id="{F2DD08D9-7444-4DFB-8F1F-9B0CBC03251A}" type="datetimeFigureOut">
               <a:rPr lang="de-AT" smtClean="0"/>
-              <a:t>26.09.2016</a:t>
+              <a:t>27.09.2016</a:t>
             </a:fld>
             <a:endParaRPr lang="de-AT"/>
           </a:p>
@@ -4294,13 +4294,18 @@
           <a:lstStyle/>
           <a:p>
             <a:r>
-              <a:rPr lang="DE-AT" dirty="0">
+              <a:rPr lang="de-AT" dirty="0">
                 <a:latin typeface="Gill Sans MT (Textkörper)"/>
                 <a:ea typeface="Open Sans" panose="020B0606030504020204" pitchFamily="34" charset="0"/>
                 <a:cs typeface="Open Sans" panose="020B0606030504020204" pitchFamily="34" charset="0"/>
               </a:rPr>
-              <a:t>Kurzbeschreibung</a:t>
-            </a:r>
+              <a:t>Beschreibung</a:t>
+            </a:r>
+            <a:endParaRPr lang="DE-AT" dirty="0">
+              <a:latin typeface="Gill Sans MT (Textkörper)"/>
+              <a:ea typeface="Open Sans" panose="020B0606030504020204" pitchFamily="34" charset="0"/>
+              <a:cs typeface="Open Sans" panose="020B0606030504020204" pitchFamily="34" charset="0"/>
+            </a:endParaRPr>
           </a:p>
           <a:p>
             <a:r>
@@ -4427,7 +4432,7 @@
                 <a:ea typeface="DejaVu Serif" panose="02060603050605020204" pitchFamily="18" charset="0"/>
                 <a:cs typeface="DejaVu Serif" panose="02060603050605020204" pitchFamily="18" charset="0"/>
               </a:rPr>
-              <a:t>Kurzbeschreibung</a:t>
+              <a:t>Beschreibung</a:t>
             </a:r>
           </a:p>
         </p:txBody>
@@ -4453,19 +4458,61 @@
               <a:rPr lang="de-AT" dirty="0">
                 <a:latin typeface="Gill Sans MT (Textkörper)"/>
               </a:rPr>
-              <a:t>Der Spieler bewegt sich durch ein Level und kämpft gegen die dort angesiedelten Gegner.</a:t>
-            </a:r>
-          </a:p>
-          <a:p>
+              <a:t>Gameplay</a:t>
+            </a:r>
+          </a:p>
+          <a:p>
+            <a:pPr lvl="1"/>
             <a:r>
               <a:rPr lang="de-AT" dirty="0">
                 <a:latin typeface="Gill Sans MT (Textkörper)"/>
               </a:rPr>
-              <a:t>Wird der Spieler besiegt, verliert er den aktuellen Charakter und muss von vorne beginnen.</a:t>
-            </a:r>
-            <a:endParaRPr lang="DE-AT" dirty="0">
-              <a:latin typeface="Gill Sans MT (Textkörper)"/>
-            </a:endParaRPr>
+              <a:t>Top-Down</a:t>
+            </a:r>
+          </a:p>
+          <a:p>
+            <a:pPr lvl="1"/>
+            <a:r>
+              <a:rPr lang="de-AT" dirty="0">
+                <a:latin typeface="Gill Sans MT (Textkörper)"/>
+              </a:rPr>
+              <a:t>Roguelike</a:t>
+            </a:r>
+          </a:p>
+          <a:p>
+            <a:pPr lvl="1"/>
+            <a:r>
+              <a:rPr lang="de-AT" dirty="0">
+                <a:latin typeface="Gill Sans MT (Textkörper)"/>
+              </a:rPr>
+              <a:t>Bullethell</a:t>
+            </a:r>
+          </a:p>
+          <a:p>
+            <a:r>
+              <a:rPr lang="de-AT" dirty="0">
+                <a:latin typeface="Gill Sans MT (Textkörper)"/>
+              </a:rPr>
+              <a:t>Grafik</a:t>
+            </a:r>
+          </a:p>
+          <a:p>
+            <a:pPr lvl="1"/>
+            <a:r>
+              <a:rPr lang="de-AT" dirty="0">
+                <a:latin typeface="Gill Sans MT (Textkörper)"/>
+              </a:rPr>
+              <a:t>Pixel Elemente		(64/128)</a:t>
+            </a:r>
+          </a:p>
+          <a:p>
+            <a:pPr lvl="1"/>
+            <a:r>
+              <a:rPr lang="de-AT" dirty="0">
+                <a:latin typeface="Gill Sans MT (Textkörper)"/>
+              </a:rPr>
+              <a:t>Hochauflösende Umgebung</a:t>
+            </a:r>
           </a:p>
         </p:txBody>
       </p:sp>

--- a/docs/project-presentation.pptx
+++ b/docs/project-presentation.pptx
@@ -4295,14 +4295,12 @@
           <a:p>
             <a:r>
               <a:rPr lang="de-AT" dirty="0">
-                <a:latin typeface="Gill Sans MT (Textkörper)"/>
                 <a:ea typeface="Open Sans" panose="020B0606030504020204" pitchFamily="34" charset="0"/>
                 <a:cs typeface="Open Sans" panose="020B0606030504020204" pitchFamily="34" charset="0"/>
               </a:rPr>
               <a:t>Beschreibung</a:t>
             </a:r>
             <a:endParaRPr lang="DE-AT" dirty="0">
-              <a:latin typeface="Gill Sans MT (Textkörper)"/>
               <a:ea typeface="Open Sans" panose="020B0606030504020204" pitchFamily="34" charset="0"/>
               <a:cs typeface="Open Sans" panose="020B0606030504020204" pitchFamily="34" charset="0"/>
             </a:endParaRPr>
@@ -4310,7 +4308,6 @@
           <a:p>
             <a:r>
               <a:rPr lang="DE-AT" dirty="0">
-                <a:latin typeface="Gill Sans MT (Textkörper)"/>
                 <a:ea typeface="Open Sans" panose="020B0606030504020204" pitchFamily="34" charset="0"/>
                 <a:cs typeface="Open Sans" panose="020B0606030504020204" pitchFamily="34" charset="0"/>
               </a:rPr>
@@ -4321,7 +4318,6 @@
             <a:pPr lvl="1"/>
             <a:r>
               <a:rPr lang="DE-AT" dirty="0">
-                <a:latin typeface="Gill Sans MT (Textkörper)"/>
                 <a:ea typeface="Open Sans" panose="020B0606030504020204" pitchFamily="34" charset="0"/>
                 <a:cs typeface="Open Sans" panose="020B0606030504020204" pitchFamily="34" charset="0"/>
               </a:rPr>
@@ -4331,14 +4327,12 @@
           <a:p>
             <a:r>
               <a:rPr lang="de-AT" dirty="0">
-                <a:latin typeface="Gill Sans MT (Textkörper)"/>
                 <a:ea typeface="Open Sans" panose="020B0606030504020204" pitchFamily="34" charset="0"/>
                 <a:cs typeface="Open Sans" panose="020B0606030504020204" pitchFamily="34" charset="0"/>
               </a:rPr>
               <a:t>Team</a:t>
             </a:r>
             <a:endParaRPr lang="DE-AT" dirty="0">
-              <a:latin typeface="Gill Sans MT (Textkörper)"/>
               <a:ea typeface="Open Sans" panose="020B0606030504020204" pitchFamily="34" charset="0"/>
               <a:cs typeface="Open Sans" panose="020B0606030504020204" pitchFamily="34" charset="0"/>
             </a:endParaRPr>
@@ -4346,7 +4340,6 @@
           <a:p>
             <a:r>
               <a:rPr lang="DE-AT" dirty="0">
-                <a:latin typeface="Gill Sans MT (Textkörper)"/>
                 <a:ea typeface="Open Sans" panose="020B0606030504020204" pitchFamily="34" charset="0"/>
                 <a:cs typeface="Open Sans" panose="020B0606030504020204" pitchFamily="34" charset="0"/>
               </a:rPr>
@@ -4356,7 +4349,6 @@
           <a:p>
             <a:r>
               <a:rPr lang="DE-AT" dirty="0">
-                <a:latin typeface="Gill Sans MT (Textkörper)"/>
                 <a:ea typeface="Open Sans" panose="020B0606030504020204" pitchFamily="34" charset="0"/>
                 <a:cs typeface="Open Sans" panose="020B0606030504020204" pitchFamily="34" charset="0"/>
               </a:rPr>
@@ -4367,7 +4359,6 @@
             <a:pPr lvl="1"/>
             <a:r>
               <a:rPr lang="DE-AT" dirty="0">
-                <a:latin typeface="Gill Sans MT (Textkörper)"/>
                 <a:ea typeface="Open Sans" panose="020B0606030504020204" pitchFamily="34" charset="0"/>
                 <a:cs typeface="Open Sans" panose="020B0606030504020204" pitchFamily="34" charset="0"/>
               </a:rPr>
@@ -4455,62 +4446,48 @@
           <a:lstStyle/>
           <a:p>
             <a:r>
-              <a:rPr lang="de-AT" dirty="0">
-                <a:latin typeface="Gill Sans MT (Textkörper)"/>
-              </a:rPr>
-              <a:t>Gameplay</a:t>
+              <a:rPr lang="de-AT" dirty="0"/>
+              <a:t>Spielweise</a:t>
             </a:r>
           </a:p>
           <a:p>
             <a:pPr lvl="1"/>
             <a:r>
-              <a:rPr lang="de-AT" dirty="0">
-                <a:latin typeface="Gill Sans MT (Textkörper)"/>
-              </a:rPr>
+              <a:rPr lang="de-AT" dirty="0"/>
               <a:t>Top-Down</a:t>
             </a:r>
           </a:p>
           <a:p>
             <a:pPr lvl="1"/>
             <a:r>
-              <a:rPr lang="de-AT" dirty="0">
-                <a:latin typeface="Gill Sans MT (Textkörper)"/>
-              </a:rPr>
+              <a:rPr lang="de-AT" dirty="0"/>
               <a:t>Roguelike</a:t>
             </a:r>
           </a:p>
           <a:p>
             <a:pPr lvl="1"/>
             <a:r>
-              <a:rPr lang="de-AT" dirty="0">
-                <a:latin typeface="Gill Sans MT (Textkörper)"/>
-              </a:rPr>
+              <a:rPr lang="de-AT" dirty="0"/>
               <a:t>Bullethell</a:t>
             </a:r>
           </a:p>
           <a:p>
             <a:r>
-              <a:rPr lang="de-AT" dirty="0">
-                <a:latin typeface="Gill Sans MT (Textkörper)"/>
-              </a:rPr>
+              <a:rPr lang="de-AT" dirty="0"/>
               <a:t>Grafik</a:t>
             </a:r>
           </a:p>
           <a:p>
             <a:pPr lvl="1"/>
             <a:r>
-              <a:rPr lang="de-AT" dirty="0">
-                <a:latin typeface="Gill Sans MT (Textkörper)"/>
-              </a:rPr>
+              <a:rPr lang="de-AT" dirty="0"/>
               <a:t>Pixel Elemente		(64/128)</a:t>
             </a:r>
           </a:p>
           <a:p>
             <a:pPr lvl="1"/>
             <a:r>
-              <a:rPr lang="de-AT" dirty="0">
-                <a:latin typeface="Gill Sans MT (Textkörper)"/>
-              </a:rPr>
+              <a:rPr lang="de-AT" dirty="0"/>
               <a:t>Hochauflösende Umgebung</a:t>
             </a:r>
           </a:p>
